--- a/01 - Introduction/Part 1 - Radar general concepts.pptx
+++ b/01 - Introduction/Part 1 - Radar general concepts.pptx
@@ -5,7 +5,7 @@
     <p:sldMasterId id="2147483712" r:id="rId1"/>
   </p:sldMasterIdLst>
   <p:notesMasterIdLst>
-    <p:notesMasterId r:id="rId11"/>
+    <p:notesMasterId r:id="rId12"/>
   </p:notesMasterIdLst>
   <p:sldIdLst>
     <p:sldId id="257" r:id="rId2"/>
@@ -16,7 +16,8 @@
     <p:sldId id="263" r:id="rId7"/>
     <p:sldId id="264" r:id="rId8"/>
     <p:sldId id="265" r:id="rId9"/>
-    <p:sldId id="266" r:id="rId10"/>
+    <p:sldId id="267" r:id="rId10"/>
+    <p:sldId id="266" r:id="rId11"/>
   </p:sldIdLst>
   <p:sldSz cx="12192000" cy="6858000"/>
   <p:notesSz cx="6858000" cy="9144000"/>
@@ -2399,9 +2400,9 @@
   </dgm:ptLst>
   <dgm:cxnLst>
     <dgm:cxn modelId="{FAA8D3DD-12E8-457D-9144-B037C5678347}" srcId="{09C152DA-7620-4852-8162-A77EC3609F3F}" destId="{6C8937BE-93F8-4DED-8538-1C601DAEBA66}" srcOrd="0" destOrd="0" parTransId="{77D169C6-D77F-456D-B18B-D7BE016AD87A}" sibTransId="{A97BE953-FA9D-4BA6-A92C-494DB1F3BA59}"/>
-    <dgm:cxn modelId="{38B5639A-16C0-470B-B246-4906BC9C6FF8}" srcId="{6A70FD8F-0050-42E3-8B3A-6ED7CFB9852E}" destId="{C3C3997C-3832-4B2D-ABB0-001B5A038C5C}" srcOrd="5" destOrd="0" parTransId="{F2D6B439-60C3-46C9-9134-1BB8CAEAB791}" sibTransId="{61AA5263-44A1-42B2-B0FE-63F597D0581D}"/>
     <dgm:cxn modelId="{A98555BB-9216-4FCA-B731-95365D83D853}" srcId="{D71D6A6B-D304-4F98-8699-F8F396E2009D}" destId="{BAEFF35D-EA23-404E-B7C9-E15B50E720BF}" srcOrd="0" destOrd="0" parTransId="{C523416E-C989-443A-BE87-6797E10EADAE}" sibTransId="{E8DEEC42-31D5-4C3F-A9E6-280DBE9AC5A1}"/>
     <dgm:cxn modelId="{20818964-D92B-4292-8E84-0F59628EBE96}" srcId="{C3C3997C-3832-4B2D-ABB0-001B5A038C5C}" destId="{F2AF242D-4A74-4833-98E6-7482427DCB7D}" srcOrd="0" destOrd="0" parTransId="{9655AF8B-B291-45C6-B003-89EF0EF3A0F5}" sibTransId="{80D87209-69BD-4567-A548-7AD8AFDDCADC}"/>
+    <dgm:cxn modelId="{38B5639A-16C0-470B-B246-4906BC9C6FF8}" srcId="{6A70FD8F-0050-42E3-8B3A-6ED7CFB9852E}" destId="{C3C3997C-3832-4B2D-ABB0-001B5A038C5C}" srcOrd="5" destOrd="0" parTransId="{F2D6B439-60C3-46C9-9134-1BB8CAEAB791}" sibTransId="{61AA5263-44A1-42B2-B0FE-63F597D0581D}"/>
     <dgm:cxn modelId="{F9B2D375-40BE-4E5D-AA88-61805FBFF819}" type="presOf" srcId="{8DB5D7D5-6A1C-4ABC-8850-759A9D876047}" destId="{954381E7-0584-46DD-8108-E9BF4F2B5005}" srcOrd="0" destOrd="0" presId="urn:microsoft.com/office/officeart/2016/7/layout/RoundedRectangleTimeline"/>
     <dgm:cxn modelId="{1B0E10C4-5A27-4353-B024-124C46649F32}" type="presOf" srcId="{DF2CB298-44E6-4EF9-8CDD-22885BA54D4F}" destId="{BCD41995-2862-454A-88CF-476FB9B46BF2}" srcOrd="0" destOrd="1" presId="urn:microsoft.com/office/officeart/2016/7/layout/RoundedRectangleTimeline"/>
     <dgm:cxn modelId="{69919F63-FF18-4BA7-8607-152B831846A8}" srcId="{6A70FD8F-0050-42E3-8B3A-6ED7CFB9852E}" destId="{45682198-330F-41FC-A06F-9BF0D99E79C2}" srcOrd="3" destOrd="0" parTransId="{3D01D10D-F30F-43F0-A9E9-85D7DAD52045}" sibTransId="{E878F34F-13B1-47AE-A930-3732F85FEB3B}"/>
@@ -2409,8 +2410,8 @@
     <dgm:cxn modelId="{388F7E7D-7A93-4659-A605-D47E562E0469}" type="presOf" srcId="{78FE962D-8415-4305-8960-3A6C19CAF6D9}" destId="{74A1FE70-5BEC-4F8D-BDCC-D4FED2D7F9E2}" srcOrd="0" destOrd="0" presId="urn:microsoft.com/office/officeart/2016/7/layout/RoundedRectangleTimeline"/>
     <dgm:cxn modelId="{E04E5683-3354-4F4B-85BA-440839754F66}" srcId="{78FE962D-8415-4305-8960-3A6C19CAF6D9}" destId="{DF2CB298-44E6-4EF9-8CDD-22885BA54D4F}" srcOrd="1" destOrd="0" parTransId="{28E093F4-A5DF-41FB-991F-9327D7D3DEDD}" sibTransId="{E931C921-8939-417D-B082-E328A88B4876}"/>
     <dgm:cxn modelId="{B54F94EA-F7EF-4E57-B085-6256F2DE732D}" type="presOf" srcId="{0C8B115B-41AF-4ADE-98C5-9C1315F0272C}" destId="{26190A61-FEEB-4C26-B52A-13BB015B30BC}" srcOrd="0" destOrd="0" presId="urn:microsoft.com/office/officeart/2016/7/layout/RoundedRectangleTimeline"/>
+    <dgm:cxn modelId="{635CE185-78FD-4E9F-BB54-5F360382A6D4}" type="presOf" srcId="{A21A4C63-4BA5-4E17-BA6A-9640F9A13E71}" destId="{5B90CA54-4FA4-4453-A4B0-7BF45CB6645E}" srcOrd="0" destOrd="0" presId="urn:microsoft.com/office/officeart/2016/7/layout/RoundedRectangleTimeline"/>
     <dgm:cxn modelId="{0B4C5ACC-52EA-4B5B-8B10-D0CD353FA567}" type="presOf" srcId="{24E5D3B2-7A98-493C-8692-D96D6A147AC8}" destId="{9A4150DA-F945-4826-AC80-B8373C977BDB}" srcOrd="0" destOrd="0" presId="urn:microsoft.com/office/officeart/2016/7/layout/RoundedRectangleTimeline"/>
-    <dgm:cxn modelId="{635CE185-78FD-4E9F-BB54-5F360382A6D4}" type="presOf" srcId="{A21A4C63-4BA5-4E17-BA6A-9640F9A13E71}" destId="{5B90CA54-4FA4-4453-A4B0-7BF45CB6645E}" srcOrd="0" destOrd="0" presId="urn:microsoft.com/office/officeart/2016/7/layout/RoundedRectangleTimeline"/>
     <dgm:cxn modelId="{CA4F0284-E0EC-4E5F-AE75-DDCC22FEDA0B}" type="presOf" srcId="{5507412E-7123-4EB0-9F31-E986F5FC6112}" destId="{EEDCFD76-8D94-409B-B0CC-1547E230C739}" srcOrd="0" destOrd="0" presId="urn:microsoft.com/office/officeart/2016/7/layout/RoundedRectangleTimeline"/>
     <dgm:cxn modelId="{92DC1018-32A2-4BAC-96F5-3FB4B445E5FD}" type="presOf" srcId="{90917E2B-2F4C-481F-B832-A0DDA698AF96}" destId="{BCD41995-2862-454A-88CF-476FB9B46BF2}" srcOrd="0" destOrd="0" presId="urn:microsoft.com/office/officeart/2016/7/layout/RoundedRectangleTimeline"/>
     <dgm:cxn modelId="{574AF3CB-A63A-437E-BF46-676C0F19B98A}" srcId="{6A70FD8F-0050-42E3-8B3A-6ED7CFB9852E}" destId="{78FE962D-8415-4305-8960-3A6C19CAF6D9}" srcOrd="7" destOrd="0" parTransId="{0484F0BA-9EF9-4FEA-ADD9-B389A00EC8BB}" sibTransId="{C374466F-0A5F-4122-B0F8-6AFB2B8EE5B9}"/>
@@ -2430,8 +2431,8 @@
     <dgm:cxn modelId="{437C3459-3F06-46C6-B006-6295C6CAB472}" srcId="{5507412E-7123-4EB0-9F31-E986F5FC6112}" destId="{1C45B0A8-3E99-45C4-B633-F4E857B45928}" srcOrd="1" destOrd="0" parTransId="{9E47F298-B0E8-4637-BC15-A3038A173257}" sibTransId="{76A23BD8-3E64-4BFF-924C-894D46B38DAA}"/>
     <dgm:cxn modelId="{4BDF6F14-B011-4BB6-8EF6-BFB134CBF43C}" srcId="{24E5D3B2-7A98-493C-8692-D96D6A147AC8}" destId="{092381D8-2E51-453D-9C49-305AA393C15A}" srcOrd="1" destOrd="0" parTransId="{5D354F82-42EF-40F5-9117-FA864855FCFB}" sibTransId="{0CE6E080-11A1-4206-8058-91AC7112B492}"/>
     <dgm:cxn modelId="{E2FD8FE7-AA3D-40DF-92A0-23E177AB55E0}" srcId="{5507412E-7123-4EB0-9F31-E986F5FC6112}" destId="{6CBBFD8E-DA39-45A2-B781-5A67FD4BFBD2}" srcOrd="0" destOrd="0" parTransId="{DBDA5477-D7EB-4925-975D-8A4AEA94B4DD}" sibTransId="{D6334ED1-1414-48BD-8A55-A9A3350D013D}"/>
+    <dgm:cxn modelId="{FD773EAB-9351-427F-8E9E-ED1B1542BCF1}" type="presOf" srcId="{0361E2E6-C954-4204-9FCB-9BA09718D5C4}" destId="{72E37E8A-FA58-4DC9-97B8-6C1F93AC067A}" srcOrd="0" destOrd="0" presId="urn:microsoft.com/office/officeart/2016/7/layout/RoundedRectangleTimeline"/>
     <dgm:cxn modelId="{43E8157C-845F-495A-BD90-259647F3B688}" srcId="{3CE3E7D3-88C4-4A6E-A285-53FD2AA0627E}" destId="{D7F5FC73-67AA-497A-A08E-E8C6FEBD295F}" srcOrd="0" destOrd="0" parTransId="{071BC1F7-F8DD-4335-A868-47846479D31E}" sibTransId="{F437D0C8-F93C-4C44-8B6B-2E695238B8E0}"/>
-    <dgm:cxn modelId="{FD773EAB-9351-427F-8E9E-ED1B1542BCF1}" type="presOf" srcId="{0361E2E6-C954-4204-9FCB-9BA09718D5C4}" destId="{72E37E8A-FA58-4DC9-97B8-6C1F93AC067A}" srcOrd="0" destOrd="0" presId="urn:microsoft.com/office/officeart/2016/7/layout/RoundedRectangleTimeline"/>
     <dgm:cxn modelId="{1393BEB6-10DB-450F-AFC7-B9326CEDB202}" type="presOf" srcId="{1C45B0A8-3E99-45C4-B633-F4E857B45928}" destId="{47FAA635-3B83-4DA4-8417-0BF9B62BC2FE}" srcOrd="0" destOrd="1" presId="urn:microsoft.com/office/officeart/2016/7/layout/RoundedRectangleTimeline"/>
     <dgm:cxn modelId="{BAC284FB-3EAF-4C69-BD03-97C83E31F8C3}" srcId="{6A70FD8F-0050-42E3-8B3A-6ED7CFB9852E}" destId="{0361E2E6-C954-4204-9FCB-9BA09718D5C4}" srcOrd="4" destOrd="0" parTransId="{41D65E4C-43FD-4CC6-B331-230B604804F6}" sibTransId="{D7509AA4-5BF7-484C-B37F-70140B9E273F}"/>
     <dgm:cxn modelId="{457E12EA-313C-44F7-AB74-660AB3A90217}" srcId="{6A70FD8F-0050-42E3-8B3A-6ED7CFB9852E}" destId="{3CE3E7D3-88C4-4A6E-A285-53FD2AA0627E}" srcOrd="8" destOrd="0" parTransId="{CDA67266-D879-4303-A788-1669BC4F9982}" sibTransId="{BC2D1C24-15E2-4169-AE20-030FA6623343}"/>
@@ -2795,9 +2796,9 @@
         <a:solidFill>
           <a:schemeClr val="accent1">
             <a:shade val="80000"/>
-            <a:hueOff val="44619"/>
-            <a:satOff val="-906"/>
-            <a:lumOff val="3068"/>
+            <a:hueOff val="-53135"/>
+            <a:satOff val="-2534"/>
+            <a:lumOff val="3233"/>
             <a:alphaOff val="0"/>
           </a:schemeClr>
         </a:solidFill>
@@ -2805,9 +2806,9 @@
           <a:solidFill>
             <a:schemeClr val="accent1">
               <a:shade val="80000"/>
-              <a:hueOff val="44619"/>
-              <a:satOff val="-906"/>
-              <a:lumOff val="3068"/>
+              <a:hueOff val="-53135"/>
+              <a:satOff val="-2534"/>
+              <a:lumOff val="3233"/>
               <a:alphaOff val="0"/>
             </a:schemeClr>
           </a:solidFill>
@@ -2976,9 +2977,9 @@
         <a:solidFill>
           <a:schemeClr val="accent1">
             <a:shade val="80000"/>
-            <a:hueOff val="44619"/>
-            <a:satOff val="-906"/>
-            <a:lumOff val="3068"/>
+            <a:hueOff val="-53135"/>
+            <a:satOff val="-2534"/>
+            <a:lumOff val="3233"/>
             <a:alphaOff val="0"/>
           </a:schemeClr>
         </a:solidFill>
@@ -3026,9 +3027,9 @@
         <a:solidFill>
           <a:schemeClr val="accent1">
             <a:shade val="80000"/>
-            <a:hueOff val="89238"/>
-            <a:satOff val="-1812"/>
-            <a:lumOff val="6135"/>
+            <a:hueOff val="-106270"/>
+            <a:satOff val="-5067"/>
+            <a:lumOff val="6466"/>
             <a:alphaOff val="0"/>
           </a:schemeClr>
         </a:solidFill>
@@ -3036,9 +3037,9 @@
           <a:solidFill>
             <a:schemeClr val="accent1">
               <a:shade val="80000"/>
-              <a:hueOff val="89238"/>
-              <a:satOff val="-1812"/>
-              <a:lumOff val="6135"/>
+              <a:hueOff val="-106270"/>
+              <a:satOff val="-5067"/>
+              <a:lumOff val="6466"/>
               <a:alphaOff val="0"/>
             </a:schemeClr>
           </a:solidFill>
@@ -3211,9 +3212,9 @@
         <a:solidFill>
           <a:schemeClr val="accent1">
             <a:shade val="80000"/>
-            <a:hueOff val="89238"/>
-            <a:satOff val="-1812"/>
-            <a:lumOff val="6135"/>
+            <a:hueOff val="-106270"/>
+            <a:satOff val="-5067"/>
+            <a:lumOff val="6466"/>
             <a:alphaOff val="0"/>
           </a:schemeClr>
         </a:solidFill>
@@ -3261,9 +3262,9 @@
         <a:solidFill>
           <a:schemeClr val="accent1">
             <a:shade val="80000"/>
-            <a:hueOff val="133857"/>
-            <a:satOff val="-2717"/>
-            <a:lumOff val="9203"/>
+            <a:hueOff val="-159405"/>
+            <a:satOff val="-7601"/>
+            <a:lumOff val="9699"/>
             <a:alphaOff val="0"/>
           </a:schemeClr>
         </a:solidFill>
@@ -3271,9 +3272,9 @@
           <a:solidFill>
             <a:schemeClr val="accent1">
               <a:shade val="80000"/>
-              <a:hueOff val="133857"/>
-              <a:satOff val="-2717"/>
-              <a:lumOff val="9203"/>
+              <a:hueOff val="-159405"/>
+              <a:satOff val="-7601"/>
+              <a:lumOff val="9699"/>
               <a:alphaOff val="0"/>
             </a:schemeClr>
           </a:solidFill>
@@ -3406,9 +3407,9 @@
           <a:solidFill>
             <a:schemeClr val="accent1">
               <a:shade val="90000"/>
-              <a:hueOff val="133863"/>
-              <a:satOff val="-2581"/>
-              <a:lumOff val="8437"/>
+              <a:hueOff val="-159469"/>
+              <a:satOff val="-7450"/>
+              <a:lumOff val="8993"/>
               <a:alphaOff val="0"/>
             </a:schemeClr>
           </a:solidFill>
@@ -3445,9 +3446,9 @@
         <a:solidFill>
           <a:schemeClr val="accent1">
             <a:shade val="80000"/>
-            <a:hueOff val="133857"/>
-            <a:satOff val="-2717"/>
-            <a:lumOff val="9203"/>
+            <a:hueOff val="-159405"/>
+            <a:satOff val="-7601"/>
+            <a:lumOff val="9699"/>
             <a:alphaOff val="0"/>
           </a:schemeClr>
         </a:solidFill>
@@ -3495,9 +3496,9 @@
         <a:solidFill>
           <a:schemeClr val="accent1">
             <a:shade val="80000"/>
-            <a:hueOff val="178477"/>
-            <a:satOff val="-3623"/>
-            <a:lumOff val="12271"/>
+            <a:hueOff val="-212540"/>
+            <a:satOff val="-10134"/>
+            <a:lumOff val="12932"/>
             <a:alphaOff val="0"/>
           </a:schemeClr>
         </a:solidFill>
@@ -3505,9 +3506,9 @@
           <a:solidFill>
             <a:schemeClr val="accent1">
               <a:shade val="80000"/>
-              <a:hueOff val="178477"/>
-              <a:satOff val="-3623"/>
-              <a:lumOff val="12271"/>
+              <a:hueOff val="-212540"/>
+              <a:satOff val="-10134"/>
+              <a:lumOff val="12932"/>
               <a:alphaOff val="0"/>
             </a:schemeClr>
           </a:solidFill>
@@ -3636,9 +3637,9 @@
           <a:solidFill>
             <a:schemeClr val="accent1">
               <a:shade val="90000"/>
-              <a:hueOff val="178485"/>
-              <a:satOff val="-3441"/>
-              <a:lumOff val="11250"/>
+              <a:hueOff val="-212625"/>
+              <a:satOff val="-9933"/>
+              <a:lumOff val="11991"/>
               <a:alphaOff val="0"/>
             </a:schemeClr>
           </a:solidFill>
@@ -3675,9 +3676,9 @@
         <a:solidFill>
           <a:schemeClr val="accent1">
             <a:shade val="80000"/>
-            <a:hueOff val="178477"/>
-            <a:satOff val="-3623"/>
-            <a:lumOff val="12271"/>
+            <a:hueOff val="-212540"/>
+            <a:satOff val="-10134"/>
+            <a:lumOff val="12932"/>
             <a:alphaOff val="0"/>
           </a:schemeClr>
         </a:solidFill>
@@ -3725,9 +3726,9 @@
         <a:solidFill>
           <a:schemeClr val="accent1">
             <a:shade val="80000"/>
-            <a:hueOff val="223096"/>
-            <a:satOff val="-4529"/>
-            <a:lumOff val="15339"/>
+            <a:hueOff val="-265675"/>
+            <a:satOff val="-12668"/>
+            <a:lumOff val="16165"/>
             <a:alphaOff val="0"/>
           </a:schemeClr>
         </a:solidFill>
@@ -3735,9 +3736,9 @@
           <a:solidFill>
             <a:schemeClr val="accent1">
               <a:shade val="80000"/>
-              <a:hueOff val="223096"/>
-              <a:satOff val="-4529"/>
-              <a:lumOff val="15339"/>
+              <a:hueOff val="-265675"/>
+              <a:satOff val="-12668"/>
+              <a:lumOff val="16165"/>
               <a:alphaOff val="0"/>
             </a:schemeClr>
           </a:solidFill>
@@ -3866,9 +3867,9 @@
           <a:solidFill>
             <a:schemeClr val="accent1">
               <a:shade val="90000"/>
-              <a:hueOff val="223106"/>
-              <a:satOff val="-4301"/>
-              <a:lumOff val="14062"/>
+              <a:hueOff val="-265782"/>
+              <a:satOff val="-12416"/>
+              <a:lumOff val="14989"/>
               <a:alphaOff val="0"/>
             </a:schemeClr>
           </a:solidFill>
@@ -3905,9 +3906,9 @@
         <a:solidFill>
           <a:schemeClr val="accent1">
             <a:shade val="80000"/>
-            <a:hueOff val="223096"/>
-            <a:satOff val="-4529"/>
-            <a:lumOff val="15339"/>
+            <a:hueOff val="-265675"/>
+            <a:satOff val="-12668"/>
+            <a:lumOff val="16165"/>
             <a:alphaOff val="0"/>
           </a:schemeClr>
         </a:solidFill>
@@ -3955,9 +3956,9 @@
         <a:solidFill>
           <a:schemeClr val="accent1">
             <a:shade val="80000"/>
-            <a:hueOff val="267715"/>
-            <a:satOff val="-5435"/>
-            <a:lumOff val="18406"/>
+            <a:hueOff val="-318809"/>
+            <a:satOff val="-15201"/>
+            <a:lumOff val="19398"/>
             <a:alphaOff val="0"/>
           </a:schemeClr>
         </a:solidFill>
@@ -3965,9 +3966,9 @@
           <a:solidFill>
             <a:schemeClr val="accent1">
               <a:shade val="80000"/>
-              <a:hueOff val="267715"/>
-              <a:satOff val="-5435"/>
-              <a:lumOff val="18406"/>
+              <a:hueOff val="-318809"/>
+              <a:satOff val="-15201"/>
+              <a:lumOff val="19398"/>
               <a:alphaOff val="0"/>
             </a:schemeClr>
           </a:solidFill>
@@ -4114,9 +4115,9 @@
           <a:solidFill>
             <a:schemeClr val="accent1">
               <a:shade val="90000"/>
-              <a:hueOff val="267727"/>
-              <a:satOff val="-5161"/>
-              <a:lumOff val="16874"/>
+              <a:hueOff val="-318938"/>
+              <a:satOff val="-14899"/>
+              <a:lumOff val="17987"/>
               <a:alphaOff val="0"/>
             </a:schemeClr>
           </a:solidFill>
@@ -4153,9 +4154,9 @@
         <a:solidFill>
           <a:schemeClr val="accent1">
             <a:shade val="80000"/>
-            <a:hueOff val="267715"/>
-            <a:satOff val="-5435"/>
-            <a:lumOff val="18406"/>
+            <a:hueOff val="-318809"/>
+            <a:satOff val="-15201"/>
+            <a:lumOff val="19398"/>
             <a:alphaOff val="0"/>
           </a:schemeClr>
         </a:solidFill>
@@ -4203,9 +4204,9 @@
         <a:solidFill>
           <a:schemeClr val="accent1">
             <a:shade val="80000"/>
-            <a:hueOff val="312334"/>
-            <a:satOff val="-6341"/>
-            <a:lumOff val="21474"/>
+            <a:hueOff val="-371944"/>
+            <a:satOff val="-17735"/>
+            <a:lumOff val="22631"/>
             <a:alphaOff val="0"/>
           </a:schemeClr>
         </a:solidFill>
@@ -4213,9 +4214,9 @@
           <a:solidFill>
             <a:schemeClr val="accent1">
               <a:shade val="80000"/>
-              <a:hueOff val="312334"/>
-              <a:satOff val="-6341"/>
-              <a:lumOff val="21474"/>
+              <a:hueOff val="-371944"/>
+              <a:satOff val="-17735"/>
+              <a:lumOff val="22631"/>
               <a:alphaOff val="0"/>
             </a:schemeClr>
           </a:solidFill>
@@ -4362,9 +4363,9 @@
           <a:solidFill>
             <a:schemeClr val="accent1">
               <a:shade val="90000"/>
-              <a:hueOff val="312348"/>
-              <a:satOff val="-6021"/>
-              <a:lumOff val="19687"/>
+              <a:hueOff val="-372094"/>
+              <a:satOff val="-17382"/>
+              <a:lumOff val="20985"/>
               <a:alphaOff val="0"/>
             </a:schemeClr>
           </a:solidFill>
@@ -4401,9 +4402,9 @@
         <a:solidFill>
           <a:schemeClr val="accent1">
             <a:shade val="80000"/>
-            <a:hueOff val="312334"/>
-            <a:satOff val="-6341"/>
-            <a:lumOff val="21474"/>
+            <a:hueOff val="-371944"/>
+            <a:satOff val="-17735"/>
+            <a:lumOff val="22631"/>
             <a:alphaOff val="0"/>
           </a:schemeClr>
         </a:solidFill>
@@ -4451,9 +4452,9 @@
         <a:solidFill>
           <a:schemeClr val="accent1">
             <a:shade val="80000"/>
-            <a:hueOff val="356953"/>
-            <a:satOff val="-7246"/>
-            <a:lumOff val="24542"/>
+            <a:hueOff val="-425079"/>
+            <a:satOff val="-20268"/>
+            <a:lumOff val="25864"/>
             <a:alphaOff val="0"/>
           </a:schemeClr>
         </a:solidFill>
@@ -4461,9 +4462,9 @@
           <a:solidFill>
             <a:schemeClr val="accent1">
               <a:shade val="80000"/>
-              <a:hueOff val="356953"/>
-              <a:satOff val="-7246"/>
-              <a:lumOff val="24542"/>
+              <a:hueOff val="-425079"/>
+              <a:satOff val="-20268"/>
+              <a:lumOff val="25864"/>
               <a:alphaOff val="0"/>
             </a:schemeClr>
           </a:solidFill>
@@ -4592,9 +4593,9 @@
           <a:solidFill>
             <a:schemeClr val="accent1">
               <a:shade val="90000"/>
-              <a:hueOff val="356969"/>
-              <a:satOff val="-6882"/>
-              <a:lumOff val="22499"/>
+              <a:hueOff val="-425250"/>
+              <a:satOff val="-19866"/>
+              <a:lumOff val="23982"/>
               <a:alphaOff val="0"/>
             </a:schemeClr>
           </a:solidFill>
@@ -4631,9 +4632,9 @@
         <a:solidFill>
           <a:schemeClr val="accent1">
             <a:shade val="80000"/>
-            <a:hueOff val="356953"/>
-            <a:satOff val="-7246"/>
-            <a:lumOff val="24542"/>
+            <a:hueOff val="-425079"/>
+            <a:satOff val="-20268"/>
+            <a:lumOff val="25864"/>
             <a:alphaOff val="0"/>
           </a:schemeClr>
         </a:solidFill>
@@ -4681,9 +4682,9 @@
         <a:solidFill>
           <a:schemeClr val="accent1">
             <a:shade val="80000"/>
-            <a:hueOff val="401572"/>
-            <a:satOff val="-8152"/>
-            <a:lumOff val="27609"/>
+            <a:hueOff val="-478214"/>
+            <a:satOff val="-22802"/>
+            <a:lumOff val="29097"/>
             <a:alphaOff val="0"/>
           </a:schemeClr>
         </a:solidFill>
@@ -4691,9 +4692,9 @@
           <a:solidFill>
             <a:schemeClr val="accent1">
               <a:shade val="80000"/>
-              <a:hueOff val="401572"/>
-              <a:satOff val="-8152"/>
-              <a:lumOff val="27609"/>
+              <a:hueOff val="-478214"/>
+              <a:satOff val="-22802"/>
+              <a:lumOff val="29097"/>
               <a:alphaOff val="0"/>
             </a:schemeClr>
           </a:solidFill>
@@ -4840,9 +4841,9 @@
           <a:solidFill>
             <a:schemeClr val="accent1">
               <a:shade val="90000"/>
-              <a:hueOff val="401590"/>
-              <a:satOff val="-7742"/>
-              <a:lumOff val="25312"/>
+              <a:hueOff val="-478407"/>
+              <a:satOff val="-22349"/>
+              <a:lumOff val="26980"/>
               <a:alphaOff val="0"/>
             </a:schemeClr>
           </a:solidFill>
@@ -4879,9 +4880,9 @@
         <a:solidFill>
           <a:schemeClr val="accent1">
             <a:shade val="80000"/>
-            <a:hueOff val="401572"/>
-            <a:satOff val="-8152"/>
-            <a:lumOff val="27609"/>
+            <a:hueOff val="-478214"/>
+            <a:satOff val="-22802"/>
+            <a:lumOff val="29097"/>
             <a:alphaOff val="0"/>
           </a:schemeClr>
         </a:solidFill>
@@ -4929,9 +4930,9 @@
         <a:solidFill>
           <a:schemeClr val="accent1">
             <a:shade val="80000"/>
-            <a:hueOff val="446191"/>
-            <a:satOff val="-9058"/>
-            <a:lumOff val="30677"/>
+            <a:hueOff val="-531349"/>
+            <a:satOff val="-25335"/>
+            <a:lumOff val="32330"/>
             <a:alphaOff val="0"/>
           </a:schemeClr>
         </a:solidFill>
@@ -4939,9 +4940,9 @@
           <a:solidFill>
             <a:schemeClr val="accent1">
               <a:shade val="80000"/>
-              <a:hueOff val="446191"/>
-              <a:satOff val="-9058"/>
-              <a:lumOff val="30677"/>
+              <a:hueOff val="-531349"/>
+              <a:satOff val="-25335"/>
+              <a:lumOff val="32330"/>
               <a:alphaOff val="0"/>
             </a:schemeClr>
           </a:solidFill>
@@ -5070,9 +5071,9 @@
           <a:solidFill>
             <a:schemeClr val="accent1">
               <a:shade val="90000"/>
-              <a:hueOff val="446212"/>
-              <a:satOff val="-8602"/>
-              <a:lumOff val="28124"/>
+              <a:hueOff val="-531563"/>
+              <a:satOff val="-24832"/>
+              <a:lumOff val="29978"/>
               <a:alphaOff val="0"/>
             </a:schemeClr>
           </a:solidFill>
@@ -5109,9 +5110,9 @@
         <a:solidFill>
           <a:schemeClr val="accent1">
             <a:shade val="80000"/>
-            <a:hueOff val="446191"/>
-            <a:satOff val="-9058"/>
-            <a:lumOff val="30677"/>
+            <a:hueOff val="-531349"/>
+            <a:satOff val="-25335"/>
+            <a:lumOff val="32330"/>
             <a:alphaOff val="0"/>
           </a:schemeClr>
         </a:solidFill>
@@ -6846,7 +6847,7 @@
           <a:p>
             <a:fld id="{7F171A09-25F0-48F3-9FED-62B390501A9A}" type="datetimeFigureOut">
               <a:rPr lang="en-AU" smtClean="0"/>
-              <a:t>5/02/2020</a:t>
+              <a:t>6/02/2020</a:t>
             </a:fld>
             <a:endParaRPr lang="en-AU"/>
           </a:p>
@@ -7448,7 +7449,7 @@
           <a:p>
             <a:fld id="{ED291B17-9318-49DB-B28B-6E5994AE9581}" type="datetime1">
               <a:rPr lang="en-US" smtClean="0"/>
-              <a:t>2/5/2020</a:t>
+              <a:t>2/6/2020</a:t>
             </a:fld>
             <a:endParaRPr lang="en-US" dirty="0"/>
           </a:p>
@@ -7651,7 +7652,7 @@
           <a:p>
             <a:fld id="{2CED4963-E985-44C4-B8C4-FDD613B7C2F8}" type="datetime1">
               <a:rPr lang="en-US" smtClean="0"/>
-              <a:t>2/5/2020</a:t>
+              <a:t>2/6/2020</a:t>
             </a:fld>
             <a:endParaRPr lang="en-US" dirty="0"/>
           </a:p>
@@ -8013,7 +8014,7 @@
           <a:p>
             <a:fld id="{ED291B17-9318-49DB-B28B-6E5994AE9581}" type="datetime1">
               <a:rPr lang="en-US" smtClean="0"/>
-              <a:t>2/5/2020</a:t>
+              <a:t>2/6/2020</a:t>
             </a:fld>
             <a:endParaRPr lang="en-US" dirty="0"/>
           </a:p>
@@ -8211,7 +8212,7 @@
           <a:p>
             <a:fld id="{78DD82B9-B8EE-4375-B6FF-88FA6ABB15D9}" type="datetime1">
               <a:rPr lang="en-US" smtClean="0"/>
-              <a:t>2/5/2020</a:t>
+              <a:t>2/6/2020</a:t>
             </a:fld>
             <a:endParaRPr lang="en-US" dirty="0"/>
           </a:p>
@@ -8523,7 +8524,7 @@
           <a:p>
             <a:fld id="{B2497495-0637-405E-AE64-5CC7506D51F5}" type="datetime1">
               <a:rPr lang="en-US" smtClean="0"/>
-              <a:t>2/5/2020</a:t>
+              <a:t>2/6/2020</a:t>
             </a:fld>
             <a:endParaRPr lang="en-US" dirty="0"/>
           </a:p>
@@ -8776,7 +8777,7 @@
           <a:p>
             <a:fld id="{7BFFD690-9426-415D-8B65-26881E07B2D4}" type="datetime1">
               <a:rPr lang="en-US" smtClean="0"/>
-              <a:t>2/5/2020</a:t>
+              <a:t>2/6/2020</a:t>
             </a:fld>
             <a:endParaRPr lang="en-US" dirty="0"/>
           </a:p>
@@ -9198,7 +9199,7 @@
           <a:p>
             <a:fld id="{04C4989A-474C-40DE-95B9-011C28B71673}" type="datetime1">
               <a:rPr lang="en-US" smtClean="0"/>
-              <a:t>2/5/2020</a:t>
+              <a:t>2/6/2020</a:t>
             </a:fld>
             <a:endParaRPr lang="en-US" dirty="0"/>
           </a:p>
@@ -9321,7 +9322,7 @@
           <a:p>
             <a:fld id="{5DB4ED54-5B5E-4A04-93D3-5772E3CE3818}" type="datetime1">
               <a:rPr lang="en-US" smtClean="0"/>
-              <a:t>2/5/2020</a:t>
+              <a:t>2/6/2020</a:t>
             </a:fld>
             <a:endParaRPr lang="en-US" dirty="0"/>
           </a:p>
@@ -9416,7 +9417,7 @@
           <a:p>
             <a:fld id="{4EDE50D6-574B-40AF-946F-D52A04ADE379}" type="datetime1">
               <a:rPr lang="en-US" smtClean="0"/>
-              <a:t>2/5/2020</a:t>
+              <a:t>2/6/2020</a:t>
             </a:fld>
             <a:endParaRPr lang="en-US" dirty="0"/>
           </a:p>
@@ -9793,7 +9794,7 @@
           <a:p>
             <a:fld id="{D82884F1-FFEA-405F-9602-3DCA865EDA4E}" type="datetime1">
               <a:rPr lang="en-US" smtClean="0"/>
-              <a:t>2/5/2020</a:t>
+              <a:t>2/6/2020</a:t>
             </a:fld>
             <a:endParaRPr lang="en-US" dirty="0"/>
           </a:p>
@@ -10086,7 +10087,7 @@
           <a:p>
             <a:fld id="{7E18DB4A-8810-4A10-AD5C-D5E2C667F5B3}" type="datetime1">
               <a:rPr lang="en-US" smtClean="0"/>
-              <a:t>2/5/2020</a:t>
+              <a:t>2/6/2020</a:t>
             </a:fld>
             <a:endParaRPr lang="en-US" dirty="0"/>
           </a:p>
@@ -10301,7 +10302,7 @@
           <a:p>
             <a:fld id="{ED291B17-9318-49DB-B28B-6E5994AE9581}" type="datetime1">
               <a:rPr lang="en-US" smtClean="0"/>
-              <a:t>2/5/2020</a:t>
+              <a:t>2/6/2020</a:t>
             </a:fld>
             <a:endParaRPr lang="en-US" dirty="0"/>
           </a:p>
@@ -11031,7 +11032,14 @@
           <a:p>
             <a:r>
               <a:rPr lang="en-US" dirty="0"/>
-              <a:t>Introduction to Meteorological radar</a:t>
+              <a:t>Introduction to </a:t>
+            </a:r>
+            <a:br>
+              <a:rPr lang="en-US" dirty="0"/>
+            </a:br>
+            <a:r>
+              <a:rPr lang="en-US" dirty="0"/>
+              <a:t>Meteorological radar</a:t>
             </a:r>
           </a:p>
         </p:txBody>
@@ -11238,19 +11246,13 @@
       </p:sp>
       <p:pic>
         <p:nvPicPr>
-          <p:cNvPr id="6" name="Picture 5" descr="A close up of a logo&#10;&#10;Description automatically generated">
-            <a:extLst>
-              <a:ext uri="{FF2B5EF4-FFF2-40B4-BE49-F238E27FC236}">
-                <a16:creationId xmlns:a16="http://schemas.microsoft.com/office/drawing/2014/main" id="{F1A8C364-94D4-4630-BAD0-78722F347055}"/>
-              </a:ext>
-            </a:extLst>
-          </p:cNvPr>
+          <p:cNvPr id="4" name="Picture 3"/>
           <p:cNvPicPr>
             <a:picLocks noChangeAspect="1"/>
           </p:cNvPicPr>
           <p:nvPr/>
         </p:nvPicPr>
-        <p:blipFill rotWithShape="1">
+        <p:blipFill>
           <a:blip r:embed="rId2">
             <a:extLst>
               <a:ext uri="{28A0092B-C50C-407E-A947-70E740481C1C}">
@@ -11258,13 +11260,14 @@
               </a:ext>
             </a:extLst>
           </a:blip>
-          <a:srcRect/>
-          <a:stretch/>
+          <a:stretch>
+            <a:fillRect/>
+          </a:stretch>
         </p:blipFill>
         <p:spPr>
           <a:xfrm>
-            <a:off x="448733" y="3081867"/>
-            <a:ext cx="11260667" cy="3310466"/>
+            <a:off x="8756073" y="0"/>
+            <a:ext cx="3435927" cy="6871854"/>
           </a:xfrm>
           <a:prstGeom prst="rect">
             <a:avLst/>
@@ -11284,908 +11287,7 @@
 </p:sld>
 </file>
 
-<file path=ppt/slides/slide2.xml><?xml version="1.0" encoding="utf-8"?>
-<p:sld xmlns:a="http://schemas.openxmlformats.org/drawingml/2006/main" xmlns:r="http://schemas.openxmlformats.org/officeDocument/2006/relationships" xmlns:p="http://schemas.openxmlformats.org/presentationml/2006/main">
-  <p:cSld>
-    <p:spTree>
-      <p:nvGrpSpPr>
-        <p:cNvPr id="1" name=""/>
-        <p:cNvGrpSpPr/>
-        <p:nvPr/>
-      </p:nvGrpSpPr>
-      <p:grpSpPr>
-        <a:xfrm>
-          <a:off x="0" y="0"/>
-          <a:ext cx="0" cy="0"/>
-          <a:chOff x="0" y="0"/>
-          <a:chExt cx="0" cy="0"/>
-        </a:xfrm>
-      </p:grpSpPr>
-      <p:sp>
-        <p:nvSpPr>
-          <p:cNvPr id="2" name="Title 1"/>
-          <p:cNvSpPr>
-            <a:spLocks noGrp="1"/>
-          </p:cNvSpPr>
-          <p:nvPr>
-            <p:ph type="title"/>
-          </p:nvPr>
-        </p:nvSpPr>
-        <p:spPr/>
-        <p:txBody>
-          <a:bodyPr/>
-          <a:lstStyle/>
-          <a:p>
-            <a:r>
-              <a:rPr lang="en-AU" dirty="0"/>
-              <a:t>What are radars?</a:t>
-            </a:r>
-          </a:p>
-        </p:txBody>
-      </p:sp>
-      <p:sp>
-        <p:nvSpPr>
-          <p:cNvPr id="3" name="Content Placeholder 2"/>
-          <p:cNvSpPr>
-            <a:spLocks noGrp="1"/>
-          </p:cNvSpPr>
-          <p:nvPr>
-            <p:ph idx="1"/>
-          </p:nvPr>
-        </p:nvSpPr>
-        <p:spPr/>
-        <p:txBody>
-          <a:bodyPr/>
-          <a:lstStyle/>
-          <a:p>
-            <a:r>
-              <a:rPr lang="en-AU" dirty="0"/>
-              <a:t>Radars emit </a:t>
-            </a:r>
-            <a:r>
-              <a:rPr lang="en-AU" b="1" dirty="0"/>
-              <a:t>electromagnetic waves</a:t>
-            </a:r>
-            <a:r>
-              <a:rPr lang="en-AU" dirty="0"/>
-              <a:t>.</a:t>
-            </a:r>
-          </a:p>
-          <a:p>
-            <a:r>
-              <a:rPr lang="en-AU" dirty="0"/>
-              <a:t>Electromagnetic waves are </a:t>
-            </a:r>
-            <a:r>
-              <a:rPr lang="en-AU" b="1" dirty="0"/>
-              <a:t>reflected</a:t>
-            </a:r>
-            <a:r>
-              <a:rPr lang="en-AU" dirty="0"/>
-              <a:t> if they meet an electrically leading surface.</a:t>
-            </a:r>
-          </a:p>
-          <a:p>
-            <a:r>
-              <a:rPr lang="en-AU" dirty="0"/>
-              <a:t>If these reflected waves are </a:t>
-            </a:r>
-            <a:r>
-              <a:rPr lang="en-AU" b="1" dirty="0"/>
-              <a:t>received again </a:t>
-            </a:r>
-            <a:r>
-              <a:rPr lang="en-AU" dirty="0"/>
-              <a:t>at the place of their origin, then that means an obstacle is in the propagation direction.</a:t>
-            </a:r>
-          </a:p>
-          <a:p>
-            <a:r>
-              <a:rPr lang="en-AU" dirty="0"/>
-              <a:t>The constant speed of light allows the determination of the </a:t>
-            </a:r>
-            <a:r>
-              <a:rPr lang="en-AU" b="1" dirty="0"/>
-              <a:t>distance</a:t>
-            </a:r>
-            <a:r>
-              <a:rPr lang="en-AU" dirty="0"/>
-              <a:t> between the reflecting objects (airplanes, ships, cars, building, birds, weather phenomenon) and the radar site by </a:t>
-            </a:r>
-            <a:r>
-              <a:rPr lang="en-AU" b="1" dirty="0"/>
-              <a:t>measuring the running time</a:t>
-            </a:r>
-            <a:r>
-              <a:rPr lang="en-AU" dirty="0"/>
-              <a:t>.</a:t>
-            </a:r>
-            <a:endParaRPr lang="en-AU" dirty="0"/>
-          </a:p>
-        </p:txBody>
-      </p:sp>
-    </p:spTree>
-    <p:extLst>
-      <p:ext uri="{BB962C8B-B14F-4D97-AF65-F5344CB8AC3E}">
-        <p14:creationId xmlns:p14="http://schemas.microsoft.com/office/powerpoint/2010/main" val="1959573313"/>
-      </p:ext>
-    </p:extLst>
-  </p:cSld>
-  <p:clrMapOvr>
-    <a:masterClrMapping/>
-  </p:clrMapOvr>
-</p:sld>
-</file>
-
-<file path=ppt/slides/slide3.xml><?xml version="1.0" encoding="utf-8"?>
-<p:sld xmlns:a="http://schemas.openxmlformats.org/drawingml/2006/main" xmlns:r="http://schemas.openxmlformats.org/officeDocument/2006/relationships" xmlns:p="http://schemas.openxmlformats.org/presentationml/2006/main">
-  <p:cSld>
-    <p:spTree>
-      <p:nvGrpSpPr>
-        <p:cNvPr id="1" name=""/>
-        <p:cNvGrpSpPr/>
-        <p:nvPr/>
-      </p:nvGrpSpPr>
-      <p:grpSpPr>
-        <a:xfrm>
-          <a:off x="0" y="0"/>
-          <a:ext cx="0" cy="0"/>
-          <a:chOff x="0" y="0"/>
-          <a:chExt cx="0" cy="0"/>
-        </a:xfrm>
-      </p:grpSpPr>
-      <p:sp>
-        <p:nvSpPr>
-          <p:cNvPr id="2" name="Title 1"/>
-          <p:cNvSpPr>
-            <a:spLocks noGrp="1"/>
-          </p:cNvSpPr>
-          <p:nvPr>
-            <p:ph type="title"/>
-          </p:nvPr>
-        </p:nvSpPr>
-        <p:spPr/>
-        <p:txBody>
-          <a:bodyPr/>
-          <a:lstStyle/>
-          <a:p>
-            <a:r>
-              <a:rPr lang="en-AU" dirty="0"/>
-              <a:t>What are radars?</a:t>
-            </a:r>
-            <a:endParaRPr lang="en-AU" dirty="0"/>
-          </a:p>
-        </p:txBody>
-      </p:sp>
-      <p:pic>
-        <p:nvPicPr>
-          <p:cNvPr id="4" name="Content Placeholder 3"/>
-          <p:cNvPicPr>
-            <a:picLocks noGrp="1" noChangeAspect="1"/>
-          </p:cNvPicPr>
-          <p:nvPr>
-            <p:ph idx="1"/>
-          </p:nvPr>
-        </p:nvPicPr>
-        <p:blipFill>
-          <a:blip r:embed="rId2">
-            <a:extLst>
-              <a:ext uri="{28A0092B-C50C-407E-A947-70E740481C1C}">
-                <a14:useLocalDpi xmlns:a14="http://schemas.microsoft.com/office/drawing/2010/main" val="0"/>
-              </a:ext>
-            </a:extLst>
-          </a:blip>
-          <a:stretch>
-            <a:fillRect/>
-          </a:stretch>
-        </p:blipFill>
-        <p:spPr>
-          <a:xfrm>
-            <a:off x="2462213" y="2341563"/>
-            <a:ext cx="7267574" cy="3633787"/>
-          </a:xfrm>
-        </p:spPr>
-      </p:pic>
-    </p:spTree>
-    <p:extLst>
-      <p:ext uri="{BB962C8B-B14F-4D97-AF65-F5344CB8AC3E}">
-        <p14:creationId xmlns:p14="http://schemas.microsoft.com/office/powerpoint/2010/main" val="643058219"/>
-      </p:ext>
-    </p:extLst>
-  </p:cSld>
-  <p:clrMapOvr>
-    <a:masterClrMapping/>
-  </p:clrMapOvr>
-</p:sld>
-</file>
-
-<file path=ppt/slides/slide4.xml><?xml version="1.0" encoding="utf-8"?>
-<p:sld xmlns:a="http://schemas.openxmlformats.org/drawingml/2006/main" xmlns:r="http://schemas.openxmlformats.org/officeDocument/2006/relationships" xmlns:p="http://schemas.openxmlformats.org/presentationml/2006/main">
-  <p:cSld>
-    <p:spTree>
-      <p:nvGrpSpPr>
-        <p:cNvPr id="1" name=""/>
-        <p:cNvGrpSpPr/>
-        <p:nvPr/>
-      </p:nvGrpSpPr>
-      <p:grpSpPr>
-        <a:xfrm>
-          <a:off x="0" y="0"/>
-          <a:ext cx="0" cy="0"/>
-          <a:chOff x="0" y="0"/>
-          <a:chExt cx="0" cy="0"/>
-        </a:xfrm>
-      </p:grpSpPr>
-      <p:sp>
-        <p:nvSpPr>
-          <p:cNvPr id="2" name="Title 1">
-            <a:extLst>
-              <a:ext uri="{FF2B5EF4-FFF2-40B4-BE49-F238E27FC236}">
-                <a16:creationId xmlns:a16="http://schemas.microsoft.com/office/drawing/2014/main" id="{5E562972-3449-42D1-8185-B4BEFD52AB44}"/>
-              </a:ext>
-            </a:extLst>
-          </p:cNvPr>
-          <p:cNvSpPr>
-            <a:spLocks noGrp="1"/>
-          </p:cNvSpPr>
-          <p:nvPr>
-            <p:ph type="title"/>
-          </p:nvPr>
-        </p:nvSpPr>
-        <p:spPr/>
-        <p:txBody>
-          <a:bodyPr/>
-          <a:lstStyle/>
-          <a:p>
-            <a:r>
-              <a:rPr lang="en-US" dirty="0"/>
-              <a:t>History of Radar</a:t>
-            </a:r>
-          </a:p>
-        </p:txBody>
-      </p:sp>
-      <p:graphicFrame>
-        <p:nvGraphicFramePr>
-          <p:cNvPr id="4" name="Content Placeholder 2">
-            <a:extLst>
-              <a:ext uri="{FF2B5EF4-FFF2-40B4-BE49-F238E27FC236}">
-                <a16:creationId xmlns:a16="http://schemas.microsoft.com/office/drawing/2014/main" id="{FF3F0D82-0AA6-45C3-8367-955CBFA02ED6}"/>
-              </a:ext>
-            </a:extLst>
-          </p:cNvPr>
-          <p:cNvGraphicFramePr>
-            <a:graphicFrameLocks noGrp="1"/>
-          </p:cNvGraphicFramePr>
-          <p:nvPr>
-            <p:ph idx="1"/>
-            <p:extLst>
-              <p:ext uri="{D42A27DB-BD31-4B8C-83A1-F6EECF244321}">
-                <p14:modId xmlns:p14="http://schemas.microsoft.com/office/powerpoint/2010/main" val="2527735868"/>
-              </p:ext>
-            </p:extLst>
-          </p:nvPr>
-        </p:nvGraphicFramePr>
-        <p:xfrm>
-          <a:off x="581025" y="2341563"/>
-          <a:ext cx="11029950" cy="3633787"/>
-        </p:xfrm>
-        <a:graphic>
-          <a:graphicData uri="http://schemas.openxmlformats.org/drawingml/2006/diagram">
-            <dgm:relIds xmlns:dgm="http://schemas.openxmlformats.org/drawingml/2006/diagram" xmlns:r="http://schemas.openxmlformats.org/officeDocument/2006/relationships" r:dm="rId2" r:lo="rId3" r:qs="rId4" r:cs="rId5"/>
-          </a:graphicData>
-        </a:graphic>
-      </p:graphicFrame>
-    </p:spTree>
-    <p:extLst>
-      <p:ext uri="{BB962C8B-B14F-4D97-AF65-F5344CB8AC3E}">
-        <p14:creationId xmlns:p14="http://schemas.microsoft.com/office/powerpoint/2010/main" val="263784652"/>
-      </p:ext>
-    </p:extLst>
-  </p:cSld>
-  <p:clrMapOvr>
-    <a:masterClrMapping/>
-  </p:clrMapOvr>
-</p:sld>
-</file>
-
-<file path=ppt/slides/slide5.xml><?xml version="1.0" encoding="utf-8"?>
-<p:sld xmlns:a="http://schemas.openxmlformats.org/drawingml/2006/main" xmlns:r="http://schemas.openxmlformats.org/officeDocument/2006/relationships" xmlns:p="http://schemas.openxmlformats.org/presentationml/2006/main">
-  <p:cSld>
-    <p:spTree>
-      <p:nvGrpSpPr>
-        <p:cNvPr id="1" name=""/>
-        <p:cNvGrpSpPr/>
-        <p:nvPr/>
-      </p:nvGrpSpPr>
-      <p:grpSpPr>
-        <a:xfrm>
-          <a:off x="0" y="0"/>
-          <a:ext cx="0" cy="0"/>
-          <a:chOff x="0" y="0"/>
-          <a:chExt cx="0" cy="0"/>
-        </a:xfrm>
-      </p:grpSpPr>
-      <p:pic>
-        <p:nvPicPr>
-          <p:cNvPr id="4" name="Content Placeholder 3"/>
-          <p:cNvPicPr>
-            <a:picLocks noGrp="1" noChangeAspect="1"/>
-          </p:cNvPicPr>
-          <p:nvPr>
-            <p:ph idx="1"/>
-          </p:nvPr>
-        </p:nvPicPr>
-        <p:blipFill>
-          <a:blip r:embed="rId2"/>
-          <a:stretch>
-            <a:fillRect/>
-          </a:stretch>
-        </p:blipFill>
-        <p:spPr>
-          <a:xfrm>
-            <a:off x="3405913" y="697485"/>
-            <a:ext cx="5380174" cy="3633787"/>
-          </a:xfrm>
-          <a:prstGeom prst="rect">
-            <a:avLst/>
-          </a:prstGeom>
-        </p:spPr>
-      </p:pic>
-      <p:sp>
-        <p:nvSpPr>
-          <p:cNvPr id="5" name="TextBox 4"/>
-          <p:cNvSpPr txBox="1"/>
-          <p:nvPr/>
-        </p:nvSpPr>
-        <p:spPr>
-          <a:xfrm>
-            <a:off x="3405913" y="4331272"/>
-            <a:ext cx="5380174" cy="1200329"/>
-          </a:xfrm>
-          <a:prstGeom prst="rect">
-            <a:avLst/>
-          </a:prstGeom>
-          <a:noFill/>
-        </p:spPr>
-        <p:txBody>
-          <a:bodyPr wrap="square" rtlCol="0">
-            <a:spAutoFit/>
-          </a:bodyPr>
-          <a:lstStyle/>
-          <a:p>
-            <a:r>
-              <a:rPr lang="en-AU" dirty="0"/>
-              <a:t>U.K. Radar Stations on Cliff at Dover, England. Tall CH tower on left. Four rectangular CHL antennas in </a:t>
-            </a:r>
-            <a:r>
-              <a:rPr lang="en-AU" dirty="0" err="1"/>
-              <a:t>center</a:t>
-            </a:r>
-            <a:r>
-              <a:rPr lang="en-AU" dirty="0"/>
-              <a:t>. Photograph by German reconnaissance plane, 1940</a:t>
-            </a:r>
-            <a:endParaRPr lang="en-AU" dirty="0"/>
-          </a:p>
-        </p:txBody>
-      </p:sp>
-    </p:spTree>
-    <p:extLst>
-      <p:ext uri="{BB962C8B-B14F-4D97-AF65-F5344CB8AC3E}">
-        <p14:creationId xmlns:p14="http://schemas.microsoft.com/office/powerpoint/2010/main" val="3787607178"/>
-      </p:ext>
-    </p:extLst>
-  </p:cSld>
-  <p:clrMapOvr>
-    <a:masterClrMapping/>
-  </p:clrMapOvr>
-</p:sld>
-</file>
-
-<file path=ppt/slides/slide6.xml><?xml version="1.0" encoding="utf-8"?>
-<p:sld xmlns:a="http://schemas.openxmlformats.org/drawingml/2006/main" xmlns:r="http://schemas.openxmlformats.org/officeDocument/2006/relationships" xmlns:p="http://schemas.openxmlformats.org/presentationml/2006/main">
-  <p:cSld>
-    <p:spTree>
-      <p:nvGrpSpPr>
-        <p:cNvPr id="1" name=""/>
-        <p:cNvGrpSpPr/>
-        <p:nvPr/>
-      </p:nvGrpSpPr>
-      <p:grpSpPr>
-        <a:xfrm>
-          <a:off x="0" y="0"/>
-          <a:ext cx="0" cy="0"/>
-          <a:chOff x="0" y="0"/>
-          <a:chExt cx="0" cy="0"/>
-        </a:xfrm>
-      </p:grpSpPr>
-      <p:pic>
-        <p:nvPicPr>
-          <p:cNvPr id="4" name="Picture 3"/>
-          <p:cNvPicPr>
-            <a:picLocks noChangeAspect="1"/>
-          </p:cNvPicPr>
-          <p:nvPr/>
-        </p:nvPicPr>
-        <p:blipFill>
-          <a:blip r:embed="rId2"/>
-          <a:stretch>
-            <a:fillRect/>
-          </a:stretch>
-        </p:blipFill>
-        <p:spPr>
-          <a:xfrm>
-            <a:off x="3090862" y="737035"/>
-            <a:ext cx="6010275" cy="4848225"/>
-          </a:xfrm>
-          <a:prstGeom prst="rect">
-            <a:avLst/>
-          </a:prstGeom>
-        </p:spPr>
-      </p:pic>
-      <p:sp>
-        <p:nvSpPr>
-          <p:cNvPr id="5" name="TextBox 4"/>
-          <p:cNvSpPr txBox="1"/>
-          <p:nvPr/>
-        </p:nvSpPr>
-        <p:spPr>
-          <a:xfrm>
-            <a:off x="3267368" y="5585260"/>
-            <a:ext cx="5380174" cy="369332"/>
-          </a:xfrm>
-          <a:prstGeom prst="rect">
-            <a:avLst/>
-          </a:prstGeom>
-          <a:noFill/>
-        </p:spPr>
-        <p:txBody>
-          <a:bodyPr wrap="square" rtlCol="0">
-            <a:spAutoFit/>
-          </a:bodyPr>
-          <a:lstStyle/>
-          <a:p>
-            <a:r>
-              <a:rPr lang="en-AU" dirty="0"/>
-              <a:t>Angel Echoes.</a:t>
-            </a:r>
-            <a:endParaRPr lang="en-AU" dirty="0"/>
-          </a:p>
-        </p:txBody>
-      </p:sp>
-    </p:spTree>
-    <p:extLst>
-      <p:ext uri="{BB962C8B-B14F-4D97-AF65-F5344CB8AC3E}">
-        <p14:creationId xmlns:p14="http://schemas.microsoft.com/office/powerpoint/2010/main" val="614781561"/>
-      </p:ext>
-    </p:extLst>
-  </p:cSld>
-  <p:clrMapOvr>
-    <a:masterClrMapping/>
-  </p:clrMapOvr>
-</p:sld>
-</file>
-
-<file path=ppt/slides/slide7.xml><?xml version="1.0" encoding="utf-8"?>
-<p:sld xmlns:a="http://schemas.openxmlformats.org/drawingml/2006/main" xmlns:r="http://schemas.openxmlformats.org/officeDocument/2006/relationships" xmlns:p="http://schemas.openxmlformats.org/presentationml/2006/main">
-  <p:cSld>
-    <p:spTree>
-      <p:nvGrpSpPr>
-        <p:cNvPr id="1" name=""/>
-        <p:cNvGrpSpPr/>
-        <p:nvPr/>
-      </p:nvGrpSpPr>
-      <p:grpSpPr>
-        <a:xfrm>
-          <a:off x="0" y="0"/>
-          <a:ext cx="0" cy="0"/>
-          <a:chOff x="0" y="0"/>
-          <a:chExt cx="0" cy="0"/>
-        </a:xfrm>
-      </p:grpSpPr>
-      <p:pic>
-        <p:nvPicPr>
-          <p:cNvPr id="9" name="Content Placeholder 8"/>
-          <p:cNvPicPr>
-            <a:picLocks noGrp="1" noChangeAspect="1"/>
-          </p:cNvPicPr>
-          <p:nvPr>
-            <p:ph idx="1"/>
-          </p:nvPr>
-        </p:nvPicPr>
-        <p:blipFill>
-          <a:blip r:embed="rId2">
-            <a:extLst>
-              <a:ext uri="{28A0092B-C50C-407E-A947-70E740481C1C}">
-                <a14:useLocalDpi xmlns:a14="http://schemas.microsoft.com/office/drawing/2010/main" val="0"/>
-              </a:ext>
-            </a:extLst>
-          </a:blip>
-          <a:stretch>
-            <a:fillRect/>
-          </a:stretch>
-        </p:blipFill>
-        <p:spPr>
-          <a:xfrm>
-            <a:off x="4350328" y="727094"/>
-            <a:ext cx="3195782" cy="3956070"/>
-          </a:xfrm>
-        </p:spPr>
-      </p:pic>
-      <p:sp>
-        <p:nvSpPr>
-          <p:cNvPr id="10" name="TextBox 9"/>
-          <p:cNvSpPr txBox="1"/>
-          <p:nvPr/>
-        </p:nvSpPr>
-        <p:spPr>
-          <a:xfrm>
-            <a:off x="3258132" y="5040314"/>
-            <a:ext cx="5380174" cy="646331"/>
-          </a:xfrm>
-          <a:prstGeom prst="rect">
-            <a:avLst/>
-          </a:prstGeom>
-          <a:noFill/>
-        </p:spPr>
-        <p:txBody>
-          <a:bodyPr wrap="square" rtlCol="0">
-            <a:spAutoFit/>
-          </a:bodyPr>
-          <a:lstStyle/>
-          <a:p>
-            <a:r>
-              <a:rPr lang="en-AU" dirty="0"/>
-              <a:t>First Australian radar at Byron Bay on the north coast of NSW, operated by the Lighthouse Staff.</a:t>
-            </a:r>
-            <a:endParaRPr lang="en-AU" dirty="0"/>
-          </a:p>
-        </p:txBody>
-      </p:sp>
-    </p:spTree>
-    <p:extLst>
-      <p:ext uri="{BB962C8B-B14F-4D97-AF65-F5344CB8AC3E}">
-        <p14:creationId xmlns:p14="http://schemas.microsoft.com/office/powerpoint/2010/main" val="2119069295"/>
-      </p:ext>
-    </p:extLst>
-  </p:cSld>
-  <p:clrMapOvr>
-    <a:masterClrMapping/>
-  </p:clrMapOvr>
-</p:sld>
-</file>
-
-<file path=ppt/slides/slide8.xml><?xml version="1.0" encoding="utf-8"?>
-<p:sld xmlns:a="http://schemas.openxmlformats.org/drawingml/2006/main" xmlns:r="http://schemas.openxmlformats.org/officeDocument/2006/relationships" xmlns:p="http://schemas.openxmlformats.org/presentationml/2006/main">
-  <p:cSld>
-    <p:spTree>
-      <p:nvGrpSpPr>
-        <p:cNvPr id="1" name=""/>
-        <p:cNvGrpSpPr/>
-        <p:nvPr/>
-      </p:nvGrpSpPr>
-      <p:grpSpPr>
-        <a:xfrm>
-          <a:off x="0" y="0"/>
-          <a:ext cx="0" cy="0"/>
-          <a:chOff x="0" y="0"/>
-          <a:chExt cx="0" cy="0"/>
-        </a:xfrm>
-      </p:grpSpPr>
-      <p:sp>
-        <p:nvSpPr>
-          <p:cNvPr id="2" name="Title 1"/>
-          <p:cNvSpPr>
-            <a:spLocks noGrp="1"/>
-          </p:cNvSpPr>
-          <p:nvPr>
-            <p:ph type="title"/>
-          </p:nvPr>
-        </p:nvSpPr>
-        <p:spPr/>
-        <p:txBody>
-          <a:bodyPr/>
-          <a:lstStyle/>
-          <a:p>
-            <a:r>
-              <a:rPr lang="en-AU" dirty="0"/>
-              <a:t>What you should know about radars:</a:t>
-            </a:r>
-          </a:p>
-        </p:txBody>
-      </p:sp>
-      <mc:AlternateContent xmlns:mc="http://schemas.openxmlformats.org/markup-compatibility/2006">
-        <mc:Choice xmlns:a14="http://schemas.microsoft.com/office/drawing/2010/main" Requires="a14">
-          <p:sp>
-            <p:nvSpPr>
-              <p:cNvPr id="3" name="Content Placeholder 2"/>
-              <p:cNvSpPr>
-                <a:spLocks noGrp="1"/>
-              </p:cNvSpPr>
-              <p:nvPr>
-                <p:ph idx="1"/>
-              </p:nvPr>
-            </p:nvSpPr>
-            <p:spPr/>
-            <p:txBody>
-              <a:bodyPr/>
-              <a:lstStyle/>
-              <a:p>
-                <a:r>
-                  <a:rPr lang="en-AU" dirty="0"/>
-                  <a:t>The power received is proportional to the hydrometeors size, type, and density:</a:t>
-                </a:r>
-              </a:p>
-              <a:p>
-                <a:pPr marL="324000" lvl="1" indent="0">
-                  <a:buNone/>
-                </a:pPr>
-                <a14:m>
-                  <m:oMathPara xmlns:m="http://schemas.openxmlformats.org/officeDocument/2006/math">
-                    <m:oMathParaPr>
-                      <m:jc m:val="centerGroup"/>
-                    </m:oMathParaPr>
-                    <m:oMath xmlns:m="http://schemas.openxmlformats.org/officeDocument/2006/math">
-                      <m:r>
-                        <a:rPr lang="en-AU" sz="1800" b="0" i="1" smtClean="0">
-                          <a:latin typeface="Cambria Math" panose="02040503050406030204" pitchFamily="18" charset="0"/>
-                        </a:rPr>
-                        <m:t>𝑍</m:t>
-                      </m:r>
-                      <m:r>
-                        <a:rPr lang="en-AU" sz="1800" b="0" i="1" smtClean="0">
-                          <a:latin typeface="Cambria Math" panose="02040503050406030204" pitchFamily="18" charset="0"/>
-                        </a:rPr>
-                        <m:t>=</m:t>
-                      </m:r>
-                      <m:nary>
-                        <m:naryPr>
-                          <m:ctrlPr>
-                            <a:rPr lang="en-AU" sz="1800" b="0" i="1" smtClean="0">
-                              <a:latin typeface="Cambria Math" panose="02040503050406030204" pitchFamily="18" charset="0"/>
-                            </a:rPr>
-                          </m:ctrlPr>
-                        </m:naryPr>
-                        <m:sub>
-                          <m:r>
-                            <m:rPr>
-                              <m:brk m:alnAt="23"/>
-                            </m:rPr>
-                            <a:rPr lang="en-AU" sz="1800" b="0" i="1" smtClean="0">
-                              <a:latin typeface="Cambria Math" panose="02040503050406030204" pitchFamily="18" charset="0"/>
-                            </a:rPr>
-                            <m:t>0</m:t>
-                          </m:r>
-                        </m:sub>
-                        <m:sup>
-                          <m:r>
-                            <a:rPr lang="en-AU" sz="1800" b="0" i="1" smtClean="0">
-                              <a:latin typeface="Cambria Math" panose="02040503050406030204" pitchFamily="18" charset="0"/>
-                              <a:ea typeface="Cambria Math" panose="02040503050406030204" pitchFamily="18" charset="0"/>
-                            </a:rPr>
-                            <m:t>∞</m:t>
-                          </m:r>
-                        </m:sup>
-                        <m:e>
-                          <m:r>
-                            <a:rPr lang="en-AU" sz="1800" i="1">
-                              <a:latin typeface="Cambria Math" panose="02040503050406030204" pitchFamily="18" charset="0"/>
-                            </a:rPr>
-                            <m:t>𝑁</m:t>
-                          </m:r>
-                          <m:d>
-                            <m:dPr>
-                              <m:ctrlPr>
-                                <a:rPr lang="en-AU" sz="1800" i="1">
-                                  <a:latin typeface="Cambria Math" panose="02040503050406030204" pitchFamily="18" charset="0"/>
-                                </a:rPr>
-                              </m:ctrlPr>
-                            </m:dPr>
-                            <m:e>
-                              <m:r>
-                                <a:rPr lang="en-AU" sz="1800" i="1">
-                                  <a:latin typeface="Cambria Math" panose="02040503050406030204" pitchFamily="18" charset="0"/>
-                                </a:rPr>
-                                <m:t>𝐷</m:t>
-                              </m:r>
-                            </m:e>
-                          </m:d>
-                          <m:sSup>
-                            <m:sSupPr>
-                              <m:ctrlPr>
-                                <a:rPr lang="en-AU" sz="1800" i="1">
-                                  <a:latin typeface="Cambria Math" panose="02040503050406030204" pitchFamily="18" charset="0"/>
-                                </a:rPr>
-                              </m:ctrlPr>
-                            </m:sSupPr>
-                            <m:e>
-                              <m:r>
-                                <a:rPr lang="en-AU" sz="1800" i="1">
-                                  <a:latin typeface="Cambria Math" panose="02040503050406030204" pitchFamily="18" charset="0"/>
-                                </a:rPr>
-                                <m:t>𝐷</m:t>
-                              </m:r>
-                            </m:e>
-                            <m:sup>
-                              <m:r>
-                                <a:rPr lang="en-AU" sz="1800" i="1">
-                                  <a:latin typeface="Cambria Math" panose="02040503050406030204" pitchFamily="18" charset="0"/>
-                                </a:rPr>
-                                <m:t>6</m:t>
-                              </m:r>
-                            </m:sup>
-                          </m:sSup>
-                          <m:r>
-                            <a:rPr lang="en-AU" sz="1800" i="1">
-                              <a:latin typeface="Cambria Math" panose="02040503050406030204" pitchFamily="18" charset="0"/>
-                            </a:rPr>
-                            <m:t>𝑑𝐷</m:t>
-                          </m:r>
-                          <m:r>
-                            <m:rPr>
-                              <m:nor/>
-                            </m:rPr>
-                            <a:rPr lang="en-AU" sz="1800" dirty="0"/>
-                            <m:t> </m:t>
-                          </m:r>
-                        </m:e>
-                      </m:nary>
-                    </m:oMath>
-                  </m:oMathPara>
-                </a14:m>
-                <a:endParaRPr lang="en-AU" dirty="0"/>
-              </a:p>
-              <a:p>
-                <a:r>
-                  <a:rPr lang="en-AU" dirty="0"/>
-                  <a:t>The higher the frequency, the higher the attenuation.</a:t>
-                </a:r>
-              </a:p>
-              <a:p>
-                <a:r>
-                  <a:rPr lang="en-AU" dirty="0"/>
-                  <a:t>The angular resolution depends on the frequency and the radar antenna diameter:</a:t>
-                </a:r>
-              </a:p>
-              <a:p>
-                <a:pPr marL="324000" lvl="1" indent="0">
-                  <a:buNone/>
-                </a:pPr>
-                <a14:m>
-                  <m:oMathPara xmlns:m="http://schemas.openxmlformats.org/officeDocument/2006/math">
-                    <m:oMathParaPr>
-                      <m:jc m:val="centerGroup"/>
-                    </m:oMathParaPr>
-                    <m:oMath xmlns:m="http://schemas.openxmlformats.org/officeDocument/2006/math">
-                      <m:sSub>
-                        <m:sSubPr>
-                          <m:ctrlPr>
-                            <a:rPr lang="en-AU" sz="1800" b="0" i="1" smtClean="0">
-                              <a:latin typeface="Cambria Math" panose="02040503050406030204" pitchFamily="18" charset="0"/>
-                            </a:rPr>
-                          </m:ctrlPr>
-                        </m:sSubPr>
-                        <m:e>
-                          <m:r>
-                            <a:rPr lang="en-AU" sz="1800" b="0" i="1" smtClean="0">
-                              <a:latin typeface="Cambria Math" panose="02040503050406030204" pitchFamily="18" charset="0"/>
-                            </a:rPr>
-                            <m:t>𝜃</m:t>
-                          </m:r>
-                        </m:e>
-                        <m:sub>
-                          <m:r>
-                            <a:rPr lang="en-AU" sz="1800" b="0" i="1" smtClean="0">
-                              <a:latin typeface="Cambria Math" panose="02040503050406030204" pitchFamily="18" charset="0"/>
-                            </a:rPr>
-                            <m:t>3</m:t>
-                          </m:r>
-                          <m:r>
-                            <a:rPr lang="en-AU" sz="1800" b="0" i="1" smtClean="0">
-                              <a:latin typeface="Cambria Math" panose="02040503050406030204" pitchFamily="18" charset="0"/>
-                            </a:rPr>
-                            <m:t>𝑑𝐵</m:t>
-                          </m:r>
-                        </m:sub>
-                      </m:sSub>
-                      <m:r>
-                        <a:rPr lang="en-AU" sz="1800" i="1">
-                          <a:latin typeface="Cambria Math" panose="02040503050406030204" pitchFamily="18" charset="0"/>
-                          <a:ea typeface="Cambria Math" panose="02040503050406030204" pitchFamily="18" charset="0"/>
-                        </a:rPr>
-                        <m:t>≈</m:t>
-                      </m:r>
-                      <m:f>
-                        <m:fPr>
-                          <m:ctrlPr>
-                            <a:rPr lang="en-AU" sz="1800" i="1" smtClean="0">
-                              <a:latin typeface="Cambria Math" panose="02040503050406030204" pitchFamily="18" charset="0"/>
-                              <a:ea typeface="Cambria Math" panose="02040503050406030204" pitchFamily="18" charset="0"/>
-                            </a:rPr>
-                          </m:ctrlPr>
-                        </m:fPr>
-                        <m:num>
-                          <m:r>
-                            <a:rPr lang="en-AU" sz="1800" b="0" i="1" smtClean="0">
-                              <a:latin typeface="Cambria Math" panose="02040503050406030204" pitchFamily="18" charset="0"/>
-                              <a:ea typeface="Cambria Math" panose="02040503050406030204" pitchFamily="18" charset="0"/>
-                            </a:rPr>
-                            <m:t>70</m:t>
-                          </m:r>
-                          <m:r>
-                            <a:rPr lang="en-AU" sz="1800" b="0" i="1" smtClean="0">
-                              <a:latin typeface="Cambria Math" panose="02040503050406030204" pitchFamily="18" charset="0"/>
-                              <a:ea typeface="Cambria Math" panose="02040503050406030204" pitchFamily="18" charset="0"/>
-                            </a:rPr>
-                            <m:t>𝑐</m:t>
-                          </m:r>
-                        </m:num>
-                        <m:den>
-                          <m:r>
-                            <a:rPr lang="en-AU" sz="1800" b="0" i="1" smtClean="0">
-                              <a:latin typeface="Cambria Math" panose="02040503050406030204" pitchFamily="18" charset="0"/>
-                              <a:ea typeface="Cambria Math" panose="02040503050406030204" pitchFamily="18" charset="0"/>
-                            </a:rPr>
-                            <m:t>𝑓𝐷</m:t>
-                          </m:r>
-                        </m:den>
-                      </m:f>
-                    </m:oMath>
-                  </m:oMathPara>
-                </a14:m>
-                <a:endParaRPr lang="en-AU" dirty="0"/>
-              </a:p>
-            </p:txBody>
-          </p:sp>
-        </mc:Choice>
-        <mc:Fallback>
-          <p:sp>
-            <p:nvSpPr>
-              <p:cNvPr id="3" name="Content Placeholder 2"/>
-              <p:cNvSpPr>
-                <a:spLocks noGrp="1" noRot="1" noChangeAspect="1" noMove="1" noResize="1" noEditPoints="1" noAdjustHandles="1" noChangeArrowheads="1" noChangeShapeType="1" noTextEdit="1"/>
-              </p:cNvSpPr>
-              <p:nvPr>
-                <p:ph idx="1"/>
-              </p:nvPr>
-            </p:nvSpPr>
-            <p:spPr>
-              <a:blipFill>
-                <a:blip r:embed="rId2"/>
-                <a:stretch>
-                  <a:fillRect l="-166"/>
-                </a:stretch>
-              </a:blipFill>
-            </p:spPr>
-            <p:txBody>
-              <a:bodyPr/>
-              <a:lstStyle/>
-              <a:p>
-                <a:r>
-                  <a:rPr lang="en-AU">
-                    <a:noFill/>
-                  </a:rPr>
-                  <a:t> </a:t>
-                </a:r>
-              </a:p>
-            </p:txBody>
-          </p:sp>
-        </mc:Fallback>
-      </mc:AlternateContent>
-    </p:spTree>
-    <p:extLst>
-      <p:ext uri="{BB962C8B-B14F-4D97-AF65-F5344CB8AC3E}">
-        <p14:creationId xmlns:p14="http://schemas.microsoft.com/office/powerpoint/2010/main" val="3964174624"/>
-      </p:ext>
-    </p:extLst>
-  </p:cSld>
-  <p:clrMapOvr>
-    <a:masterClrMapping/>
-  </p:clrMapOvr>
-</p:sld>
-</file>
-
-<file path=ppt/slides/slide9.xml><?xml version="1.0" encoding="utf-8"?>
+<file path=ppt/slides/slide10.xml><?xml version="1.0" encoding="utf-8"?>
 <p:sld xmlns:a="http://schemas.openxmlformats.org/drawingml/2006/main" xmlns:r="http://schemas.openxmlformats.org/officeDocument/2006/relationships" xmlns:p="http://schemas.openxmlformats.org/presentationml/2006/main">
   <p:cSld>
     <p:spTree>
@@ -13026,10 +12128,1137 @@
 </p:sld>
 </file>
 
+<file path=ppt/slides/slide2.xml><?xml version="1.0" encoding="utf-8"?>
+<p:sld xmlns:a="http://schemas.openxmlformats.org/drawingml/2006/main" xmlns:r="http://schemas.openxmlformats.org/officeDocument/2006/relationships" xmlns:p="http://schemas.openxmlformats.org/presentationml/2006/main">
+  <p:cSld>
+    <p:spTree>
+      <p:nvGrpSpPr>
+        <p:cNvPr id="1" name=""/>
+        <p:cNvGrpSpPr/>
+        <p:nvPr/>
+      </p:nvGrpSpPr>
+      <p:grpSpPr>
+        <a:xfrm>
+          <a:off x="0" y="0"/>
+          <a:ext cx="0" cy="0"/>
+          <a:chOff x="0" y="0"/>
+          <a:chExt cx="0" cy="0"/>
+        </a:xfrm>
+      </p:grpSpPr>
+      <p:sp>
+        <p:nvSpPr>
+          <p:cNvPr id="2" name="Title 1"/>
+          <p:cNvSpPr>
+            <a:spLocks noGrp="1"/>
+          </p:cNvSpPr>
+          <p:nvPr>
+            <p:ph type="title"/>
+          </p:nvPr>
+        </p:nvSpPr>
+        <p:spPr/>
+        <p:txBody>
+          <a:bodyPr/>
+          <a:lstStyle/>
+          <a:p>
+            <a:r>
+              <a:rPr lang="en-AU" dirty="0"/>
+              <a:t>What are radars?</a:t>
+            </a:r>
+          </a:p>
+        </p:txBody>
+      </p:sp>
+      <p:sp>
+        <p:nvSpPr>
+          <p:cNvPr id="3" name="Content Placeholder 2"/>
+          <p:cNvSpPr>
+            <a:spLocks noGrp="1"/>
+          </p:cNvSpPr>
+          <p:nvPr>
+            <p:ph idx="1"/>
+          </p:nvPr>
+        </p:nvSpPr>
+        <p:spPr/>
+        <p:txBody>
+          <a:bodyPr/>
+          <a:lstStyle/>
+          <a:p>
+            <a:r>
+              <a:rPr lang="en-AU" dirty="0"/>
+              <a:t>Radars emit </a:t>
+            </a:r>
+            <a:r>
+              <a:rPr lang="en-AU" b="1" dirty="0"/>
+              <a:t>electromagnetic waves</a:t>
+            </a:r>
+            <a:r>
+              <a:rPr lang="en-AU" dirty="0"/>
+              <a:t>.</a:t>
+            </a:r>
+          </a:p>
+          <a:p>
+            <a:r>
+              <a:rPr lang="en-AU" dirty="0"/>
+              <a:t>Electromagnetic waves are </a:t>
+            </a:r>
+            <a:r>
+              <a:rPr lang="en-AU" b="1" dirty="0"/>
+              <a:t>reflected</a:t>
+            </a:r>
+            <a:r>
+              <a:rPr lang="en-AU" dirty="0"/>
+              <a:t> if they meet an electrically leading surface.</a:t>
+            </a:r>
+          </a:p>
+          <a:p>
+            <a:r>
+              <a:rPr lang="en-AU" dirty="0"/>
+              <a:t>If these reflected waves are </a:t>
+            </a:r>
+            <a:r>
+              <a:rPr lang="en-AU" b="1" dirty="0"/>
+              <a:t>received again </a:t>
+            </a:r>
+            <a:r>
+              <a:rPr lang="en-AU" dirty="0"/>
+              <a:t>at the place of their origin, then that means an obstacle is in the propagation direction.</a:t>
+            </a:r>
+          </a:p>
+          <a:p>
+            <a:r>
+              <a:rPr lang="en-AU" dirty="0"/>
+              <a:t>The constant speed of light allows the determination of the </a:t>
+            </a:r>
+            <a:r>
+              <a:rPr lang="en-AU" b="1" dirty="0"/>
+              <a:t>distance</a:t>
+            </a:r>
+            <a:r>
+              <a:rPr lang="en-AU" dirty="0"/>
+              <a:t> between the reflecting objects (airplanes, ships, cars, building, birds, weather phenomenon) and the radar site by </a:t>
+            </a:r>
+            <a:r>
+              <a:rPr lang="en-AU" b="1" dirty="0"/>
+              <a:t>measuring the running time</a:t>
+            </a:r>
+            <a:r>
+              <a:rPr lang="en-AU" dirty="0"/>
+              <a:t>.</a:t>
+            </a:r>
+          </a:p>
+        </p:txBody>
+      </p:sp>
+    </p:spTree>
+    <p:extLst>
+      <p:ext uri="{BB962C8B-B14F-4D97-AF65-F5344CB8AC3E}">
+        <p14:creationId xmlns:p14="http://schemas.microsoft.com/office/powerpoint/2010/main" val="1959573313"/>
+      </p:ext>
+    </p:extLst>
+  </p:cSld>
+  <p:clrMapOvr>
+    <a:masterClrMapping/>
+  </p:clrMapOvr>
+</p:sld>
+</file>
+
+<file path=ppt/slides/slide3.xml><?xml version="1.0" encoding="utf-8"?>
+<p:sld xmlns:a="http://schemas.openxmlformats.org/drawingml/2006/main" xmlns:r="http://schemas.openxmlformats.org/officeDocument/2006/relationships" xmlns:p="http://schemas.openxmlformats.org/presentationml/2006/main">
+  <p:cSld>
+    <p:spTree>
+      <p:nvGrpSpPr>
+        <p:cNvPr id="1" name=""/>
+        <p:cNvGrpSpPr/>
+        <p:nvPr/>
+      </p:nvGrpSpPr>
+      <p:grpSpPr>
+        <a:xfrm>
+          <a:off x="0" y="0"/>
+          <a:ext cx="0" cy="0"/>
+          <a:chOff x="0" y="0"/>
+          <a:chExt cx="0" cy="0"/>
+        </a:xfrm>
+      </p:grpSpPr>
+      <p:sp>
+        <p:nvSpPr>
+          <p:cNvPr id="2" name="Title 1"/>
+          <p:cNvSpPr>
+            <a:spLocks noGrp="1"/>
+          </p:cNvSpPr>
+          <p:nvPr>
+            <p:ph type="title"/>
+          </p:nvPr>
+        </p:nvSpPr>
+        <p:spPr/>
+        <p:txBody>
+          <a:bodyPr/>
+          <a:lstStyle/>
+          <a:p>
+            <a:r>
+              <a:rPr lang="en-AU" dirty="0"/>
+              <a:t>What are radars?</a:t>
+            </a:r>
+          </a:p>
+        </p:txBody>
+      </p:sp>
+      <p:pic>
+        <p:nvPicPr>
+          <p:cNvPr id="4" name="Content Placeholder 3"/>
+          <p:cNvPicPr>
+            <a:picLocks noGrp="1" noChangeAspect="1"/>
+          </p:cNvPicPr>
+          <p:nvPr>
+            <p:ph idx="1"/>
+          </p:nvPr>
+        </p:nvPicPr>
+        <p:blipFill>
+          <a:blip r:embed="rId2">
+            <a:extLst>
+              <a:ext uri="{28A0092B-C50C-407E-A947-70E740481C1C}">
+                <a14:useLocalDpi xmlns:a14="http://schemas.microsoft.com/office/drawing/2010/main" val="0"/>
+              </a:ext>
+            </a:extLst>
+          </a:blip>
+          <a:stretch>
+            <a:fillRect/>
+          </a:stretch>
+        </p:blipFill>
+        <p:spPr>
+          <a:xfrm>
+            <a:off x="2462213" y="2341563"/>
+            <a:ext cx="7267574" cy="3633787"/>
+          </a:xfrm>
+        </p:spPr>
+      </p:pic>
+    </p:spTree>
+    <p:extLst>
+      <p:ext uri="{BB962C8B-B14F-4D97-AF65-F5344CB8AC3E}">
+        <p14:creationId xmlns:p14="http://schemas.microsoft.com/office/powerpoint/2010/main" val="643058219"/>
+      </p:ext>
+    </p:extLst>
+  </p:cSld>
+  <p:clrMapOvr>
+    <a:masterClrMapping/>
+  </p:clrMapOvr>
+</p:sld>
+</file>
+
+<file path=ppt/slides/slide4.xml><?xml version="1.0" encoding="utf-8"?>
+<p:sld xmlns:a="http://schemas.openxmlformats.org/drawingml/2006/main" xmlns:r="http://schemas.openxmlformats.org/officeDocument/2006/relationships" xmlns:p="http://schemas.openxmlformats.org/presentationml/2006/main">
+  <p:cSld>
+    <p:spTree>
+      <p:nvGrpSpPr>
+        <p:cNvPr id="1" name=""/>
+        <p:cNvGrpSpPr/>
+        <p:nvPr/>
+      </p:nvGrpSpPr>
+      <p:grpSpPr>
+        <a:xfrm>
+          <a:off x="0" y="0"/>
+          <a:ext cx="0" cy="0"/>
+          <a:chOff x="0" y="0"/>
+          <a:chExt cx="0" cy="0"/>
+        </a:xfrm>
+      </p:grpSpPr>
+      <p:sp>
+        <p:nvSpPr>
+          <p:cNvPr id="2" name="Title 1">
+            <a:extLst>
+              <a:ext uri="{FF2B5EF4-FFF2-40B4-BE49-F238E27FC236}">
+                <a16:creationId xmlns:a16="http://schemas.microsoft.com/office/drawing/2014/main" id="{5E562972-3449-42D1-8185-B4BEFD52AB44}"/>
+              </a:ext>
+            </a:extLst>
+          </p:cNvPr>
+          <p:cNvSpPr>
+            <a:spLocks noGrp="1"/>
+          </p:cNvSpPr>
+          <p:nvPr>
+            <p:ph type="title"/>
+          </p:nvPr>
+        </p:nvSpPr>
+        <p:spPr/>
+        <p:txBody>
+          <a:bodyPr/>
+          <a:lstStyle/>
+          <a:p>
+            <a:r>
+              <a:rPr lang="en-US" dirty="0"/>
+              <a:t>History of Radar</a:t>
+            </a:r>
+          </a:p>
+        </p:txBody>
+      </p:sp>
+      <p:graphicFrame>
+        <p:nvGraphicFramePr>
+          <p:cNvPr id="4" name="Content Placeholder 2">
+            <a:extLst>
+              <a:ext uri="{FF2B5EF4-FFF2-40B4-BE49-F238E27FC236}">
+                <a16:creationId xmlns:a16="http://schemas.microsoft.com/office/drawing/2014/main" id="{FF3F0D82-0AA6-45C3-8367-955CBFA02ED6}"/>
+              </a:ext>
+            </a:extLst>
+          </p:cNvPr>
+          <p:cNvGraphicFramePr>
+            <a:graphicFrameLocks noGrp="1"/>
+          </p:cNvGraphicFramePr>
+          <p:nvPr>
+            <p:ph idx="1"/>
+            <p:extLst>
+              <p:ext uri="{D42A27DB-BD31-4B8C-83A1-F6EECF244321}">
+                <p14:modId xmlns:p14="http://schemas.microsoft.com/office/powerpoint/2010/main" val="2527735868"/>
+              </p:ext>
+            </p:extLst>
+          </p:nvPr>
+        </p:nvGraphicFramePr>
+        <p:xfrm>
+          <a:off x="581025" y="2341563"/>
+          <a:ext cx="11029950" cy="3633787"/>
+        </p:xfrm>
+        <a:graphic>
+          <a:graphicData uri="http://schemas.openxmlformats.org/drawingml/2006/diagram">
+            <dgm:relIds xmlns:dgm="http://schemas.openxmlformats.org/drawingml/2006/diagram" xmlns:r="http://schemas.openxmlformats.org/officeDocument/2006/relationships" r:dm="rId2" r:lo="rId3" r:qs="rId4" r:cs="rId5"/>
+          </a:graphicData>
+        </a:graphic>
+      </p:graphicFrame>
+    </p:spTree>
+    <p:extLst>
+      <p:ext uri="{BB962C8B-B14F-4D97-AF65-F5344CB8AC3E}">
+        <p14:creationId xmlns:p14="http://schemas.microsoft.com/office/powerpoint/2010/main" val="263784652"/>
+      </p:ext>
+    </p:extLst>
+  </p:cSld>
+  <p:clrMapOvr>
+    <a:masterClrMapping/>
+  </p:clrMapOvr>
+</p:sld>
+</file>
+
+<file path=ppt/slides/slide5.xml><?xml version="1.0" encoding="utf-8"?>
+<p:sld xmlns:a="http://schemas.openxmlformats.org/drawingml/2006/main" xmlns:r="http://schemas.openxmlformats.org/officeDocument/2006/relationships" xmlns:p="http://schemas.openxmlformats.org/presentationml/2006/main">
+  <p:cSld>
+    <p:spTree>
+      <p:nvGrpSpPr>
+        <p:cNvPr id="1" name=""/>
+        <p:cNvGrpSpPr/>
+        <p:nvPr/>
+      </p:nvGrpSpPr>
+      <p:grpSpPr>
+        <a:xfrm>
+          <a:off x="0" y="0"/>
+          <a:ext cx="0" cy="0"/>
+          <a:chOff x="0" y="0"/>
+          <a:chExt cx="0" cy="0"/>
+        </a:xfrm>
+      </p:grpSpPr>
+      <p:pic>
+        <p:nvPicPr>
+          <p:cNvPr id="4" name="Content Placeholder 3"/>
+          <p:cNvPicPr>
+            <a:picLocks noGrp="1" noChangeAspect="1"/>
+          </p:cNvPicPr>
+          <p:nvPr>
+            <p:ph idx="1"/>
+          </p:nvPr>
+        </p:nvPicPr>
+        <p:blipFill>
+          <a:blip r:embed="rId2"/>
+          <a:stretch>
+            <a:fillRect/>
+          </a:stretch>
+        </p:blipFill>
+        <p:spPr>
+          <a:xfrm>
+            <a:off x="3405913" y="697485"/>
+            <a:ext cx="5380174" cy="3633787"/>
+          </a:xfrm>
+          <a:prstGeom prst="rect">
+            <a:avLst/>
+          </a:prstGeom>
+        </p:spPr>
+      </p:pic>
+      <p:sp>
+        <p:nvSpPr>
+          <p:cNvPr id="5" name="TextBox 4"/>
+          <p:cNvSpPr txBox="1"/>
+          <p:nvPr/>
+        </p:nvSpPr>
+        <p:spPr>
+          <a:xfrm>
+            <a:off x="3405913" y="4331272"/>
+            <a:ext cx="5380174" cy="1200329"/>
+          </a:xfrm>
+          <a:prstGeom prst="rect">
+            <a:avLst/>
+          </a:prstGeom>
+          <a:noFill/>
+        </p:spPr>
+        <p:txBody>
+          <a:bodyPr wrap="square" rtlCol="0">
+            <a:spAutoFit/>
+          </a:bodyPr>
+          <a:lstStyle/>
+          <a:p>
+            <a:r>
+              <a:rPr lang="en-AU" dirty="0"/>
+              <a:t>U.K. Radar Stations on Cliff at Dover, England. Tall CH tower on left. Four rectangular CHL antennas in centre. Photograph by German reconnaissance plane, 1940</a:t>
+            </a:r>
+          </a:p>
+        </p:txBody>
+      </p:sp>
+    </p:spTree>
+    <p:extLst>
+      <p:ext uri="{BB962C8B-B14F-4D97-AF65-F5344CB8AC3E}">
+        <p14:creationId xmlns:p14="http://schemas.microsoft.com/office/powerpoint/2010/main" val="3787607178"/>
+      </p:ext>
+    </p:extLst>
+  </p:cSld>
+  <p:clrMapOvr>
+    <a:masterClrMapping/>
+  </p:clrMapOvr>
+</p:sld>
+</file>
+
+<file path=ppt/slides/slide6.xml><?xml version="1.0" encoding="utf-8"?>
+<p:sld xmlns:a="http://schemas.openxmlformats.org/drawingml/2006/main" xmlns:r="http://schemas.openxmlformats.org/officeDocument/2006/relationships" xmlns:p="http://schemas.openxmlformats.org/presentationml/2006/main">
+  <p:cSld>
+    <p:spTree>
+      <p:nvGrpSpPr>
+        <p:cNvPr id="1" name=""/>
+        <p:cNvGrpSpPr/>
+        <p:nvPr/>
+      </p:nvGrpSpPr>
+      <p:grpSpPr>
+        <a:xfrm>
+          <a:off x="0" y="0"/>
+          <a:ext cx="0" cy="0"/>
+          <a:chOff x="0" y="0"/>
+          <a:chExt cx="0" cy="0"/>
+        </a:xfrm>
+      </p:grpSpPr>
+      <p:pic>
+        <p:nvPicPr>
+          <p:cNvPr id="4" name="Picture 3"/>
+          <p:cNvPicPr>
+            <a:picLocks noChangeAspect="1"/>
+          </p:cNvPicPr>
+          <p:nvPr/>
+        </p:nvPicPr>
+        <p:blipFill>
+          <a:blip r:embed="rId2"/>
+          <a:stretch>
+            <a:fillRect/>
+          </a:stretch>
+        </p:blipFill>
+        <p:spPr>
+          <a:xfrm>
+            <a:off x="3090862" y="737035"/>
+            <a:ext cx="6010275" cy="4848225"/>
+          </a:xfrm>
+          <a:prstGeom prst="rect">
+            <a:avLst/>
+          </a:prstGeom>
+        </p:spPr>
+      </p:pic>
+      <p:sp>
+        <p:nvSpPr>
+          <p:cNvPr id="5" name="TextBox 4"/>
+          <p:cNvSpPr txBox="1"/>
+          <p:nvPr/>
+        </p:nvSpPr>
+        <p:spPr>
+          <a:xfrm>
+            <a:off x="3267368" y="5585260"/>
+            <a:ext cx="5380174" cy="369332"/>
+          </a:xfrm>
+          <a:prstGeom prst="rect">
+            <a:avLst/>
+          </a:prstGeom>
+          <a:noFill/>
+        </p:spPr>
+        <p:txBody>
+          <a:bodyPr wrap="square" rtlCol="0">
+            <a:spAutoFit/>
+          </a:bodyPr>
+          <a:lstStyle/>
+          <a:p>
+            <a:r>
+              <a:rPr lang="en-AU" dirty="0"/>
+              <a:t>Angel Echoes.</a:t>
+            </a:r>
+          </a:p>
+        </p:txBody>
+      </p:sp>
+    </p:spTree>
+    <p:extLst>
+      <p:ext uri="{BB962C8B-B14F-4D97-AF65-F5344CB8AC3E}">
+        <p14:creationId xmlns:p14="http://schemas.microsoft.com/office/powerpoint/2010/main" val="614781561"/>
+      </p:ext>
+    </p:extLst>
+  </p:cSld>
+  <p:clrMapOvr>
+    <a:masterClrMapping/>
+  </p:clrMapOvr>
+</p:sld>
+</file>
+
+<file path=ppt/slides/slide7.xml><?xml version="1.0" encoding="utf-8"?>
+<p:sld xmlns:a="http://schemas.openxmlformats.org/drawingml/2006/main" xmlns:r="http://schemas.openxmlformats.org/officeDocument/2006/relationships" xmlns:p="http://schemas.openxmlformats.org/presentationml/2006/main">
+  <p:cSld>
+    <p:spTree>
+      <p:nvGrpSpPr>
+        <p:cNvPr id="1" name=""/>
+        <p:cNvGrpSpPr/>
+        <p:nvPr/>
+      </p:nvGrpSpPr>
+      <p:grpSpPr>
+        <a:xfrm>
+          <a:off x="0" y="0"/>
+          <a:ext cx="0" cy="0"/>
+          <a:chOff x="0" y="0"/>
+          <a:chExt cx="0" cy="0"/>
+        </a:xfrm>
+      </p:grpSpPr>
+      <p:pic>
+        <p:nvPicPr>
+          <p:cNvPr id="9" name="Content Placeholder 8"/>
+          <p:cNvPicPr>
+            <a:picLocks noGrp="1" noChangeAspect="1"/>
+          </p:cNvPicPr>
+          <p:nvPr>
+            <p:ph idx="1"/>
+          </p:nvPr>
+        </p:nvPicPr>
+        <p:blipFill>
+          <a:blip r:embed="rId2">
+            <a:extLst>
+              <a:ext uri="{28A0092B-C50C-407E-A947-70E740481C1C}">
+                <a14:useLocalDpi xmlns:a14="http://schemas.microsoft.com/office/drawing/2010/main" val="0"/>
+              </a:ext>
+            </a:extLst>
+          </a:blip>
+          <a:stretch>
+            <a:fillRect/>
+          </a:stretch>
+        </p:blipFill>
+        <p:spPr>
+          <a:xfrm>
+            <a:off x="4350328" y="727094"/>
+            <a:ext cx="3195782" cy="3956070"/>
+          </a:xfrm>
+        </p:spPr>
+      </p:pic>
+      <p:sp>
+        <p:nvSpPr>
+          <p:cNvPr id="10" name="TextBox 9"/>
+          <p:cNvSpPr txBox="1"/>
+          <p:nvPr/>
+        </p:nvSpPr>
+        <p:spPr>
+          <a:xfrm>
+            <a:off x="3258132" y="5040314"/>
+            <a:ext cx="5380174" cy="646331"/>
+          </a:xfrm>
+          <a:prstGeom prst="rect">
+            <a:avLst/>
+          </a:prstGeom>
+          <a:noFill/>
+        </p:spPr>
+        <p:txBody>
+          <a:bodyPr wrap="square" rtlCol="0">
+            <a:spAutoFit/>
+          </a:bodyPr>
+          <a:lstStyle/>
+          <a:p>
+            <a:r>
+              <a:rPr lang="en-AU" dirty="0"/>
+              <a:t>First Australian radar at Byron Bay on the north coast of NSW, operated by the Lighthouse Staff.</a:t>
+            </a:r>
+          </a:p>
+        </p:txBody>
+      </p:sp>
+    </p:spTree>
+    <p:extLst>
+      <p:ext uri="{BB962C8B-B14F-4D97-AF65-F5344CB8AC3E}">
+        <p14:creationId xmlns:p14="http://schemas.microsoft.com/office/powerpoint/2010/main" val="2119069295"/>
+      </p:ext>
+    </p:extLst>
+  </p:cSld>
+  <p:clrMapOvr>
+    <a:masterClrMapping/>
+  </p:clrMapOvr>
+</p:sld>
+</file>
+
+<file path=ppt/slides/slide8.xml><?xml version="1.0" encoding="utf-8"?>
+<p:sld xmlns:a="http://schemas.openxmlformats.org/drawingml/2006/main" xmlns:r="http://schemas.openxmlformats.org/officeDocument/2006/relationships" xmlns:p="http://schemas.openxmlformats.org/presentationml/2006/main">
+  <p:cSld>
+    <p:spTree>
+      <p:nvGrpSpPr>
+        <p:cNvPr id="1" name=""/>
+        <p:cNvGrpSpPr/>
+        <p:nvPr/>
+      </p:nvGrpSpPr>
+      <p:grpSpPr>
+        <a:xfrm>
+          <a:off x="0" y="0"/>
+          <a:ext cx="0" cy="0"/>
+          <a:chOff x="0" y="0"/>
+          <a:chExt cx="0" cy="0"/>
+        </a:xfrm>
+      </p:grpSpPr>
+      <p:sp>
+        <p:nvSpPr>
+          <p:cNvPr id="2" name="Title 1"/>
+          <p:cNvSpPr>
+            <a:spLocks noGrp="1"/>
+          </p:cNvSpPr>
+          <p:nvPr>
+            <p:ph type="title"/>
+          </p:nvPr>
+        </p:nvSpPr>
+        <p:spPr/>
+        <p:txBody>
+          <a:bodyPr/>
+          <a:lstStyle/>
+          <a:p>
+            <a:r>
+              <a:rPr lang="en-AU" dirty="0"/>
+              <a:t>What you should know about radars:</a:t>
+            </a:r>
+          </a:p>
+        </p:txBody>
+      </p:sp>
+      <mc:AlternateContent xmlns:mc="http://schemas.openxmlformats.org/markup-compatibility/2006" xmlns:a14="http://schemas.microsoft.com/office/drawing/2010/main">
+        <mc:Choice Requires="a14">
+          <p:sp>
+            <p:nvSpPr>
+              <p:cNvPr id="3" name="Content Placeholder 2"/>
+              <p:cNvSpPr>
+                <a:spLocks noGrp="1"/>
+              </p:cNvSpPr>
+              <p:nvPr>
+                <p:ph idx="1"/>
+              </p:nvPr>
+            </p:nvSpPr>
+            <p:spPr/>
+            <p:txBody>
+              <a:bodyPr/>
+              <a:lstStyle/>
+              <a:p>
+                <a:r>
+                  <a:rPr lang="en-AU" dirty="0"/>
+                  <a:t>The power received is proportional to the hydrometeors size, type, and density:</a:t>
+                </a:r>
+              </a:p>
+              <a:p>
+                <a:pPr marL="324000" lvl="1" indent="0">
+                  <a:buNone/>
+                </a:pPr>
+                <a14:m>
+                  <m:oMathPara xmlns:m="http://schemas.openxmlformats.org/officeDocument/2006/math">
+                    <m:oMathParaPr>
+                      <m:jc m:val="centerGroup"/>
+                    </m:oMathParaPr>
+                    <m:oMath xmlns:m="http://schemas.openxmlformats.org/officeDocument/2006/math">
+                      <m:r>
+                        <a:rPr lang="en-AU" sz="1800" b="0" i="1" smtClean="0">
+                          <a:latin typeface="Cambria Math" panose="02040503050406030204" pitchFamily="18" charset="0"/>
+                        </a:rPr>
+                        <m:t>𝑍</m:t>
+                      </m:r>
+                      <m:r>
+                        <a:rPr lang="en-AU" sz="1800" b="0" i="1" smtClean="0">
+                          <a:latin typeface="Cambria Math" panose="02040503050406030204" pitchFamily="18" charset="0"/>
+                        </a:rPr>
+                        <m:t>=</m:t>
+                      </m:r>
+                      <m:nary>
+                        <m:naryPr>
+                          <m:ctrlPr>
+                            <a:rPr lang="en-AU" sz="1800" b="0" i="1" smtClean="0">
+                              <a:latin typeface="Cambria Math" panose="02040503050406030204" pitchFamily="18" charset="0"/>
+                            </a:rPr>
+                          </m:ctrlPr>
+                        </m:naryPr>
+                        <m:sub>
+                          <m:r>
+                            <m:rPr>
+                              <m:brk m:alnAt="23"/>
+                            </m:rPr>
+                            <a:rPr lang="en-AU" sz="1800" b="0" i="1" smtClean="0">
+                              <a:latin typeface="Cambria Math" panose="02040503050406030204" pitchFamily="18" charset="0"/>
+                            </a:rPr>
+                            <m:t>0</m:t>
+                          </m:r>
+                        </m:sub>
+                        <m:sup>
+                          <m:r>
+                            <a:rPr lang="en-AU" sz="1800" b="0" i="1" smtClean="0">
+                              <a:latin typeface="Cambria Math" panose="02040503050406030204" pitchFamily="18" charset="0"/>
+                              <a:ea typeface="Cambria Math" panose="02040503050406030204" pitchFamily="18" charset="0"/>
+                            </a:rPr>
+                            <m:t>∞</m:t>
+                          </m:r>
+                        </m:sup>
+                        <m:e>
+                          <m:r>
+                            <a:rPr lang="en-AU" sz="1800" i="1">
+                              <a:latin typeface="Cambria Math" panose="02040503050406030204" pitchFamily="18" charset="0"/>
+                            </a:rPr>
+                            <m:t>𝑁</m:t>
+                          </m:r>
+                          <m:d>
+                            <m:dPr>
+                              <m:ctrlPr>
+                                <a:rPr lang="en-AU" sz="1800" i="1">
+                                  <a:latin typeface="Cambria Math" panose="02040503050406030204" pitchFamily="18" charset="0"/>
+                                </a:rPr>
+                              </m:ctrlPr>
+                            </m:dPr>
+                            <m:e>
+                              <m:r>
+                                <a:rPr lang="en-AU" sz="1800" i="1">
+                                  <a:latin typeface="Cambria Math" panose="02040503050406030204" pitchFamily="18" charset="0"/>
+                                </a:rPr>
+                                <m:t>𝐷</m:t>
+                              </m:r>
+                            </m:e>
+                          </m:d>
+                          <m:sSup>
+                            <m:sSupPr>
+                              <m:ctrlPr>
+                                <a:rPr lang="en-AU" sz="1800" i="1">
+                                  <a:latin typeface="Cambria Math" panose="02040503050406030204" pitchFamily="18" charset="0"/>
+                                </a:rPr>
+                              </m:ctrlPr>
+                            </m:sSupPr>
+                            <m:e>
+                              <m:r>
+                                <a:rPr lang="en-AU" sz="1800" i="1">
+                                  <a:latin typeface="Cambria Math" panose="02040503050406030204" pitchFamily="18" charset="0"/>
+                                </a:rPr>
+                                <m:t>𝐷</m:t>
+                              </m:r>
+                            </m:e>
+                            <m:sup>
+                              <m:r>
+                                <a:rPr lang="en-AU" sz="1800" i="1">
+                                  <a:latin typeface="Cambria Math" panose="02040503050406030204" pitchFamily="18" charset="0"/>
+                                </a:rPr>
+                                <m:t>6</m:t>
+                              </m:r>
+                            </m:sup>
+                          </m:sSup>
+                          <m:r>
+                            <a:rPr lang="en-AU" sz="1800" i="1">
+                              <a:latin typeface="Cambria Math" panose="02040503050406030204" pitchFamily="18" charset="0"/>
+                            </a:rPr>
+                            <m:t>𝑑𝐷</m:t>
+                          </m:r>
+                          <m:r>
+                            <m:rPr>
+                              <m:nor/>
+                            </m:rPr>
+                            <a:rPr lang="en-AU" sz="1800" dirty="0"/>
+                            <m:t> </m:t>
+                          </m:r>
+                        </m:e>
+                      </m:nary>
+                    </m:oMath>
+                  </m:oMathPara>
+                </a14:m>
+                <a:endParaRPr lang="en-AU" dirty="0"/>
+              </a:p>
+              <a:p>
+                <a:r>
+                  <a:rPr lang="en-AU" dirty="0"/>
+                  <a:t>The higher the frequency, the higher the attenuation.</a:t>
+                </a:r>
+              </a:p>
+              <a:p>
+                <a:r>
+                  <a:rPr lang="en-AU" dirty="0"/>
+                  <a:t>The angular resolution depends on the frequency and the radar antenna diameter:</a:t>
+                </a:r>
+              </a:p>
+              <a:p>
+                <a:pPr marL="324000" lvl="1" indent="0">
+                  <a:buNone/>
+                </a:pPr>
+                <a14:m>
+                  <m:oMathPara xmlns:m="http://schemas.openxmlformats.org/officeDocument/2006/math">
+                    <m:oMathParaPr>
+                      <m:jc m:val="centerGroup"/>
+                    </m:oMathParaPr>
+                    <m:oMath xmlns:m="http://schemas.openxmlformats.org/officeDocument/2006/math">
+                      <m:sSub>
+                        <m:sSubPr>
+                          <m:ctrlPr>
+                            <a:rPr lang="en-AU" sz="1800" b="0" i="1" smtClean="0">
+                              <a:latin typeface="Cambria Math" panose="02040503050406030204" pitchFamily="18" charset="0"/>
+                            </a:rPr>
+                          </m:ctrlPr>
+                        </m:sSubPr>
+                        <m:e>
+                          <m:r>
+                            <a:rPr lang="en-AU" sz="1800" b="0" i="1" smtClean="0">
+                              <a:latin typeface="Cambria Math" panose="02040503050406030204" pitchFamily="18" charset="0"/>
+                            </a:rPr>
+                            <m:t>𝜃</m:t>
+                          </m:r>
+                        </m:e>
+                        <m:sub>
+                          <m:r>
+                            <a:rPr lang="en-AU" sz="1800" b="0" i="1" smtClean="0">
+                              <a:latin typeface="Cambria Math" panose="02040503050406030204" pitchFamily="18" charset="0"/>
+                            </a:rPr>
+                            <m:t>3</m:t>
+                          </m:r>
+                          <m:r>
+                            <a:rPr lang="en-AU" sz="1800" b="0" i="1" smtClean="0">
+                              <a:latin typeface="Cambria Math" panose="02040503050406030204" pitchFamily="18" charset="0"/>
+                            </a:rPr>
+                            <m:t>𝑑𝐵</m:t>
+                          </m:r>
+                        </m:sub>
+                      </m:sSub>
+                      <m:r>
+                        <a:rPr lang="en-AU" sz="1800" i="1">
+                          <a:latin typeface="Cambria Math" panose="02040503050406030204" pitchFamily="18" charset="0"/>
+                          <a:ea typeface="Cambria Math" panose="02040503050406030204" pitchFamily="18" charset="0"/>
+                        </a:rPr>
+                        <m:t>≈</m:t>
+                      </m:r>
+                      <m:f>
+                        <m:fPr>
+                          <m:ctrlPr>
+                            <a:rPr lang="en-AU" sz="1800" i="1" smtClean="0">
+                              <a:latin typeface="Cambria Math" panose="02040503050406030204" pitchFamily="18" charset="0"/>
+                              <a:ea typeface="Cambria Math" panose="02040503050406030204" pitchFamily="18" charset="0"/>
+                            </a:rPr>
+                          </m:ctrlPr>
+                        </m:fPr>
+                        <m:num>
+                          <m:r>
+                            <a:rPr lang="en-AU" sz="1800" b="0" i="1" smtClean="0">
+                              <a:latin typeface="Cambria Math" panose="02040503050406030204" pitchFamily="18" charset="0"/>
+                              <a:ea typeface="Cambria Math" panose="02040503050406030204" pitchFamily="18" charset="0"/>
+                            </a:rPr>
+                            <m:t>70</m:t>
+                          </m:r>
+                          <m:r>
+                            <a:rPr lang="en-AU" sz="1800" b="0" i="1" smtClean="0">
+                              <a:latin typeface="Cambria Math" panose="02040503050406030204" pitchFamily="18" charset="0"/>
+                              <a:ea typeface="Cambria Math" panose="02040503050406030204" pitchFamily="18" charset="0"/>
+                            </a:rPr>
+                            <m:t>𝑐</m:t>
+                          </m:r>
+                        </m:num>
+                        <m:den>
+                          <m:r>
+                            <a:rPr lang="en-AU" sz="1800" b="0" i="1" smtClean="0">
+                              <a:latin typeface="Cambria Math" panose="02040503050406030204" pitchFamily="18" charset="0"/>
+                              <a:ea typeface="Cambria Math" panose="02040503050406030204" pitchFamily="18" charset="0"/>
+                            </a:rPr>
+                            <m:t>𝑓𝐷</m:t>
+                          </m:r>
+                        </m:den>
+                      </m:f>
+                    </m:oMath>
+                  </m:oMathPara>
+                </a14:m>
+                <a:endParaRPr lang="en-AU" dirty="0"/>
+              </a:p>
+            </p:txBody>
+          </p:sp>
+        </mc:Choice>
+        <mc:Fallback xmlns="">
+          <p:sp>
+            <p:nvSpPr>
+              <p:cNvPr id="3" name="Content Placeholder 2"/>
+              <p:cNvSpPr>
+                <a:spLocks noGrp="1" noRot="1" noChangeAspect="1" noMove="1" noResize="1" noEditPoints="1" noAdjustHandles="1" noChangeArrowheads="1" noChangeShapeType="1" noTextEdit="1"/>
+              </p:cNvSpPr>
+              <p:nvPr>
+                <p:ph idx="1"/>
+              </p:nvPr>
+            </p:nvSpPr>
+            <p:spPr>
+              <a:blipFill>
+                <a:blip r:embed="rId2"/>
+                <a:stretch>
+                  <a:fillRect l="-166"/>
+                </a:stretch>
+              </a:blipFill>
+            </p:spPr>
+            <p:txBody>
+              <a:bodyPr/>
+              <a:lstStyle/>
+              <a:p>
+                <a:r>
+                  <a:rPr lang="en-AU">
+                    <a:noFill/>
+                  </a:rPr>
+                  <a:t> </a:t>
+                </a:r>
+              </a:p>
+            </p:txBody>
+          </p:sp>
+        </mc:Fallback>
+      </mc:AlternateContent>
+    </p:spTree>
+    <p:extLst>
+      <p:ext uri="{BB962C8B-B14F-4D97-AF65-F5344CB8AC3E}">
+        <p14:creationId xmlns:p14="http://schemas.microsoft.com/office/powerpoint/2010/main" val="3964174624"/>
+      </p:ext>
+    </p:extLst>
+  </p:cSld>
+  <p:clrMapOvr>
+    <a:masterClrMapping/>
+  </p:clrMapOvr>
+</p:sld>
+</file>
+
+<file path=ppt/slides/slide9.xml><?xml version="1.0" encoding="utf-8"?>
+<p:sld xmlns:a="http://schemas.openxmlformats.org/drawingml/2006/main" xmlns:r="http://schemas.openxmlformats.org/officeDocument/2006/relationships" xmlns:p="http://schemas.openxmlformats.org/presentationml/2006/main">
+  <p:cSld>
+    <p:spTree>
+      <p:nvGrpSpPr>
+        <p:cNvPr id="1" name=""/>
+        <p:cNvGrpSpPr/>
+        <p:nvPr/>
+      </p:nvGrpSpPr>
+      <p:grpSpPr>
+        <a:xfrm>
+          <a:off x="0" y="0"/>
+          <a:ext cx="0" cy="0"/>
+          <a:chOff x="0" y="0"/>
+          <a:chExt cx="0" cy="0"/>
+        </a:xfrm>
+      </p:grpSpPr>
+      <p:sp>
+        <p:nvSpPr>
+          <p:cNvPr id="2" name="Title 1"/>
+          <p:cNvSpPr>
+            <a:spLocks noGrp="1"/>
+          </p:cNvSpPr>
+          <p:nvPr>
+            <p:ph type="title"/>
+          </p:nvPr>
+        </p:nvSpPr>
+        <p:spPr/>
+        <p:txBody>
+          <a:bodyPr/>
+          <a:lstStyle/>
+          <a:p>
+            <a:r>
+              <a:rPr lang="en-AU" dirty="0"/>
+              <a:t>What you should know about radars:</a:t>
+            </a:r>
+          </a:p>
+        </p:txBody>
+      </p:sp>
+      <mc:AlternateContent xmlns:mc="http://schemas.openxmlformats.org/markup-compatibility/2006">
+        <mc:Choice xmlns:a14="http://schemas.microsoft.com/office/drawing/2010/main" Requires="a14">
+          <p:sp>
+            <p:nvSpPr>
+              <p:cNvPr id="3" name="Content Placeholder 2"/>
+              <p:cNvSpPr>
+                <a:spLocks noGrp="1"/>
+              </p:cNvSpPr>
+              <p:nvPr>
+                <p:ph idx="1"/>
+              </p:nvPr>
+            </p:nvSpPr>
+            <p:spPr/>
+            <p:txBody>
+              <a:bodyPr/>
+              <a:lstStyle/>
+              <a:p>
+                <a:r>
+                  <a:rPr lang="en-AU" dirty="0"/>
+                  <a:t>Note that because the reflectivity is proportional to the number of particles measured in one pulse, it is a huge number. So we prefer to use a logarithmic scale:</a:t>
+                </a:r>
+              </a:p>
+              <a:p>
+                <a:pPr marL="0" indent="0">
+                  <a:buNone/>
+                </a:pPr>
+                <a14:m>
+                  <m:oMathPara xmlns:m="http://schemas.openxmlformats.org/officeDocument/2006/math">
+                    <m:oMathParaPr>
+                      <m:jc m:val="centerGroup"/>
+                    </m:oMathParaPr>
+                    <m:oMath xmlns:m="http://schemas.openxmlformats.org/officeDocument/2006/math">
+                      <m:sSub>
+                        <m:sSubPr>
+                          <m:ctrlPr>
+                            <a:rPr lang="en-AU" sz="2000" b="0" i="1" smtClean="0">
+                              <a:latin typeface="Cambria Math" panose="02040503050406030204" pitchFamily="18" charset="0"/>
+                            </a:rPr>
+                          </m:ctrlPr>
+                        </m:sSubPr>
+                        <m:e>
+                          <m:r>
+                            <a:rPr lang="en-AU" sz="2000" b="0" i="1" smtClean="0">
+                              <a:latin typeface="Cambria Math" panose="02040503050406030204" pitchFamily="18" charset="0"/>
+                            </a:rPr>
+                            <m:t>𝑍</m:t>
+                          </m:r>
+                        </m:e>
+                        <m:sub>
+                          <m:r>
+                            <a:rPr lang="en-AU" sz="2000" b="0" i="1" smtClean="0">
+                              <a:latin typeface="Cambria Math" panose="02040503050406030204" pitchFamily="18" charset="0"/>
+                            </a:rPr>
+                            <m:t>𝑒</m:t>
+                          </m:r>
+                        </m:sub>
+                      </m:sSub>
+                      <m:d>
+                        <m:dPr>
+                          <m:ctrlPr>
+                            <a:rPr lang="en-AU" sz="2000" b="0" i="1" smtClean="0">
+                              <a:latin typeface="Cambria Math" panose="02040503050406030204" pitchFamily="18" charset="0"/>
+                            </a:rPr>
+                          </m:ctrlPr>
+                        </m:dPr>
+                        <m:e>
+                          <m:r>
+                            <a:rPr lang="en-AU" sz="2000" b="0" i="1" smtClean="0">
+                              <a:latin typeface="Cambria Math" panose="02040503050406030204" pitchFamily="18" charset="0"/>
+                            </a:rPr>
+                            <m:t>𝑑𝐵𝑍</m:t>
+                          </m:r>
+                        </m:e>
+                      </m:d>
+                      <m:r>
+                        <a:rPr lang="en-AU" sz="2000" b="0" i="1" smtClean="0">
+                          <a:latin typeface="Cambria Math" panose="02040503050406030204" pitchFamily="18" charset="0"/>
+                        </a:rPr>
+                        <m:t>=10</m:t>
+                      </m:r>
+                      <m:func>
+                        <m:funcPr>
+                          <m:ctrlPr>
+                            <a:rPr lang="en-AU" sz="2000" b="0" i="1" smtClean="0">
+                              <a:latin typeface="Cambria Math" panose="02040503050406030204" pitchFamily="18" charset="0"/>
+                            </a:rPr>
+                          </m:ctrlPr>
+                        </m:funcPr>
+                        <m:fName>
+                          <m:r>
+                            <m:rPr>
+                              <m:sty m:val="p"/>
+                            </m:rPr>
+                            <a:rPr lang="en-AU" sz="2000" b="0" i="0" smtClean="0">
+                              <a:latin typeface="Cambria Math" panose="02040503050406030204" pitchFamily="18" charset="0"/>
+                            </a:rPr>
+                            <m:t>log</m:t>
+                          </m:r>
+                        </m:fName>
+                        <m:e>
+                          <m:r>
+                            <a:rPr lang="en-AU" sz="2000" b="0" i="1" smtClean="0">
+                              <a:latin typeface="Cambria Math" panose="02040503050406030204" pitchFamily="18" charset="0"/>
+                            </a:rPr>
+                            <m:t>𝑍</m:t>
+                          </m:r>
+                        </m:e>
+                      </m:func>
+                    </m:oMath>
+                  </m:oMathPara>
+                </a14:m>
+                <a:endParaRPr lang="en-AU" sz="2000" dirty="0"/>
+              </a:p>
+              <a:p>
+                <a:pPr marL="0" indent="0">
+                  <a:buNone/>
+                </a:pPr>
+                <a:r>
+                  <a:rPr lang="en-AU" sz="1800" dirty="0" err="1"/>
+                  <a:t>dBZ</a:t>
+                </a:r>
+                <a:r>
+                  <a:rPr lang="en-AU" sz="1800" dirty="0"/>
+                  <a:t> is the unit decibel of Z. </a:t>
+                </a:r>
+                <a:r>
+                  <a:rPr lang="en-AU" sz="1800" dirty="0" err="1"/>
+                  <a:t>Ze</a:t>
+                </a:r>
+                <a:r>
+                  <a:rPr lang="en-AU" sz="1800" dirty="0"/>
+                  <a:t> is the equivalent reflectivity factor, but we just call it </a:t>
+                </a:r>
+                <a:r>
+                  <a:rPr lang="en-AU" sz="1800" b="1" dirty="0"/>
+                  <a:t>reflectivity</a:t>
+                </a:r>
+                <a:r>
+                  <a:rPr lang="en-AU" sz="1800" dirty="0"/>
+                  <a:t>. Z is the natural reflectivity and we call it, generally, the </a:t>
+                </a:r>
+                <a:r>
+                  <a:rPr lang="en-AU" sz="1800" b="1" dirty="0"/>
+                  <a:t>linear reflectivity</a:t>
+                </a:r>
+                <a:r>
+                  <a:rPr lang="en-AU" sz="1800" dirty="0"/>
+                  <a:t>.</a:t>
+                </a:r>
+              </a:p>
+            </p:txBody>
+          </p:sp>
+        </mc:Choice>
+        <mc:Fallback>
+          <p:sp>
+            <p:nvSpPr>
+              <p:cNvPr id="3" name="Content Placeholder 2"/>
+              <p:cNvSpPr>
+                <a:spLocks noGrp="1" noRot="1" noChangeAspect="1" noMove="1" noResize="1" noEditPoints="1" noAdjustHandles="1" noChangeArrowheads="1" noChangeShapeType="1" noTextEdit="1"/>
+              </p:cNvSpPr>
+              <p:nvPr>
+                <p:ph idx="1"/>
+              </p:nvPr>
+            </p:nvSpPr>
+            <p:spPr>
+              <a:blipFill>
+                <a:blip r:embed="rId2"/>
+                <a:stretch>
+                  <a:fillRect l="-442"/>
+                </a:stretch>
+              </a:blipFill>
+            </p:spPr>
+            <p:txBody>
+              <a:bodyPr/>
+              <a:lstStyle/>
+              <a:p>
+                <a:r>
+                  <a:rPr lang="en-AU">
+                    <a:noFill/>
+                  </a:rPr>
+                  <a:t> </a:t>
+                </a:r>
+              </a:p>
+            </p:txBody>
+          </p:sp>
+        </mc:Fallback>
+      </mc:AlternateContent>
+    </p:spTree>
+    <p:extLst>
+      <p:ext uri="{BB962C8B-B14F-4D97-AF65-F5344CB8AC3E}">
+        <p14:creationId xmlns:p14="http://schemas.microsoft.com/office/powerpoint/2010/main" val="108369842"/>
+      </p:ext>
+    </p:extLst>
+  </p:cSld>
+  <p:clrMapOvr>
+    <a:masterClrMapping/>
+  </p:clrMapOvr>
+</p:sld>
+</file>
+
 <file path=ppt/theme/theme1.xml><?xml version="1.0" encoding="utf-8"?>
 <a:theme xmlns:a="http://schemas.openxmlformats.org/drawingml/2006/main" name="DividendVTI">
   <a:themeElements>
-    <a:clrScheme name="Blue II">
+    <a:clrScheme name="Orange Red">
       <a:dk1>
         <a:sysClr val="windowText" lastClr="000000"/>
       </a:dk1>
@@ -13037,34 +13266,34 @@
         <a:sysClr val="window" lastClr="FFFFFF"/>
       </a:lt1>
       <a:dk2>
-        <a:srgbClr val="335B74"/>
+        <a:srgbClr val="696464"/>
       </a:dk2>
       <a:lt2>
-        <a:srgbClr val="DFE3E5"/>
+        <a:srgbClr val="E9E5DC"/>
       </a:lt2>
       <a:accent1>
-        <a:srgbClr val="1CADE4"/>
+        <a:srgbClr val="D34817"/>
       </a:accent1>
       <a:accent2>
-        <a:srgbClr val="2683C6"/>
+        <a:srgbClr val="9B2D1F"/>
       </a:accent2>
       <a:accent3>
-        <a:srgbClr val="27CED7"/>
+        <a:srgbClr val="A28E6A"/>
       </a:accent3>
       <a:accent4>
-        <a:srgbClr val="42BA97"/>
+        <a:srgbClr val="956251"/>
       </a:accent4>
       <a:accent5>
-        <a:srgbClr val="3E8853"/>
+        <a:srgbClr val="918485"/>
       </a:accent5>
       <a:accent6>
-        <a:srgbClr val="62A39F"/>
+        <a:srgbClr val="855D5D"/>
       </a:accent6>
       <a:hlink>
-        <a:srgbClr val="6EAC1C"/>
+        <a:srgbClr val="CC9900"/>
       </a:hlink>
       <a:folHlink>
-        <a:srgbClr val="B26B02"/>
+        <a:srgbClr val="96A9A9"/>
       </a:folHlink>
     </a:clrScheme>
     <a:fontScheme name="Dividend">

--- a/01 - Introduction/Part 1 - Radar general concepts.pptx
+++ b/01 - Introduction/Part 1 - Radar general concepts.pptx
@@ -5,7 +5,7 @@
     <p:sldMasterId id="2147483712" r:id="rId1"/>
   </p:sldMasterIdLst>
   <p:notesMasterIdLst>
-    <p:notesMasterId r:id="rId12"/>
+    <p:notesMasterId r:id="rId13"/>
   </p:notesMasterIdLst>
   <p:sldIdLst>
     <p:sldId id="257" r:id="rId2"/>
@@ -17,7 +17,8 @@
     <p:sldId id="264" r:id="rId8"/>
     <p:sldId id="265" r:id="rId9"/>
     <p:sldId id="267" r:id="rId10"/>
-    <p:sldId id="266" r:id="rId11"/>
+    <p:sldId id="268" r:id="rId11"/>
+    <p:sldId id="266" r:id="rId12"/>
   </p:sldIdLst>
   <p:sldSz cx="12192000" cy="6858000"/>
   <p:notesSz cx="6858000" cy="9144000"/>
@@ -2399,57 +2400,57 @@
     </dgm:pt>
   </dgm:ptLst>
   <dgm:cxnLst>
+    <dgm:cxn modelId="{380FF584-D968-47E3-B536-2BD07B709A79}" srcId="{6A70FD8F-0050-42E3-8B3A-6ED7CFB9852E}" destId="{D71D6A6B-D304-4F98-8699-F8F396E2009D}" srcOrd="10" destOrd="0" parTransId="{138D9054-57C9-4764-9620-D8824BC38914}" sibTransId="{89BDA11A-777D-496D-AB35-2CE2E94B35BF}"/>
+    <dgm:cxn modelId="{0B4C5ACC-52EA-4B5B-8B10-D0CD353FA567}" type="presOf" srcId="{24E5D3B2-7A98-493C-8692-D96D6A147AC8}" destId="{9A4150DA-F945-4826-AC80-B8373C977BDB}" srcOrd="0" destOrd="0" presId="urn:microsoft.com/office/officeart/2016/7/layout/RoundedRectangleTimeline"/>
+    <dgm:cxn modelId="{A98555BB-9216-4FCA-B731-95365D83D853}" srcId="{D71D6A6B-D304-4F98-8699-F8F396E2009D}" destId="{BAEFF35D-EA23-404E-B7C9-E15B50E720BF}" srcOrd="0" destOrd="0" parTransId="{C523416E-C989-443A-BE87-6797E10EADAE}" sibTransId="{E8DEEC42-31D5-4C3F-A9E6-280DBE9AC5A1}"/>
+    <dgm:cxn modelId="{38B5639A-16C0-470B-B246-4906BC9C6FF8}" srcId="{6A70FD8F-0050-42E3-8B3A-6ED7CFB9852E}" destId="{C3C3997C-3832-4B2D-ABB0-001B5A038C5C}" srcOrd="5" destOrd="0" parTransId="{F2D6B439-60C3-46C9-9134-1BB8CAEAB791}" sibTransId="{61AA5263-44A1-42B2-B0FE-63F597D0581D}"/>
+    <dgm:cxn modelId="{4BDF6F14-B011-4BB6-8EF6-BFB134CBF43C}" srcId="{24E5D3B2-7A98-493C-8692-D96D6A147AC8}" destId="{092381D8-2E51-453D-9C49-305AA393C15A}" srcOrd="1" destOrd="0" parTransId="{5D354F82-42EF-40F5-9117-FA864855FCFB}" sibTransId="{0CE6E080-11A1-4206-8058-91AC7112B492}"/>
+    <dgm:cxn modelId="{437C3459-3F06-46C6-B006-6295C6CAB472}" srcId="{5507412E-7123-4EB0-9F31-E986F5FC6112}" destId="{1C45B0A8-3E99-45C4-B633-F4E857B45928}" srcOrd="1" destOrd="0" parTransId="{9E47F298-B0E8-4637-BC15-A3038A173257}" sibTransId="{76A23BD8-3E64-4BFF-924C-894D46B38DAA}"/>
+    <dgm:cxn modelId="{40B2CC68-35D4-4E9B-B4A4-92B2BDDC5BCD}" type="presOf" srcId="{C3C3997C-3832-4B2D-ABB0-001B5A038C5C}" destId="{F3B9F493-F698-43D9-A9FF-F77AFC86E69E}" srcOrd="0" destOrd="0" presId="urn:microsoft.com/office/officeart/2016/7/layout/RoundedRectangleTimeline"/>
+    <dgm:cxn modelId="{457E12EA-313C-44F7-AB74-660AB3A90217}" srcId="{6A70FD8F-0050-42E3-8B3A-6ED7CFB9852E}" destId="{3CE3E7D3-88C4-4A6E-A285-53FD2AA0627E}" srcOrd="8" destOrd="0" parTransId="{CDA67266-D879-4303-A788-1669BC4F9982}" sibTransId="{BC2D1C24-15E2-4169-AE20-030FA6623343}"/>
+    <dgm:cxn modelId="{8C5B110A-FBC3-4CBF-BED2-413E87D4DAD5}" srcId="{8DB5D7D5-6A1C-4ABC-8850-759A9D876047}" destId="{96262926-A67D-4E4E-9515-5EBC67F0B634}" srcOrd="0" destOrd="0" parTransId="{EC74E552-C501-4B0E-9400-E8B410F53D50}" sibTransId="{1DA7ACEB-F642-43C1-BCB5-F580B9B985B9}"/>
+    <dgm:cxn modelId="{22ECA226-C4EA-44F1-BCB5-77F78841DA6F}" type="presOf" srcId="{09C152DA-7620-4852-8162-A77EC3609F3F}" destId="{566B79CB-1A41-4F5C-BF91-58D94BF93913}" srcOrd="0" destOrd="0" presId="urn:microsoft.com/office/officeart/2016/7/layout/RoundedRectangleTimeline"/>
+    <dgm:cxn modelId="{23ECAC8B-17A4-4883-AA0E-06D66B7E788A}" srcId="{6A70FD8F-0050-42E3-8B3A-6ED7CFB9852E}" destId="{09C152DA-7620-4852-8162-A77EC3609F3F}" srcOrd="2" destOrd="0" parTransId="{9F6D14C0-6C82-4CBD-8D6D-B0E117B6F2ED}" sibTransId="{0AE8D36D-0F0F-4206-AE39-0A2D73987B68}"/>
+    <dgm:cxn modelId="{C5A1DBDE-1D37-43C4-895A-F32B5A063304}" srcId="{6A70FD8F-0050-42E3-8B3A-6ED7CFB9852E}" destId="{24E5D3B2-7A98-493C-8692-D96D6A147AC8}" srcOrd="9" destOrd="0" parTransId="{7C1DBBEE-7BC8-4B37-A7CF-8F512118101F}" sibTransId="{A262BA8E-0B3C-4723-9C1E-9199F71798EF}"/>
+    <dgm:cxn modelId="{4E3446A8-5F7A-4B5A-8CFE-89332B85494A}" srcId="{0361E2E6-C954-4204-9FCB-9BA09718D5C4}" destId="{A21A4C63-4BA5-4E17-BA6A-9640F9A13E71}" srcOrd="0" destOrd="0" parTransId="{DFAE5A89-1ECC-4314-A2D7-49A81E92D8ED}" sibTransId="{EA1A14A2-BA32-4E6E-91CF-5545A643195C}"/>
+    <dgm:cxn modelId="{0E9D2D04-4FD5-4EF8-8B7C-6B4A0B3E6092}" srcId="{24E5D3B2-7A98-493C-8692-D96D6A147AC8}" destId="{0C8B115B-41AF-4ADE-98C5-9C1315F0272C}" srcOrd="0" destOrd="0" parTransId="{2F524207-CFCE-41E1-9C4C-A4250CF41B35}" sibTransId="{E6DA23FE-155D-43C3-AB01-60E9820EC291}"/>
+    <dgm:cxn modelId="{FD773EAB-9351-427F-8E9E-ED1B1542BCF1}" type="presOf" srcId="{0361E2E6-C954-4204-9FCB-9BA09718D5C4}" destId="{72E37E8A-FA58-4DC9-97B8-6C1F93AC067A}" srcOrd="0" destOrd="0" presId="urn:microsoft.com/office/officeart/2016/7/layout/RoundedRectangleTimeline"/>
+    <dgm:cxn modelId="{1B0E10C4-5A27-4353-B024-124C46649F32}" type="presOf" srcId="{DF2CB298-44E6-4EF9-8CDD-22885BA54D4F}" destId="{BCD41995-2862-454A-88CF-476FB9B46BF2}" srcOrd="0" destOrd="1" presId="urn:microsoft.com/office/officeart/2016/7/layout/RoundedRectangleTimeline"/>
+    <dgm:cxn modelId="{43E8157C-845F-495A-BD90-259647F3B688}" srcId="{3CE3E7D3-88C4-4A6E-A285-53FD2AA0627E}" destId="{D7F5FC73-67AA-497A-A08E-E8C6FEBD295F}" srcOrd="0" destOrd="0" parTransId="{071BC1F7-F8DD-4335-A868-47846479D31E}" sibTransId="{F437D0C8-F93C-4C44-8B6B-2E695238B8E0}"/>
+    <dgm:cxn modelId="{6D1AA6AC-7206-4999-AD96-5E297F6C1C0B}" type="presOf" srcId="{EAA5544E-3237-4566-8228-2756E0DB815B}" destId="{52A870BF-0585-48A0-8F62-127374A86E30}" srcOrd="0" destOrd="0" presId="urn:microsoft.com/office/officeart/2016/7/layout/RoundedRectangleTimeline"/>
+    <dgm:cxn modelId="{20818964-D92B-4292-8E84-0F59628EBE96}" srcId="{C3C3997C-3832-4B2D-ABB0-001B5A038C5C}" destId="{F2AF242D-4A74-4833-98E6-7482427DCB7D}" srcOrd="0" destOrd="0" parTransId="{9655AF8B-B291-45C6-B003-89EF0EF3A0F5}" sibTransId="{80D87209-69BD-4567-A548-7AD8AFDDCADC}"/>
+    <dgm:cxn modelId="{69919F63-FF18-4BA7-8607-152B831846A8}" srcId="{6A70FD8F-0050-42E3-8B3A-6ED7CFB9852E}" destId="{45682198-330F-41FC-A06F-9BF0D99E79C2}" srcOrd="3" destOrd="0" parTransId="{3D01D10D-F30F-43F0-A9E9-85D7DAD52045}" sibTransId="{E878F34F-13B1-47AE-A930-3732F85FEB3B}"/>
+    <dgm:cxn modelId="{CA4F0284-E0EC-4E5F-AE75-DDCC22FEDA0B}" type="presOf" srcId="{5507412E-7123-4EB0-9F31-E986F5FC6112}" destId="{EEDCFD76-8D94-409B-B0CC-1547E230C739}" srcOrd="0" destOrd="0" presId="urn:microsoft.com/office/officeart/2016/7/layout/RoundedRectangleTimeline"/>
+    <dgm:cxn modelId="{6AF26B75-1DE9-474C-88B7-6C536874A479}" srcId="{78FE962D-8415-4305-8960-3A6C19CAF6D9}" destId="{90917E2B-2F4C-481F-B832-A0DDA698AF96}" srcOrd="0" destOrd="0" parTransId="{AAA5DE2D-4B01-463D-8FCF-761E9EA56519}" sibTransId="{33C5BAFD-E23C-4D48-9C34-303A7AC485D5}"/>
+    <dgm:cxn modelId="{B54F94EA-F7EF-4E57-B085-6256F2DE732D}" type="presOf" srcId="{0C8B115B-41AF-4ADE-98C5-9C1315F0272C}" destId="{26190A61-FEEB-4C26-B52A-13BB015B30BC}" srcOrd="0" destOrd="0" presId="urn:microsoft.com/office/officeart/2016/7/layout/RoundedRectangleTimeline"/>
     <dgm:cxn modelId="{FAA8D3DD-12E8-457D-9144-B037C5678347}" srcId="{09C152DA-7620-4852-8162-A77EC3609F3F}" destId="{6C8937BE-93F8-4DED-8538-1C601DAEBA66}" srcOrd="0" destOrd="0" parTransId="{77D169C6-D77F-456D-B18B-D7BE016AD87A}" sibTransId="{A97BE953-FA9D-4BA6-A92C-494DB1F3BA59}"/>
-    <dgm:cxn modelId="{A98555BB-9216-4FCA-B731-95365D83D853}" srcId="{D71D6A6B-D304-4F98-8699-F8F396E2009D}" destId="{BAEFF35D-EA23-404E-B7C9-E15B50E720BF}" srcOrd="0" destOrd="0" parTransId="{C523416E-C989-443A-BE87-6797E10EADAE}" sibTransId="{E8DEEC42-31D5-4C3F-A9E6-280DBE9AC5A1}"/>
-    <dgm:cxn modelId="{20818964-D92B-4292-8E84-0F59628EBE96}" srcId="{C3C3997C-3832-4B2D-ABB0-001B5A038C5C}" destId="{F2AF242D-4A74-4833-98E6-7482427DCB7D}" srcOrd="0" destOrd="0" parTransId="{9655AF8B-B291-45C6-B003-89EF0EF3A0F5}" sibTransId="{80D87209-69BD-4567-A548-7AD8AFDDCADC}"/>
-    <dgm:cxn modelId="{38B5639A-16C0-470B-B246-4906BC9C6FF8}" srcId="{6A70FD8F-0050-42E3-8B3A-6ED7CFB9852E}" destId="{C3C3997C-3832-4B2D-ABB0-001B5A038C5C}" srcOrd="5" destOrd="0" parTransId="{F2D6B439-60C3-46C9-9134-1BB8CAEAB791}" sibTransId="{61AA5263-44A1-42B2-B0FE-63F597D0581D}"/>
+    <dgm:cxn modelId="{8EBF857E-7408-4941-91E4-293B0F59EEF7}" srcId="{6A70FD8F-0050-42E3-8B3A-6ED7CFB9852E}" destId="{C5146535-FD3D-4589-98A3-623B8DA4B8DB}" srcOrd="1" destOrd="0" parTransId="{20848F78-EC70-4162-96CE-CC68006930F0}" sibTransId="{7A3CCAF8-AC3A-401E-AEDD-44BBC1AA9C31}"/>
+    <dgm:cxn modelId="{C5202EE1-10E9-4076-9D55-9E0CF8B152AF}" srcId="{6A70FD8F-0050-42E3-8B3A-6ED7CFB9852E}" destId="{8DB5D7D5-6A1C-4ABC-8850-759A9D876047}" srcOrd="0" destOrd="0" parTransId="{D8874F40-D7B0-41DE-BB6F-A6014FEAB2D7}" sibTransId="{BD6E0A2E-99C8-4F5A-971A-CD211D1099FF}"/>
+    <dgm:cxn modelId="{50C9B4B9-A929-4CD6-99B2-3433B0A6C2BB}" type="presOf" srcId="{092381D8-2E51-453D-9C49-305AA393C15A}" destId="{26190A61-FEEB-4C26-B52A-13BB015B30BC}" srcOrd="0" destOrd="1" presId="urn:microsoft.com/office/officeart/2016/7/layout/RoundedRectangleTimeline"/>
+    <dgm:cxn modelId="{693F076F-972C-4444-871D-241C80E5E49A}" type="presOf" srcId="{45682198-330F-41FC-A06F-9BF0D99E79C2}" destId="{46309328-23F9-40CF-A2F8-5A252BCB4FB0}" srcOrd="0" destOrd="0" presId="urn:microsoft.com/office/officeart/2016/7/layout/RoundedRectangleTimeline"/>
+    <dgm:cxn modelId="{2DC28DF8-5C1B-4F53-A4C1-D5B63FB54BAF}" srcId="{C5146535-FD3D-4589-98A3-623B8DA4B8DB}" destId="{E80CA270-6C90-4E17-ACEA-46B56AD54DD1}" srcOrd="0" destOrd="0" parTransId="{7EEC8067-96EF-4BE0-8BE3-BA59ED78A31F}" sibTransId="{1AFE46E5-6B07-4894-8ECB-21BD7E7B8AF1}"/>
+    <dgm:cxn modelId="{F9540599-A193-456C-A9A9-8962E3855B0B}" type="presOf" srcId="{96262926-A67D-4E4E-9515-5EBC67F0B634}" destId="{5A1B764B-0DC5-47CD-BDEA-9E67799496EC}" srcOrd="0" destOrd="0" presId="urn:microsoft.com/office/officeart/2016/7/layout/RoundedRectangleTimeline"/>
+    <dgm:cxn modelId="{635CE185-78FD-4E9F-BB54-5F360382A6D4}" type="presOf" srcId="{A21A4C63-4BA5-4E17-BA6A-9640F9A13E71}" destId="{5B90CA54-4FA4-4453-A4B0-7BF45CB6645E}" srcOrd="0" destOrd="0" presId="urn:microsoft.com/office/officeart/2016/7/layout/RoundedRectangleTimeline"/>
+    <dgm:cxn modelId="{E04E5683-3354-4F4B-85BA-440839754F66}" srcId="{78FE962D-8415-4305-8960-3A6C19CAF6D9}" destId="{DF2CB298-44E6-4EF9-8CDD-22885BA54D4F}" srcOrd="1" destOrd="0" parTransId="{28E093F4-A5DF-41FB-991F-9327D7D3DEDD}" sibTransId="{E931C921-8939-417D-B082-E328A88B4876}"/>
+    <dgm:cxn modelId="{E2BBA750-A5E4-4F50-BE16-016934379F81}" type="presOf" srcId="{6C8937BE-93F8-4DED-8538-1C601DAEBA66}" destId="{B4723E2A-4FF1-452A-BD25-8EC364F15A6F}" srcOrd="0" destOrd="0" presId="urn:microsoft.com/office/officeart/2016/7/layout/RoundedRectangleTimeline"/>
     <dgm:cxn modelId="{F9B2D375-40BE-4E5D-AA88-61805FBFF819}" type="presOf" srcId="{8DB5D7D5-6A1C-4ABC-8850-759A9D876047}" destId="{954381E7-0584-46DD-8108-E9BF4F2B5005}" srcOrd="0" destOrd="0" presId="urn:microsoft.com/office/officeart/2016/7/layout/RoundedRectangleTimeline"/>
-    <dgm:cxn modelId="{1B0E10C4-5A27-4353-B024-124C46649F32}" type="presOf" srcId="{DF2CB298-44E6-4EF9-8CDD-22885BA54D4F}" destId="{BCD41995-2862-454A-88CF-476FB9B46BF2}" srcOrd="0" destOrd="1" presId="urn:microsoft.com/office/officeart/2016/7/layout/RoundedRectangleTimeline"/>
-    <dgm:cxn modelId="{69919F63-FF18-4BA7-8607-152B831846A8}" srcId="{6A70FD8F-0050-42E3-8B3A-6ED7CFB9852E}" destId="{45682198-330F-41FC-A06F-9BF0D99E79C2}" srcOrd="3" destOrd="0" parTransId="{3D01D10D-F30F-43F0-A9E9-85D7DAD52045}" sibTransId="{E878F34F-13B1-47AE-A930-3732F85FEB3B}"/>
+    <dgm:cxn modelId="{D013F12E-E630-4535-A0DE-90AEC3BC3A96}" type="presOf" srcId="{6CBBFD8E-DA39-45A2-B781-5A67FD4BFBD2}" destId="{47FAA635-3B83-4DA4-8417-0BF9B62BC2FE}" srcOrd="0" destOrd="0" presId="urn:microsoft.com/office/officeart/2016/7/layout/RoundedRectangleTimeline"/>
+    <dgm:cxn modelId="{CA7E9D90-F5A0-490F-B39A-2732FCF4F6BE}" srcId="{6A70FD8F-0050-42E3-8B3A-6ED7CFB9852E}" destId="{5507412E-7123-4EB0-9F31-E986F5FC6112}" srcOrd="6" destOrd="0" parTransId="{614667EE-193B-467F-BBD2-841C9F3343BA}" sibTransId="{CF092B46-E2DB-4563-8898-4F9E86FC598A}"/>
+    <dgm:cxn modelId="{92DC1018-32A2-4BAC-96F5-3FB4B445E5FD}" type="presOf" srcId="{90917E2B-2F4C-481F-B832-A0DDA698AF96}" destId="{BCD41995-2862-454A-88CF-476FB9B46BF2}" srcOrd="0" destOrd="0" presId="urn:microsoft.com/office/officeart/2016/7/layout/RoundedRectangleTimeline"/>
+    <dgm:cxn modelId="{B397B96F-E026-4AA6-9A7B-694289A340AB}" type="presOf" srcId="{D7F5FC73-67AA-497A-A08E-E8C6FEBD295F}" destId="{F551A87D-C435-4523-A8D6-4671EE20581E}" srcOrd="0" destOrd="0" presId="urn:microsoft.com/office/officeart/2016/7/layout/RoundedRectangleTimeline"/>
+    <dgm:cxn modelId="{72DAEAF2-7C26-4C68-AE7F-21DE701A2592}" type="presOf" srcId="{BAEFF35D-EA23-404E-B7C9-E15B50E720BF}" destId="{1DFEAB47-D62D-4B48-A2D1-67AD8EBCD4CB}" srcOrd="0" destOrd="0" presId="urn:microsoft.com/office/officeart/2016/7/layout/RoundedRectangleTimeline"/>
+    <dgm:cxn modelId="{574AF3CB-A63A-437E-BF46-676C0F19B98A}" srcId="{6A70FD8F-0050-42E3-8B3A-6ED7CFB9852E}" destId="{78FE962D-8415-4305-8960-3A6C19CAF6D9}" srcOrd="7" destOrd="0" parTransId="{0484F0BA-9EF9-4FEA-ADD9-B389A00EC8BB}" sibTransId="{C374466F-0A5F-4122-B0F8-6AFB2B8EE5B9}"/>
+    <dgm:cxn modelId="{75D698E7-50D5-4BAC-9B42-105C45EBF1A6}" srcId="{45682198-330F-41FC-A06F-9BF0D99E79C2}" destId="{EAA5544E-3237-4566-8228-2756E0DB815B}" srcOrd="0" destOrd="0" parTransId="{05C1A4B5-30F1-421D-A3F8-DFD3124612F1}" sibTransId="{3B24DB86-2397-432F-998D-0DCC689D4281}"/>
+    <dgm:cxn modelId="{58A0E8FE-1886-4815-89E1-9E0E5923B9A4}" type="presOf" srcId="{3CE3E7D3-88C4-4A6E-A285-53FD2AA0627E}" destId="{D7E43FAB-614C-4C0B-885D-A7F42AC573DA}" srcOrd="0" destOrd="0" presId="urn:microsoft.com/office/officeart/2016/7/layout/RoundedRectangleTimeline"/>
+    <dgm:cxn modelId="{0C19C879-BAC7-48D8-AFFE-8A0D46A4746F}" type="presOf" srcId="{F2AF242D-4A74-4833-98E6-7482427DCB7D}" destId="{217A830C-1CED-49A6-B683-E6265DCCD062}" srcOrd="0" destOrd="0" presId="urn:microsoft.com/office/officeart/2016/7/layout/RoundedRectangleTimeline"/>
+    <dgm:cxn modelId="{6B26E86C-945F-4BA3-95AC-174FF2C3B99F}" type="presOf" srcId="{D71D6A6B-D304-4F98-8699-F8F396E2009D}" destId="{34895401-9CB0-40AE-BC57-6326BDEFD058}" srcOrd="0" destOrd="0" presId="urn:microsoft.com/office/officeart/2016/7/layout/RoundedRectangleTimeline"/>
+    <dgm:cxn modelId="{84C67813-55CE-4EBC-9032-03BD847DC17E}" type="presOf" srcId="{6A70FD8F-0050-42E3-8B3A-6ED7CFB9852E}" destId="{AB52B3CC-6563-466D-BFC3-9B6B5AFA0881}" srcOrd="0" destOrd="0" presId="urn:microsoft.com/office/officeart/2016/7/layout/RoundedRectangleTimeline"/>
     <dgm:cxn modelId="{E13585A2-54F2-486A-B317-F4D6AF7E83B9}" type="presOf" srcId="{E80CA270-6C90-4E17-ACEA-46B56AD54DD1}" destId="{DF65791B-462E-4589-B98D-F60587330CA8}" srcOrd="0" destOrd="0" presId="urn:microsoft.com/office/officeart/2016/7/layout/RoundedRectangleTimeline"/>
+    <dgm:cxn modelId="{5C25BB02-FA66-40A4-9DA6-9E1CAE3A8D4E}" type="presOf" srcId="{C5146535-FD3D-4589-98A3-623B8DA4B8DB}" destId="{30804A27-188E-4A17-8FFE-97BCCA0597B8}" srcOrd="0" destOrd="0" presId="urn:microsoft.com/office/officeart/2016/7/layout/RoundedRectangleTimeline"/>
     <dgm:cxn modelId="{388F7E7D-7A93-4659-A605-D47E562E0469}" type="presOf" srcId="{78FE962D-8415-4305-8960-3A6C19CAF6D9}" destId="{74A1FE70-5BEC-4F8D-BDCC-D4FED2D7F9E2}" srcOrd="0" destOrd="0" presId="urn:microsoft.com/office/officeart/2016/7/layout/RoundedRectangleTimeline"/>
-    <dgm:cxn modelId="{E04E5683-3354-4F4B-85BA-440839754F66}" srcId="{78FE962D-8415-4305-8960-3A6C19CAF6D9}" destId="{DF2CB298-44E6-4EF9-8CDD-22885BA54D4F}" srcOrd="1" destOrd="0" parTransId="{28E093F4-A5DF-41FB-991F-9327D7D3DEDD}" sibTransId="{E931C921-8939-417D-B082-E328A88B4876}"/>
-    <dgm:cxn modelId="{B54F94EA-F7EF-4E57-B085-6256F2DE732D}" type="presOf" srcId="{0C8B115B-41AF-4ADE-98C5-9C1315F0272C}" destId="{26190A61-FEEB-4C26-B52A-13BB015B30BC}" srcOrd="0" destOrd="0" presId="urn:microsoft.com/office/officeart/2016/7/layout/RoundedRectangleTimeline"/>
-    <dgm:cxn modelId="{635CE185-78FD-4E9F-BB54-5F360382A6D4}" type="presOf" srcId="{A21A4C63-4BA5-4E17-BA6A-9640F9A13E71}" destId="{5B90CA54-4FA4-4453-A4B0-7BF45CB6645E}" srcOrd="0" destOrd="0" presId="urn:microsoft.com/office/officeart/2016/7/layout/RoundedRectangleTimeline"/>
-    <dgm:cxn modelId="{0B4C5ACC-52EA-4B5B-8B10-D0CD353FA567}" type="presOf" srcId="{24E5D3B2-7A98-493C-8692-D96D6A147AC8}" destId="{9A4150DA-F945-4826-AC80-B8373C977BDB}" srcOrd="0" destOrd="0" presId="urn:microsoft.com/office/officeart/2016/7/layout/RoundedRectangleTimeline"/>
-    <dgm:cxn modelId="{CA4F0284-E0EC-4E5F-AE75-DDCC22FEDA0B}" type="presOf" srcId="{5507412E-7123-4EB0-9F31-E986F5FC6112}" destId="{EEDCFD76-8D94-409B-B0CC-1547E230C739}" srcOrd="0" destOrd="0" presId="urn:microsoft.com/office/officeart/2016/7/layout/RoundedRectangleTimeline"/>
-    <dgm:cxn modelId="{92DC1018-32A2-4BAC-96F5-3FB4B445E5FD}" type="presOf" srcId="{90917E2B-2F4C-481F-B832-A0DDA698AF96}" destId="{BCD41995-2862-454A-88CF-476FB9B46BF2}" srcOrd="0" destOrd="0" presId="urn:microsoft.com/office/officeart/2016/7/layout/RoundedRectangleTimeline"/>
-    <dgm:cxn modelId="{574AF3CB-A63A-437E-BF46-676C0F19B98A}" srcId="{6A70FD8F-0050-42E3-8B3A-6ED7CFB9852E}" destId="{78FE962D-8415-4305-8960-3A6C19CAF6D9}" srcOrd="7" destOrd="0" parTransId="{0484F0BA-9EF9-4FEA-ADD9-B389A00EC8BB}" sibTransId="{C374466F-0A5F-4122-B0F8-6AFB2B8EE5B9}"/>
-    <dgm:cxn modelId="{22ECA226-C4EA-44F1-BCB5-77F78841DA6F}" type="presOf" srcId="{09C152DA-7620-4852-8162-A77EC3609F3F}" destId="{566B79CB-1A41-4F5C-BF91-58D94BF93913}" srcOrd="0" destOrd="0" presId="urn:microsoft.com/office/officeart/2016/7/layout/RoundedRectangleTimeline"/>
-    <dgm:cxn modelId="{50C9B4B9-A929-4CD6-99B2-3433B0A6C2BB}" type="presOf" srcId="{092381D8-2E51-453D-9C49-305AA393C15A}" destId="{26190A61-FEEB-4C26-B52A-13BB015B30BC}" srcOrd="0" destOrd="1" presId="urn:microsoft.com/office/officeart/2016/7/layout/RoundedRectangleTimeline"/>
-    <dgm:cxn modelId="{B397B96F-E026-4AA6-9A7B-694289A340AB}" type="presOf" srcId="{D7F5FC73-67AA-497A-A08E-E8C6FEBD295F}" destId="{F551A87D-C435-4523-A8D6-4671EE20581E}" srcOrd="0" destOrd="0" presId="urn:microsoft.com/office/officeart/2016/7/layout/RoundedRectangleTimeline"/>
-    <dgm:cxn modelId="{380FF584-D968-47E3-B536-2BD07B709A79}" srcId="{6A70FD8F-0050-42E3-8B3A-6ED7CFB9852E}" destId="{D71D6A6B-D304-4F98-8699-F8F396E2009D}" srcOrd="10" destOrd="0" parTransId="{138D9054-57C9-4764-9620-D8824BC38914}" sibTransId="{89BDA11A-777D-496D-AB35-2CE2E94B35BF}"/>
-    <dgm:cxn modelId="{23ECAC8B-17A4-4883-AA0E-06D66B7E788A}" srcId="{6A70FD8F-0050-42E3-8B3A-6ED7CFB9852E}" destId="{09C152DA-7620-4852-8162-A77EC3609F3F}" srcOrd="2" destOrd="0" parTransId="{9F6D14C0-6C82-4CBD-8D6D-B0E117B6F2ED}" sibTransId="{0AE8D36D-0F0F-4206-AE39-0A2D73987B68}"/>
-    <dgm:cxn modelId="{8EBF857E-7408-4941-91E4-293B0F59EEF7}" srcId="{6A70FD8F-0050-42E3-8B3A-6ED7CFB9852E}" destId="{C5146535-FD3D-4589-98A3-623B8DA4B8DB}" srcOrd="1" destOrd="0" parTransId="{20848F78-EC70-4162-96CE-CC68006930F0}" sibTransId="{7A3CCAF8-AC3A-401E-AEDD-44BBC1AA9C31}"/>
-    <dgm:cxn modelId="{6B26E86C-945F-4BA3-95AC-174FF2C3B99F}" type="presOf" srcId="{D71D6A6B-D304-4F98-8699-F8F396E2009D}" destId="{34895401-9CB0-40AE-BC57-6326BDEFD058}" srcOrd="0" destOrd="0" presId="urn:microsoft.com/office/officeart/2016/7/layout/RoundedRectangleTimeline"/>
-    <dgm:cxn modelId="{D013F12E-E630-4535-A0DE-90AEC3BC3A96}" type="presOf" srcId="{6CBBFD8E-DA39-45A2-B781-5A67FD4BFBD2}" destId="{47FAA635-3B83-4DA4-8417-0BF9B62BC2FE}" srcOrd="0" destOrd="0" presId="urn:microsoft.com/office/officeart/2016/7/layout/RoundedRectangleTimeline"/>
-    <dgm:cxn modelId="{E2BBA750-A5E4-4F50-BE16-016934379F81}" type="presOf" srcId="{6C8937BE-93F8-4DED-8538-1C601DAEBA66}" destId="{B4723E2A-4FF1-452A-BD25-8EC364F15A6F}" srcOrd="0" destOrd="0" presId="urn:microsoft.com/office/officeart/2016/7/layout/RoundedRectangleTimeline"/>
-    <dgm:cxn modelId="{693F076F-972C-4444-871D-241C80E5E49A}" type="presOf" srcId="{45682198-330F-41FC-A06F-9BF0D99E79C2}" destId="{46309328-23F9-40CF-A2F8-5A252BCB4FB0}" srcOrd="0" destOrd="0" presId="urn:microsoft.com/office/officeart/2016/7/layout/RoundedRectangleTimeline"/>
-    <dgm:cxn modelId="{5C25BB02-FA66-40A4-9DA6-9E1CAE3A8D4E}" type="presOf" srcId="{C5146535-FD3D-4589-98A3-623B8DA4B8DB}" destId="{30804A27-188E-4A17-8FFE-97BCCA0597B8}" srcOrd="0" destOrd="0" presId="urn:microsoft.com/office/officeart/2016/7/layout/RoundedRectangleTimeline"/>
-    <dgm:cxn modelId="{6D1AA6AC-7206-4999-AD96-5E297F6C1C0B}" type="presOf" srcId="{EAA5544E-3237-4566-8228-2756E0DB815B}" destId="{52A870BF-0585-48A0-8F62-127374A86E30}" srcOrd="0" destOrd="0" presId="urn:microsoft.com/office/officeart/2016/7/layout/RoundedRectangleTimeline"/>
-    <dgm:cxn modelId="{58A0E8FE-1886-4815-89E1-9E0E5923B9A4}" type="presOf" srcId="{3CE3E7D3-88C4-4A6E-A285-53FD2AA0627E}" destId="{D7E43FAB-614C-4C0B-885D-A7F42AC573DA}" srcOrd="0" destOrd="0" presId="urn:microsoft.com/office/officeart/2016/7/layout/RoundedRectangleTimeline"/>
-    <dgm:cxn modelId="{437C3459-3F06-46C6-B006-6295C6CAB472}" srcId="{5507412E-7123-4EB0-9F31-E986F5FC6112}" destId="{1C45B0A8-3E99-45C4-B633-F4E857B45928}" srcOrd="1" destOrd="0" parTransId="{9E47F298-B0E8-4637-BC15-A3038A173257}" sibTransId="{76A23BD8-3E64-4BFF-924C-894D46B38DAA}"/>
-    <dgm:cxn modelId="{4BDF6F14-B011-4BB6-8EF6-BFB134CBF43C}" srcId="{24E5D3B2-7A98-493C-8692-D96D6A147AC8}" destId="{092381D8-2E51-453D-9C49-305AA393C15A}" srcOrd="1" destOrd="0" parTransId="{5D354F82-42EF-40F5-9117-FA864855FCFB}" sibTransId="{0CE6E080-11A1-4206-8058-91AC7112B492}"/>
+    <dgm:cxn modelId="{1393BEB6-10DB-450F-AFC7-B9326CEDB202}" type="presOf" srcId="{1C45B0A8-3E99-45C4-B633-F4E857B45928}" destId="{47FAA635-3B83-4DA4-8417-0BF9B62BC2FE}" srcOrd="0" destOrd="1" presId="urn:microsoft.com/office/officeart/2016/7/layout/RoundedRectangleTimeline"/>
     <dgm:cxn modelId="{E2FD8FE7-AA3D-40DF-92A0-23E177AB55E0}" srcId="{5507412E-7123-4EB0-9F31-E986F5FC6112}" destId="{6CBBFD8E-DA39-45A2-B781-5A67FD4BFBD2}" srcOrd="0" destOrd="0" parTransId="{DBDA5477-D7EB-4925-975D-8A4AEA94B4DD}" sibTransId="{D6334ED1-1414-48BD-8A55-A9A3350D013D}"/>
-    <dgm:cxn modelId="{FD773EAB-9351-427F-8E9E-ED1B1542BCF1}" type="presOf" srcId="{0361E2E6-C954-4204-9FCB-9BA09718D5C4}" destId="{72E37E8A-FA58-4DC9-97B8-6C1F93AC067A}" srcOrd="0" destOrd="0" presId="urn:microsoft.com/office/officeart/2016/7/layout/RoundedRectangleTimeline"/>
-    <dgm:cxn modelId="{43E8157C-845F-495A-BD90-259647F3B688}" srcId="{3CE3E7D3-88C4-4A6E-A285-53FD2AA0627E}" destId="{D7F5FC73-67AA-497A-A08E-E8C6FEBD295F}" srcOrd="0" destOrd="0" parTransId="{071BC1F7-F8DD-4335-A868-47846479D31E}" sibTransId="{F437D0C8-F93C-4C44-8B6B-2E695238B8E0}"/>
-    <dgm:cxn modelId="{1393BEB6-10DB-450F-AFC7-B9326CEDB202}" type="presOf" srcId="{1C45B0A8-3E99-45C4-B633-F4E857B45928}" destId="{47FAA635-3B83-4DA4-8417-0BF9B62BC2FE}" srcOrd="0" destOrd="1" presId="urn:microsoft.com/office/officeart/2016/7/layout/RoundedRectangleTimeline"/>
     <dgm:cxn modelId="{BAC284FB-3EAF-4C69-BD03-97C83E31F8C3}" srcId="{6A70FD8F-0050-42E3-8B3A-6ED7CFB9852E}" destId="{0361E2E6-C954-4204-9FCB-9BA09718D5C4}" srcOrd="4" destOrd="0" parTransId="{41D65E4C-43FD-4CC6-B331-230B604804F6}" sibTransId="{D7509AA4-5BF7-484C-B37F-70140B9E273F}"/>
-    <dgm:cxn modelId="{457E12EA-313C-44F7-AB74-660AB3A90217}" srcId="{6A70FD8F-0050-42E3-8B3A-6ED7CFB9852E}" destId="{3CE3E7D3-88C4-4A6E-A285-53FD2AA0627E}" srcOrd="8" destOrd="0" parTransId="{CDA67266-D879-4303-A788-1669BC4F9982}" sibTransId="{BC2D1C24-15E2-4169-AE20-030FA6623343}"/>
-    <dgm:cxn modelId="{CA7E9D90-F5A0-490F-B39A-2732FCF4F6BE}" srcId="{6A70FD8F-0050-42E3-8B3A-6ED7CFB9852E}" destId="{5507412E-7123-4EB0-9F31-E986F5FC6112}" srcOrd="6" destOrd="0" parTransId="{614667EE-193B-467F-BBD2-841C9F3343BA}" sibTransId="{CF092B46-E2DB-4563-8898-4F9E86FC598A}"/>
-    <dgm:cxn modelId="{72DAEAF2-7C26-4C68-AE7F-21DE701A2592}" type="presOf" srcId="{BAEFF35D-EA23-404E-B7C9-E15B50E720BF}" destId="{1DFEAB47-D62D-4B48-A2D1-67AD8EBCD4CB}" srcOrd="0" destOrd="0" presId="urn:microsoft.com/office/officeart/2016/7/layout/RoundedRectangleTimeline"/>
-    <dgm:cxn modelId="{84C67813-55CE-4EBC-9032-03BD847DC17E}" type="presOf" srcId="{6A70FD8F-0050-42E3-8B3A-6ED7CFB9852E}" destId="{AB52B3CC-6563-466D-BFC3-9B6B5AFA0881}" srcOrd="0" destOrd="0" presId="urn:microsoft.com/office/officeart/2016/7/layout/RoundedRectangleTimeline"/>
-    <dgm:cxn modelId="{75D698E7-50D5-4BAC-9B42-105C45EBF1A6}" srcId="{45682198-330F-41FC-A06F-9BF0D99E79C2}" destId="{EAA5544E-3237-4566-8228-2756E0DB815B}" srcOrd="0" destOrd="0" parTransId="{05C1A4B5-30F1-421D-A3F8-DFD3124612F1}" sibTransId="{3B24DB86-2397-432F-998D-0DCC689D4281}"/>
-    <dgm:cxn modelId="{8C5B110A-FBC3-4CBF-BED2-413E87D4DAD5}" srcId="{8DB5D7D5-6A1C-4ABC-8850-759A9D876047}" destId="{96262926-A67D-4E4E-9515-5EBC67F0B634}" srcOrd="0" destOrd="0" parTransId="{EC74E552-C501-4B0E-9400-E8B410F53D50}" sibTransId="{1DA7ACEB-F642-43C1-BCB5-F580B9B985B9}"/>
-    <dgm:cxn modelId="{6AF26B75-1DE9-474C-88B7-6C536874A479}" srcId="{78FE962D-8415-4305-8960-3A6C19CAF6D9}" destId="{90917E2B-2F4C-481F-B832-A0DDA698AF96}" srcOrd="0" destOrd="0" parTransId="{AAA5DE2D-4B01-463D-8FCF-761E9EA56519}" sibTransId="{33C5BAFD-E23C-4D48-9C34-303A7AC485D5}"/>
-    <dgm:cxn modelId="{2DC28DF8-5C1B-4F53-A4C1-D5B63FB54BAF}" srcId="{C5146535-FD3D-4589-98A3-623B8DA4B8DB}" destId="{E80CA270-6C90-4E17-ACEA-46B56AD54DD1}" srcOrd="0" destOrd="0" parTransId="{7EEC8067-96EF-4BE0-8BE3-BA59ED78A31F}" sibTransId="{1AFE46E5-6B07-4894-8ECB-21BD7E7B8AF1}"/>
-    <dgm:cxn modelId="{C5A1DBDE-1D37-43C4-895A-F32B5A063304}" srcId="{6A70FD8F-0050-42E3-8B3A-6ED7CFB9852E}" destId="{24E5D3B2-7A98-493C-8692-D96D6A147AC8}" srcOrd="9" destOrd="0" parTransId="{7C1DBBEE-7BC8-4B37-A7CF-8F512118101F}" sibTransId="{A262BA8E-0B3C-4723-9C1E-9199F71798EF}"/>
-    <dgm:cxn modelId="{0E9D2D04-4FD5-4EF8-8B7C-6B4A0B3E6092}" srcId="{24E5D3B2-7A98-493C-8692-D96D6A147AC8}" destId="{0C8B115B-41AF-4ADE-98C5-9C1315F0272C}" srcOrd="0" destOrd="0" parTransId="{2F524207-CFCE-41E1-9C4C-A4250CF41B35}" sibTransId="{E6DA23FE-155D-43C3-AB01-60E9820EC291}"/>
-    <dgm:cxn modelId="{C5202EE1-10E9-4076-9D55-9E0CF8B152AF}" srcId="{6A70FD8F-0050-42E3-8B3A-6ED7CFB9852E}" destId="{8DB5D7D5-6A1C-4ABC-8850-759A9D876047}" srcOrd="0" destOrd="0" parTransId="{D8874F40-D7B0-41DE-BB6F-A6014FEAB2D7}" sibTransId="{BD6E0A2E-99C8-4F5A-971A-CD211D1099FF}"/>
-    <dgm:cxn modelId="{F9540599-A193-456C-A9A9-8962E3855B0B}" type="presOf" srcId="{96262926-A67D-4E4E-9515-5EBC67F0B634}" destId="{5A1B764B-0DC5-47CD-BDEA-9E67799496EC}" srcOrd="0" destOrd="0" presId="urn:microsoft.com/office/officeart/2016/7/layout/RoundedRectangleTimeline"/>
-    <dgm:cxn modelId="{0C19C879-BAC7-48D8-AFFE-8A0D46A4746F}" type="presOf" srcId="{F2AF242D-4A74-4833-98E6-7482427DCB7D}" destId="{217A830C-1CED-49A6-B683-E6265DCCD062}" srcOrd="0" destOrd="0" presId="urn:microsoft.com/office/officeart/2016/7/layout/RoundedRectangleTimeline"/>
-    <dgm:cxn modelId="{40B2CC68-35D4-4E9B-B4A4-92B2BDDC5BCD}" type="presOf" srcId="{C3C3997C-3832-4B2D-ABB0-001B5A038C5C}" destId="{F3B9F493-F698-43D9-A9FF-F77AFC86E69E}" srcOrd="0" destOrd="0" presId="urn:microsoft.com/office/officeart/2016/7/layout/RoundedRectangleTimeline"/>
-    <dgm:cxn modelId="{4E3446A8-5F7A-4B5A-8CFE-89332B85494A}" srcId="{0361E2E6-C954-4204-9FCB-9BA09718D5C4}" destId="{A21A4C63-4BA5-4E17-BA6A-9640F9A13E71}" srcOrd="0" destOrd="0" parTransId="{DFAE5A89-1ECC-4314-A2D7-49A81E92D8ED}" sibTransId="{EA1A14A2-BA32-4E6E-91CF-5545A643195C}"/>
     <dgm:cxn modelId="{76459B4A-BC95-4631-A3CC-1410E80D5DFD}" type="presParOf" srcId="{AB52B3CC-6563-466D-BFC3-9B6B5AFA0881}" destId="{815EDF7B-AC93-4A61-87AA-CAA5D85C31A8}" srcOrd="0" destOrd="0" presId="urn:microsoft.com/office/officeart/2016/7/layout/RoundedRectangleTimeline"/>
     <dgm:cxn modelId="{4238FA88-CE43-4680-BFB0-73DED5612698}" type="presParOf" srcId="{815EDF7B-AC93-4A61-87AA-CAA5D85C31A8}" destId="{954381E7-0584-46DD-8108-E9BF4F2B5005}" srcOrd="0" destOrd="0" presId="urn:microsoft.com/office/officeart/2016/7/layout/RoundedRectangleTimeline"/>
     <dgm:cxn modelId="{6497CE05-0893-4952-B18A-28D71D90B841}" type="presParOf" srcId="{815EDF7B-AC93-4A61-87AA-CAA5D85C31A8}" destId="{5A1B764B-0DC5-47CD-BDEA-9E67799496EC}" srcOrd="1" destOrd="0" presId="urn:microsoft.com/office/officeart/2016/7/layout/RoundedRectangleTimeline"/>
@@ -5474,7 +5475,7 @@
                 <dgm:adjLst/>
                 <dgm:extLst>
                   <a:ext uri="{B698B0E9-8C71-41B9-8309-B3DCBF30829C}">
-                    <dgm1612:spPr xmlns:dgm1612="http://schemas.microsoft.com/office/drawing/2016/12/diagram" xmlns="">
+                    <dgm1612:spPr xmlns="" xmlns:dgm1612="http://schemas.microsoft.com/office/drawing/2016/12/diagram">
                       <a:ln>
                         <a:prstDash val="dash"/>
                       </a:ln>
@@ -5685,7 +5686,7 @@
                 <dgm:adjLst/>
                 <dgm:extLst>
                   <a:ext uri="{B698B0E9-8C71-41B9-8309-B3DCBF30829C}">
-                    <dgm1612:spPr xmlns:dgm1612="http://schemas.microsoft.com/office/drawing/2016/12/diagram" xmlns="">
+                    <dgm1612:spPr xmlns="" xmlns:dgm1612="http://schemas.microsoft.com/office/drawing/2016/12/diagram">
                       <a:ln>
                         <a:prstDash val="dash"/>
                       </a:ln>
@@ -10950,7 +10951,7 @@
                 <a16:creationId xmlns:a16="http://schemas.microsoft.com/office/drawing/2014/main" id="{D6D7A0BC-0046-4CAA-8E7F-DCAFE511EA0E}"/>
               </a:ext>
               <a:ext uri="{C183D7F6-B498-43B3-948B-1728B52AA6E4}">
-                <adec:decorative xmlns:adec="http://schemas.microsoft.com/office/drawing/2017/decorative" xmlns="" val="1"/>
+                <adec:decorative xmlns="" xmlns:adec="http://schemas.microsoft.com/office/drawing/2017/decorative" val="1"/>
               </a:ext>
             </a:extLst>
           </p:cNvPr>
@@ -11090,7 +11091,7 @@
                 <a16:creationId xmlns:a16="http://schemas.microsoft.com/office/drawing/2014/main" id="{E7C6334F-6411-41EC-AD7D-179EDD8B58CB}"/>
               </a:ext>
               <a:ext uri="{C183D7F6-B498-43B3-948B-1728B52AA6E4}">
-                <adec:decorative xmlns:adec="http://schemas.microsoft.com/office/drawing/2017/decorative" xmlns="" val="1"/>
+                <adec:decorative xmlns="" xmlns:adec="http://schemas.microsoft.com/office/drawing/2017/decorative" val="1"/>
               </a:ext>
             </a:extLst>
           </p:cNvPr>
@@ -11144,7 +11145,7 @@
                 <a16:creationId xmlns:a16="http://schemas.microsoft.com/office/drawing/2014/main" id="{E6B02CEE-3AF8-4349-9B3E-8970E6DF62B3}"/>
               </a:ext>
               <a:ext uri="{C183D7F6-B498-43B3-948B-1728B52AA6E4}">
-                <adec:decorative xmlns:adec="http://schemas.microsoft.com/office/drawing/2017/decorative" xmlns="" val="1"/>
+                <adec:decorative xmlns="" xmlns:adec="http://schemas.microsoft.com/office/drawing/2017/decorative" val="1"/>
               </a:ext>
             </a:extLst>
           </p:cNvPr>
@@ -11198,7 +11199,7 @@
                 <a16:creationId xmlns:a16="http://schemas.microsoft.com/office/drawing/2014/main" id="{AAA01CF0-3FB5-44EB-B7DE-F2E86374C2FB}"/>
               </a:ext>
               <a:ext uri="{C183D7F6-B498-43B3-948B-1728B52AA6E4}">
-                <adec:decorative xmlns:adec="http://schemas.microsoft.com/office/drawing/2017/decorative" xmlns="" val="1"/>
+                <adec:decorative xmlns="" xmlns:adec="http://schemas.microsoft.com/office/drawing/2017/decorative" val="1"/>
               </a:ext>
             </a:extLst>
           </p:cNvPr>
@@ -11288,6 +11289,1187 @@
 </file>
 
 <file path=ppt/slides/slide10.xml><?xml version="1.0" encoding="utf-8"?>
+<p:sld xmlns:a="http://schemas.openxmlformats.org/drawingml/2006/main" xmlns:r="http://schemas.openxmlformats.org/officeDocument/2006/relationships" xmlns:p="http://schemas.openxmlformats.org/presentationml/2006/main">
+  <p:cSld>
+    <p:spTree>
+      <p:nvGrpSpPr>
+        <p:cNvPr id="1" name=""/>
+        <p:cNvGrpSpPr/>
+        <p:nvPr/>
+      </p:nvGrpSpPr>
+      <p:grpSpPr>
+        <a:xfrm>
+          <a:off x="0" y="0"/>
+          <a:ext cx="0" cy="0"/>
+          <a:chOff x="0" y="0"/>
+          <a:chExt cx="0" cy="0"/>
+        </a:xfrm>
+      </p:grpSpPr>
+      <p:sp>
+        <p:nvSpPr>
+          <p:cNvPr id="4" name="Rectangle 1"/>
+          <p:cNvSpPr>
+            <a:spLocks noChangeArrowheads="1"/>
+          </p:cNvSpPr>
+          <p:nvPr/>
+        </p:nvSpPr>
+        <p:spPr bwMode="auto">
+          <a:xfrm>
+            <a:off x="2424113" y="2333625"/>
+            <a:ext cx="12192000" cy="0"/>
+          </a:xfrm>
+          <a:prstGeom prst="rect">
+            <a:avLst/>
+          </a:prstGeom>
+          <a:noFill/>
+          <a:ln>
+            <a:noFill/>
+          </a:ln>
+          <a:effectLst/>
+          <a:extLst>
+            <a:ext uri="{909E8E84-426E-40DD-AFC4-6F175D3DCCD1}">
+              <a14:hiddenFill xmlns:a14="http://schemas.microsoft.com/office/drawing/2010/main">
+                <a:solidFill>
+                  <a:schemeClr val="accent1"/>
+                </a:solidFill>
+              </a14:hiddenFill>
+            </a:ext>
+            <a:ext uri="{91240B29-F687-4F45-9708-019B960494DF}">
+              <a14:hiddenLine xmlns:a14="http://schemas.microsoft.com/office/drawing/2010/main" w="9525">
+                <a:solidFill>
+                  <a:schemeClr val="tx1"/>
+                </a:solidFill>
+                <a:miter lim="800000"/>
+                <a:headEnd/>
+                <a:tailEnd/>
+              </a14:hiddenLine>
+            </a:ext>
+            <a:ext uri="{AF507438-7753-43E0-B8FC-AC1667EBCBE1}">
+              <a14:hiddenEffects xmlns:a14="http://schemas.microsoft.com/office/drawing/2010/main">
+                <a:effectLst>
+                  <a:outerShdw dist="35921" dir="2700000" algn="ctr" rotWithShape="0">
+                    <a:schemeClr val="bg2"/>
+                  </a:outerShdw>
+                </a:effectLst>
+              </a14:hiddenEffects>
+            </a:ext>
+          </a:extLst>
+        </p:spPr>
+        <p:txBody>
+          <a:bodyPr vert="horz" wrap="none" lIns="91440" tIns="45720" rIns="91440" bIns="45720" numCol="1" anchor="ctr" anchorCtr="0" compatLnSpc="1">
+            <a:prstTxWarp prst="textNoShape">
+              <a:avLst/>
+            </a:prstTxWarp>
+            <a:spAutoFit/>
+          </a:bodyPr>
+          <a:lstStyle/>
+          <a:p>
+            <a:pPr marL="0" marR="0" lvl="0" indent="0" algn="l" defTabSz="914400" rtl="0" eaLnBrk="0" fontAlgn="base" latinLnBrk="0" hangingPunct="0">
+              <a:lnSpc>
+                <a:spcPct val="100000"/>
+              </a:lnSpc>
+              <a:spcBef>
+                <a:spcPct val="0"/>
+              </a:spcBef>
+              <a:spcAft>
+                <a:spcPct val="0"/>
+              </a:spcAft>
+              <a:buClrTx/>
+              <a:buSzTx/>
+              <a:buFontTx/>
+              <a:buNone/>
+              <a:tabLst/>
+            </a:pPr>
+            <a:br>
+              <a:rPr kumimoji="0" lang="en-US" altLang="en-US" sz="1800" b="0" i="0" u="none" strike="noStrike" cap="none" normalizeH="0" baseline="0">
+                <a:ln>
+                  <a:noFill/>
+                </a:ln>
+                <a:solidFill>
+                  <a:schemeClr val="tx1"/>
+                </a:solidFill>
+                <a:effectLst/>
+                <a:latin typeface="Arial" panose="020B0604020202020204" pitchFamily="34" charset="0"/>
+              </a:rPr>
+            </a:br>
+            <a:endParaRPr kumimoji="0" lang="en-US" altLang="en-US" sz="1800" b="0" i="0" u="none" strike="noStrike" cap="none" normalizeH="0" baseline="0">
+              <a:ln>
+                <a:noFill/>
+              </a:ln>
+              <a:solidFill>
+                <a:schemeClr val="tx1"/>
+              </a:solidFill>
+              <a:effectLst/>
+              <a:latin typeface="Arial" panose="020B0604020202020204" pitchFamily="34" charset="0"/>
+            </a:endParaRPr>
+          </a:p>
+        </p:txBody>
+      </p:sp>
+      <p:graphicFrame>
+        <p:nvGraphicFramePr>
+          <p:cNvPr id="5" name="Table 4"/>
+          <p:cNvGraphicFramePr>
+            <a:graphicFrameLocks noGrp="1"/>
+          </p:cNvGraphicFramePr>
+          <p:nvPr>
+            <p:extLst>
+              <p:ext uri="{D42A27DB-BD31-4B8C-83A1-F6EECF244321}">
+                <p14:modId xmlns:p14="http://schemas.microsoft.com/office/powerpoint/2010/main" val="1495778877"/>
+              </p:ext>
+            </p:extLst>
+          </p:nvPr>
+        </p:nvGraphicFramePr>
+        <p:xfrm>
+          <a:off x="4327525" y="1033991"/>
+          <a:ext cx="6760887" cy="5191760"/>
+        </p:xfrm>
+        <a:graphic>
+          <a:graphicData uri="http://schemas.openxmlformats.org/drawingml/2006/table">
+            <a:tbl>
+              <a:tblPr firstRow="1" bandRow="1">
+                <a:tableStyleId>{5C22544A-7EE6-4342-B048-85BDC9FD1C3A}</a:tableStyleId>
+              </a:tblPr>
+              <a:tblGrid>
+                <a:gridCol w="1855343">
+                  <a:extLst>
+                    <a:ext uri="{9D8B030D-6E8A-4147-A177-3AD203B41FA5}">
+                      <a16:colId xmlns:a16="http://schemas.microsoft.com/office/drawing/2014/main" val="1177149252"/>
+                    </a:ext>
+                  </a:extLst>
+                </a:gridCol>
+                <a:gridCol w="2196211">
+                  <a:extLst>
+                    <a:ext uri="{9D8B030D-6E8A-4147-A177-3AD203B41FA5}">
+                      <a16:colId xmlns:a16="http://schemas.microsoft.com/office/drawing/2014/main" val="4270271240"/>
+                    </a:ext>
+                  </a:extLst>
+                </a:gridCol>
+                <a:gridCol w="2709333">
+                  <a:extLst>
+                    <a:ext uri="{9D8B030D-6E8A-4147-A177-3AD203B41FA5}">
+                      <a16:colId xmlns:a16="http://schemas.microsoft.com/office/drawing/2014/main" val="2534442745"/>
+                    </a:ext>
+                  </a:extLst>
+                </a:gridCol>
+              </a:tblGrid>
+              <a:tr h="370840">
+                <a:tc>
+                  <a:txBody>
+                    <a:bodyPr/>
+                    <a:lstStyle/>
+                    <a:p>
+                      <a:r>
+                        <a:rPr lang="en-AU" dirty="0"/>
+                        <a:t>Reflectivity (</a:t>
+                      </a:r>
+                      <a:r>
+                        <a:rPr lang="en-AU" dirty="0" err="1"/>
+                        <a:t>dBZ</a:t>
+                      </a:r>
+                      <a:r>
+                        <a:rPr lang="en-AU" dirty="0"/>
+                        <a:t>)</a:t>
+                      </a:r>
+                    </a:p>
+                  </a:txBody>
+                  <a:tcPr/>
+                </a:tc>
+                <a:tc>
+                  <a:txBody>
+                    <a:bodyPr/>
+                    <a:lstStyle/>
+                    <a:p>
+                      <a:r>
+                        <a:rPr lang="en-AU" dirty="0"/>
+                        <a:t>Rainfall</a:t>
+                      </a:r>
+                      <a:r>
+                        <a:rPr lang="en-AU" baseline="0" dirty="0"/>
+                        <a:t> rate (mm/h)</a:t>
+                      </a:r>
+                      <a:endParaRPr lang="en-AU" dirty="0"/>
+                    </a:p>
+                  </a:txBody>
+                  <a:tcPr/>
+                </a:tc>
+                <a:tc>
+                  <a:txBody>
+                    <a:bodyPr/>
+                    <a:lstStyle/>
+                    <a:p>
+                      <a:r>
+                        <a:rPr lang="en-AU" dirty="0"/>
+                        <a:t>Intensity</a:t>
+                      </a:r>
+                    </a:p>
+                  </a:txBody>
+                  <a:tcPr/>
+                </a:tc>
+                <a:extLst>
+                  <a:ext uri="{0D108BD9-81ED-4DB2-BD59-A6C34878D82A}">
+                    <a16:rowId xmlns:a16="http://schemas.microsoft.com/office/drawing/2014/main" val="262514292"/>
+                  </a:ext>
+                </a:extLst>
+              </a:tr>
+              <a:tr h="370840">
+                <a:tc>
+                  <a:txBody>
+                    <a:bodyPr/>
+                    <a:lstStyle/>
+                    <a:p>
+                      <a:pPr algn="r" fontAlgn="ctr"/>
+                      <a:r>
+                        <a:rPr lang="en-AU" sz="1100" b="0" i="0" u="none" strike="noStrike" dirty="0">
+                          <a:solidFill>
+                            <a:srgbClr val="222222"/>
+                          </a:solidFill>
+                          <a:effectLst/>
+                          <a:latin typeface="Arial" panose="020B0604020202020204" pitchFamily="34" charset="0"/>
+                        </a:rPr>
+                        <a:t>5</a:t>
+                      </a:r>
+                    </a:p>
+                  </a:txBody>
+                  <a:tcPr marL="9525" marR="9525" marT="9525" marB="0" anchor="ctr"/>
+                </a:tc>
+                <a:tc>
+                  <a:txBody>
+                    <a:bodyPr/>
+                    <a:lstStyle/>
+                    <a:p>
+                      <a:pPr algn="r" fontAlgn="ctr"/>
+                      <a:r>
+                        <a:rPr lang="en-AU" sz="1100" b="0" i="0" u="none" strike="noStrike">
+                          <a:solidFill>
+                            <a:srgbClr val="222222"/>
+                          </a:solidFill>
+                          <a:effectLst/>
+                          <a:latin typeface="Arial" panose="020B0604020202020204" pitchFamily="34" charset="0"/>
+                        </a:rPr>
+                        <a:t>0.07</a:t>
+                      </a:r>
+                    </a:p>
+                  </a:txBody>
+                  <a:tcPr marL="9525" marR="9525" marT="9525" marB="0" anchor="ctr"/>
+                </a:tc>
+                <a:tc>
+                  <a:txBody>
+                    <a:bodyPr/>
+                    <a:lstStyle/>
+                    <a:p>
+                      <a:pPr algn="ctr" fontAlgn="ctr"/>
+                      <a:r>
+                        <a:rPr lang="en-AU" sz="1100" b="0" i="0" u="none" strike="noStrike" dirty="0">
+                          <a:solidFill>
+                            <a:srgbClr val="222222"/>
+                          </a:solidFill>
+                          <a:effectLst/>
+                          <a:latin typeface="Arial" panose="020B0604020202020204" pitchFamily="34" charset="0"/>
+                        </a:rPr>
+                        <a:t>Hardly noticeable</a:t>
+                      </a:r>
+                    </a:p>
+                  </a:txBody>
+                  <a:tcPr marL="9525" marR="9525" marT="9525" marB="0" anchor="ctr"/>
+                </a:tc>
+                <a:extLst>
+                  <a:ext uri="{0D108BD9-81ED-4DB2-BD59-A6C34878D82A}">
+                    <a16:rowId xmlns:a16="http://schemas.microsoft.com/office/drawing/2014/main" val="4209047223"/>
+                  </a:ext>
+                </a:extLst>
+              </a:tr>
+              <a:tr h="370840">
+                <a:tc>
+                  <a:txBody>
+                    <a:bodyPr/>
+                    <a:lstStyle/>
+                    <a:p>
+                      <a:pPr algn="r" fontAlgn="ctr"/>
+                      <a:r>
+                        <a:rPr lang="en-AU" sz="1100" b="0" i="0" u="none" strike="noStrike">
+                          <a:solidFill>
+                            <a:srgbClr val="222222"/>
+                          </a:solidFill>
+                          <a:effectLst/>
+                          <a:latin typeface="Arial" panose="020B0604020202020204" pitchFamily="34" charset="0"/>
+                        </a:rPr>
+                        <a:t>10</a:t>
+                      </a:r>
+                    </a:p>
+                  </a:txBody>
+                  <a:tcPr marL="9525" marR="9525" marT="9525" marB="0" anchor="ctr"/>
+                </a:tc>
+                <a:tc>
+                  <a:txBody>
+                    <a:bodyPr/>
+                    <a:lstStyle/>
+                    <a:p>
+                      <a:pPr algn="r" fontAlgn="ctr"/>
+                      <a:r>
+                        <a:rPr lang="en-AU" sz="1100" b="0" i="0" u="none" strike="noStrike">
+                          <a:solidFill>
+                            <a:srgbClr val="222222"/>
+                          </a:solidFill>
+                          <a:effectLst/>
+                          <a:latin typeface="Arial" panose="020B0604020202020204" pitchFamily="34" charset="0"/>
+                        </a:rPr>
+                        <a:t>0.15</a:t>
+                      </a:r>
+                    </a:p>
+                  </a:txBody>
+                  <a:tcPr marL="9525" marR="9525" marT="9525" marB="0" anchor="ctr"/>
+                </a:tc>
+                <a:tc>
+                  <a:txBody>
+                    <a:bodyPr/>
+                    <a:lstStyle/>
+                    <a:p>
+                      <a:pPr algn="ctr" fontAlgn="ctr"/>
+                      <a:r>
+                        <a:rPr lang="en-AU" sz="1100" b="0" i="0" u="none" strike="noStrike" dirty="0">
+                          <a:solidFill>
+                            <a:srgbClr val="222222"/>
+                          </a:solidFill>
+                          <a:effectLst/>
+                          <a:latin typeface="Arial" panose="020B0604020202020204" pitchFamily="34" charset="0"/>
+                        </a:rPr>
+                        <a:t>Light mist</a:t>
+                      </a:r>
+                    </a:p>
+                  </a:txBody>
+                  <a:tcPr marL="9525" marR="9525" marT="9525" marB="0" anchor="ctr"/>
+                </a:tc>
+                <a:extLst>
+                  <a:ext uri="{0D108BD9-81ED-4DB2-BD59-A6C34878D82A}">
+                    <a16:rowId xmlns:a16="http://schemas.microsoft.com/office/drawing/2014/main" val="2248003720"/>
+                  </a:ext>
+                </a:extLst>
+              </a:tr>
+              <a:tr h="370840">
+                <a:tc>
+                  <a:txBody>
+                    <a:bodyPr/>
+                    <a:lstStyle/>
+                    <a:p>
+                      <a:pPr algn="r" fontAlgn="ctr"/>
+                      <a:r>
+                        <a:rPr lang="en-AU" sz="1100" b="0" i="0" u="none" strike="noStrike">
+                          <a:solidFill>
+                            <a:srgbClr val="222222"/>
+                          </a:solidFill>
+                          <a:effectLst/>
+                          <a:latin typeface="Arial" panose="020B0604020202020204" pitchFamily="34" charset="0"/>
+                        </a:rPr>
+                        <a:t>15</a:t>
+                      </a:r>
+                    </a:p>
+                  </a:txBody>
+                  <a:tcPr marL="9525" marR="9525" marT="9525" marB="0" anchor="ctr"/>
+                </a:tc>
+                <a:tc>
+                  <a:txBody>
+                    <a:bodyPr/>
+                    <a:lstStyle/>
+                    <a:p>
+                      <a:pPr algn="r" fontAlgn="ctr"/>
+                      <a:r>
+                        <a:rPr lang="en-AU" sz="1100" b="0" i="0" u="none" strike="noStrike">
+                          <a:solidFill>
+                            <a:srgbClr val="222222"/>
+                          </a:solidFill>
+                          <a:effectLst/>
+                          <a:latin typeface="Arial" panose="020B0604020202020204" pitchFamily="34" charset="0"/>
+                        </a:rPr>
+                        <a:t>0.3</a:t>
+                      </a:r>
+                    </a:p>
+                  </a:txBody>
+                  <a:tcPr marL="9525" marR="9525" marT="9525" marB="0" anchor="ctr"/>
+                </a:tc>
+                <a:tc>
+                  <a:txBody>
+                    <a:bodyPr/>
+                    <a:lstStyle/>
+                    <a:p>
+                      <a:pPr algn="ctr" fontAlgn="ctr"/>
+                      <a:r>
+                        <a:rPr lang="en-AU" sz="1100" b="0" i="0" u="none" strike="noStrike" dirty="0">
+                          <a:solidFill>
+                            <a:srgbClr val="222222"/>
+                          </a:solidFill>
+                          <a:effectLst/>
+                          <a:latin typeface="Arial" panose="020B0604020202020204" pitchFamily="34" charset="0"/>
+                        </a:rPr>
+                        <a:t>Mist</a:t>
+                      </a:r>
+                    </a:p>
+                  </a:txBody>
+                  <a:tcPr marL="9525" marR="9525" marT="9525" marB="0" anchor="ctr"/>
+                </a:tc>
+                <a:extLst>
+                  <a:ext uri="{0D108BD9-81ED-4DB2-BD59-A6C34878D82A}">
+                    <a16:rowId xmlns:a16="http://schemas.microsoft.com/office/drawing/2014/main" val="1540037140"/>
+                  </a:ext>
+                </a:extLst>
+              </a:tr>
+              <a:tr h="370840">
+                <a:tc>
+                  <a:txBody>
+                    <a:bodyPr/>
+                    <a:lstStyle/>
+                    <a:p>
+                      <a:pPr algn="r" fontAlgn="ctr"/>
+                      <a:r>
+                        <a:rPr lang="en-AU" sz="1100" b="0" i="0" u="none" strike="noStrike">
+                          <a:solidFill>
+                            <a:srgbClr val="222222"/>
+                          </a:solidFill>
+                          <a:effectLst/>
+                          <a:latin typeface="Arial" panose="020B0604020202020204" pitchFamily="34" charset="0"/>
+                        </a:rPr>
+                        <a:t>20</a:t>
+                      </a:r>
+                    </a:p>
+                  </a:txBody>
+                  <a:tcPr marL="9525" marR="9525" marT="9525" marB="0" anchor="ctr"/>
+                </a:tc>
+                <a:tc>
+                  <a:txBody>
+                    <a:bodyPr/>
+                    <a:lstStyle/>
+                    <a:p>
+                      <a:pPr algn="r" fontAlgn="ctr"/>
+                      <a:r>
+                        <a:rPr lang="en-AU" sz="1100" b="0" i="0" u="none" strike="noStrike" dirty="0">
+                          <a:solidFill>
+                            <a:srgbClr val="222222"/>
+                          </a:solidFill>
+                          <a:effectLst/>
+                          <a:latin typeface="Arial" panose="020B0604020202020204" pitchFamily="34" charset="0"/>
+                        </a:rPr>
+                        <a:t>0.6</a:t>
+                      </a:r>
+                    </a:p>
+                  </a:txBody>
+                  <a:tcPr marL="9525" marR="9525" marT="9525" marB="0" anchor="ctr"/>
+                </a:tc>
+                <a:tc>
+                  <a:txBody>
+                    <a:bodyPr/>
+                    <a:lstStyle/>
+                    <a:p>
+                      <a:pPr algn="ctr" fontAlgn="ctr"/>
+                      <a:r>
+                        <a:rPr lang="en-AU" sz="1100" b="0" i="0" u="none" strike="noStrike" dirty="0">
+                          <a:solidFill>
+                            <a:srgbClr val="222222"/>
+                          </a:solidFill>
+                          <a:effectLst/>
+                          <a:latin typeface="Arial" panose="020B0604020202020204" pitchFamily="34" charset="0"/>
+                        </a:rPr>
+                        <a:t>Very light</a:t>
+                      </a:r>
+                    </a:p>
+                  </a:txBody>
+                  <a:tcPr marL="9525" marR="9525" marT="9525" marB="0" anchor="ctr"/>
+                </a:tc>
+                <a:extLst>
+                  <a:ext uri="{0D108BD9-81ED-4DB2-BD59-A6C34878D82A}">
+                    <a16:rowId xmlns:a16="http://schemas.microsoft.com/office/drawing/2014/main" val="3843761656"/>
+                  </a:ext>
+                </a:extLst>
+              </a:tr>
+              <a:tr h="370840">
+                <a:tc>
+                  <a:txBody>
+                    <a:bodyPr/>
+                    <a:lstStyle/>
+                    <a:p>
+                      <a:pPr algn="r" fontAlgn="ctr"/>
+                      <a:r>
+                        <a:rPr lang="en-AU" sz="1100" b="0" i="0" u="none" strike="noStrike">
+                          <a:solidFill>
+                            <a:srgbClr val="222222"/>
+                          </a:solidFill>
+                          <a:effectLst/>
+                          <a:latin typeface="Arial" panose="020B0604020202020204" pitchFamily="34" charset="0"/>
+                        </a:rPr>
+                        <a:t>25</a:t>
+                      </a:r>
+                    </a:p>
+                  </a:txBody>
+                  <a:tcPr marL="9525" marR="9525" marT="9525" marB="0" anchor="ctr"/>
+                </a:tc>
+                <a:tc>
+                  <a:txBody>
+                    <a:bodyPr/>
+                    <a:lstStyle/>
+                    <a:p>
+                      <a:pPr algn="r" fontAlgn="ctr"/>
+                      <a:r>
+                        <a:rPr lang="en-AU" sz="1100" b="0" i="0" u="none" strike="noStrike">
+                          <a:solidFill>
+                            <a:srgbClr val="222222"/>
+                          </a:solidFill>
+                          <a:effectLst/>
+                          <a:latin typeface="Arial" panose="020B0604020202020204" pitchFamily="34" charset="0"/>
+                        </a:rPr>
+                        <a:t>1.3</a:t>
+                      </a:r>
+                    </a:p>
+                  </a:txBody>
+                  <a:tcPr marL="9525" marR="9525" marT="9525" marB="0" anchor="ctr"/>
+                </a:tc>
+                <a:tc>
+                  <a:txBody>
+                    <a:bodyPr/>
+                    <a:lstStyle/>
+                    <a:p>
+                      <a:pPr algn="ctr" fontAlgn="ctr"/>
+                      <a:r>
+                        <a:rPr lang="en-AU" sz="1100" b="0" i="0" u="none" strike="noStrike">
+                          <a:solidFill>
+                            <a:srgbClr val="222222"/>
+                          </a:solidFill>
+                          <a:effectLst/>
+                          <a:latin typeface="Arial" panose="020B0604020202020204" pitchFamily="34" charset="0"/>
+                        </a:rPr>
+                        <a:t>Light</a:t>
+                      </a:r>
+                    </a:p>
+                  </a:txBody>
+                  <a:tcPr marL="9525" marR="9525" marT="9525" marB="0" anchor="ctr"/>
+                </a:tc>
+                <a:extLst>
+                  <a:ext uri="{0D108BD9-81ED-4DB2-BD59-A6C34878D82A}">
+                    <a16:rowId xmlns:a16="http://schemas.microsoft.com/office/drawing/2014/main" val="1714680217"/>
+                  </a:ext>
+                </a:extLst>
+              </a:tr>
+              <a:tr h="370840">
+                <a:tc>
+                  <a:txBody>
+                    <a:bodyPr/>
+                    <a:lstStyle/>
+                    <a:p>
+                      <a:pPr algn="r" fontAlgn="ctr"/>
+                      <a:r>
+                        <a:rPr lang="en-AU" sz="1100" b="0" i="0" u="none" strike="noStrike">
+                          <a:solidFill>
+                            <a:srgbClr val="222222"/>
+                          </a:solidFill>
+                          <a:effectLst/>
+                          <a:latin typeface="Arial" panose="020B0604020202020204" pitchFamily="34" charset="0"/>
+                        </a:rPr>
+                        <a:t>30</a:t>
+                      </a:r>
+                    </a:p>
+                  </a:txBody>
+                  <a:tcPr marL="9525" marR="9525" marT="9525" marB="0" anchor="ctr"/>
+                </a:tc>
+                <a:tc>
+                  <a:txBody>
+                    <a:bodyPr/>
+                    <a:lstStyle/>
+                    <a:p>
+                      <a:pPr algn="r" fontAlgn="ctr"/>
+                      <a:r>
+                        <a:rPr lang="en-AU" sz="1100" b="0" i="0" u="none" strike="noStrike">
+                          <a:solidFill>
+                            <a:srgbClr val="222222"/>
+                          </a:solidFill>
+                          <a:effectLst/>
+                          <a:latin typeface="Arial" panose="020B0604020202020204" pitchFamily="34" charset="0"/>
+                        </a:rPr>
+                        <a:t>2.7</a:t>
+                      </a:r>
+                    </a:p>
+                  </a:txBody>
+                  <a:tcPr marL="9525" marR="9525" marT="9525" marB="0" anchor="ctr"/>
+                </a:tc>
+                <a:tc>
+                  <a:txBody>
+                    <a:bodyPr/>
+                    <a:lstStyle/>
+                    <a:p>
+                      <a:pPr algn="ctr" fontAlgn="ctr"/>
+                      <a:r>
+                        <a:rPr lang="en-AU" sz="1100" b="0" i="0" u="none" strike="noStrike">
+                          <a:solidFill>
+                            <a:srgbClr val="222222"/>
+                          </a:solidFill>
+                          <a:effectLst/>
+                          <a:latin typeface="Arial" panose="020B0604020202020204" pitchFamily="34" charset="0"/>
+                        </a:rPr>
+                        <a:t>Light to moderate</a:t>
+                      </a:r>
+                    </a:p>
+                  </a:txBody>
+                  <a:tcPr marL="9525" marR="9525" marT="9525" marB="0" anchor="ctr"/>
+                </a:tc>
+                <a:extLst>
+                  <a:ext uri="{0D108BD9-81ED-4DB2-BD59-A6C34878D82A}">
+                    <a16:rowId xmlns:a16="http://schemas.microsoft.com/office/drawing/2014/main" val="3620323914"/>
+                  </a:ext>
+                </a:extLst>
+              </a:tr>
+              <a:tr h="370840">
+                <a:tc>
+                  <a:txBody>
+                    <a:bodyPr/>
+                    <a:lstStyle/>
+                    <a:p>
+                      <a:pPr algn="r" fontAlgn="ctr"/>
+                      <a:r>
+                        <a:rPr lang="en-AU" sz="1100" b="0" i="0" u="none" strike="noStrike">
+                          <a:solidFill>
+                            <a:srgbClr val="222222"/>
+                          </a:solidFill>
+                          <a:effectLst/>
+                          <a:latin typeface="Arial" panose="020B0604020202020204" pitchFamily="34" charset="0"/>
+                        </a:rPr>
+                        <a:t>35</a:t>
+                      </a:r>
+                    </a:p>
+                  </a:txBody>
+                  <a:tcPr marL="9525" marR="9525" marT="9525" marB="0" anchor="ctr"/>
+                </a:tc>
+                <a:tc>
+                  <a:txBody>
+                    <a:bodyPr/>
+                    <a:lstStyle/>
+                    <a:p>
+                      <a:pPr algn="r" fontAlgn="ctr"/>
+                      <a:r>
+                        <a:rPr lang="en-AU" sz="1100" b="0" i="0" u="none" strike="noStrike">
+                          <a:solidFill>
+                            <a:srgbClr val="222222"/>
+                          </a:solidFill>
+                          <a:effectLst/>
+                          <a:latin typeface="Arial" panose="020B0604020202020204" pitchFamily="34" charset="0"/>
+                        </a:rPr>
+                        <a:t>5.6</a:t>
+                      </a:r>
+                    </a:p>
+                  </a:txBody>
+                  <a:tcPr marL="9525" marR="9525" marT="9525" marB="0" anchor="ctr"/>
+                </a:tc>
+                <a:tc>
+                  <a:txBody>
+                    <a:bodyPr/>
+                    <a:lstStyle/>
+                    <a:p>
+                      <a:pPr algn="ctr" fontAlgn="ctr"/>
+                      <a:r>
+                        <a:rPr lang="en-AU" sz="1100" b="0" i="0" u="none" strike="noStrike" dirty="0">
+                          <a:solidFill>
+                            <a:srgbClr val="222222"/>
+                          </a:solidFill>
+                          <a:effectLst/>
+                          <a:latin typeface="Arial" panose="020B0604020202020204" pitchFamily="34" charset="0"/>
+                        </a:rPr>
+                        <a:t>Moderate rain</a:t>
+                      </a:r>
+                    </a:p>
+                  </a:txBody>
+                  <a:tcPr marL="9525" marR="9525" marT="9525" marB="0" anchor="ctr"/>
+                </a:tc>
+                <a:extLst>
+                  <a:ext uri="{0D108BD9-81ED-4DB2-BD59-A6C34878D82A}">
+                    <a16:rowId xmlns:a16="http://schemas.microsoft.com/office/drawing/2014/main" val="672535703"/>
+                  </a:ext>
+                </a:extLst>
+              </a:tr>
+              <a:tr h="370840">
+                <a:tc>
+                  <a:txBody>
+                    <a:bodyPr/>
+                    <a:lstStyle/>
+                    <a:p>
+                      <a:pPr algn="r" fontAlgn="ctr"/>
+                      <a:r>
+                        <a:rPr lang="en-AU" sz="1100" b="0" i="0" u="none" strike="noStrike">
+                          <a:solidFill>
+                            <a:srgbClr val="222222"/>
+                          </a:solidFill>
+                          <a:effectLst/>
+                          <a:latin typeface="Arial" panose="020B0604020202020204" pitchFamily="34" charset="0"/>
+                        </a:rPr>
+                        <a:t>40</a:t>
+                      </a:r>
+                    </a:p>
+                  </a:txBody>
+                  <a:tcPr marL="9525" marR="9525" marT="9525" marB="0" anchor="ctr"/>
+                </a:tc>
+                <a:tc>
+                  <a:txBody>
+                    <a:bodyPr/>
+                    <a:lstStyle/>
+                    <a:p>
+                      <a:pPr algn="r" fontAlgn="ctr"/>
+                      <a:r>
+                        <a:rPr lang="en-AU" sz="1100" b="0" i="0" u="none" strike="noStrike">
+                          <a:solidFill>
+                            <a:srgbClr val="222222"/>
+                          </a:solidFill>
+                          <a:effectLst/>
+                          <a:latin typeface="Arial" panose="020B0604020202020204" pitchFamily="34" charset="0"/>
+                        </a:rPr>
+                        <a:t>11.53</a:t>
+                      </a:r>
+                    </a:p>
+                  </a:txBody>
+                  <a:tcPr marL="9525" marR="9525" marT="9525" marB="0" anchor="ctr"/>
+                </a:tc>
+                <a:tc>
+                  <a:txBody>
+                    <a:bodyPr/>
+                    <a:lstStyle/>
+                    <a:p>
+                      <a:pPr algn="ctr" fontAlgn="ctr"/>
+                      <a:r>
+                        <a:rPr lang="en-AU" sz="1100" b="0" i="0" u="none" strike="noStrike" dirty="0">
+                          <a:solidFill>
+                            <a:srgbClr val="222222"/>
+                          </a:solidFill>
+                          <a:effectLst/>
+                          <a:latin typeface="Arial" panose="020B0604020202020204" pitchFamily="34" charset="0"/>
+                        </a:rPr>
+                        <a:t>Moderate rain</a:t>
+                      </a:r>
+                    </a:p>
+                  </a:txBody>
+                  <a:tcPr marL="9525" marR="9525" marT="9525" marB="0" anchor="ctr"/>
+                </a:tc>
+                <a:extLst>
+                  <a:ext uri="{0D108BD9-81ED-4DB2-BD59-A6C34878D82A}">
+                    <a16:rowId xmlns:a16="http://schemas.microsoft.com/office/drawing/2014/main" val="2142198769"/>
+                  </a:ext>
+                </a:extLst>
+              </a:tr>
+              <a:tr h="370840">
+                <a:tc>
+                  <a:txBody>
+                    <a:bodyPr/>
+                    <a:lstStyle/>
+                    <a:p>
+                      <a:pPr algn="r" fontAlgn="ctr"/>
+                      <a:r>
+                        <a:rPr lang="en-AU" sz="1100" b="0" i="0" u="none" strike="noStrike">
+                          <a:solidFill>
+                            <a:srgbClr val="222222"/>
+                          </a:solidFill>
+                          <a:effectLst/>
+                          <a:latin typeface="Arial" panose="020B0604020202020204" pitchFamily="34" charset="0"/>
+                        </a:rPr>
+                        <a:t>45</a:t>
+                      </a:r>
+                    </a:p>
+                  </a:txBody>
+                  <a:tcPr marL="9525" marR="9525" marT="9525" marB="0" anchor="ctr"/>
+                </a:tc>
+                <a:tc>
+                  <a:txBody>
+                    <a:bodyPr/>
+                    <a:lstStyle/>
+                    <a:p>
+                      <a:pPr algn="r" fontAlgn="ctr"/>
+                      <a:r>
+                        <a:rPr lang="en-AU" sz="1100" b="0" i="0" u="none" strike="noStrike">
+                          <a:solidFill>
+                            <a:srgbClr val="222222"/>
+                          </a:solidFill>
+                          <a:effectLst/>
+                          <a:latin typeface="Arial" panose="020B0604020202020204" pitchFamily="34" charset="0"/>
+                        </a:rPr>
+                        <a:t>23.7</a:t>
+                      </a:r>
+                    </a:p>
+                  </a:txBody>
+                  <a:tcPr marL="9525" marR="9525" marT="9525" marB="0" anchor="ctr"/>
+                </a:tc>
+                <a:tc>
+                  <a:txBody>
+                    <a:bodyPr/>
+                    <a:lstStyle/>
+                    <a:p>
+                      <a:pPr algn="ctr" fontAlgn="ctr"/>
+                      <a:r>
+                        <a:rPr lang="en-AU" sz="1100" b="0" i="0" u="none" strike="noStrike" dirty="0">
+                          <a:solidFill>
+                            <a:srgbClr val="222222"/>
+                          </a:solidFill>
+                          <a:effectLst/>
+                          <a:latin typeface="Arial" panose="020B0604020202020204" pitchFamily="34" charset="0"/>
+                        </a:rPr>
+                        <a:t>Moderate to heavy</a:t>
+                      </a:r>
+                    </a:p>
+                  </a:txBody>
+                  <a:tcPr marL="9525" marR="9525" marT="9525" marB="0" anchor="ctr"/>
+                </a:tc>
+                <a:extLst>
+                  <a:ext uri="{0D108BD9-81ED-4DB2-BD59-A6C34878D82A}">
+                    <a16:rowId xmlns:a16="http://schemas.microsoft.com/office/drawing/2014/main" val="1125533752"/>
+                  </a:ext>
+                </a:extLst>
+              </a:tr>
+              <a:tr h="370840">
+                <a:tc>
+                  <a:txBody>
+                    <a:bodyPr/>
+                    <a:lstStyle/>
+                    <a:p>
+                      <a:pPr algn="r" fontAlgn="ctr"/>
+                      <a:r>
+                        <a:rPr lang="en-AU" sz="1100" b="0" i="0" u="none" strike="noStrike">
+                          <a:solidFill>
+                            <a:srgbClr val="222222"/>
+                          </a:solidFill>
+                          <a:effectLst/>
+                          <a:latin typeface="Arial" panose="020B0604020202020204" pitchFamily="34" charset="0"/>
+                        </a:rPr>
+                        <a:t>50</a:t>
+                      </a:r>
+                    </a:p>
+                  </a:txBody>
+                  <a:tcPr marL="9525" marR="9525" marT="9525" marB="0" anchor="ctr"/>
+                </a:tc>
+                <a:tc>
+                  <a:txBody>
+                    <a:bodyPr/>
+                    <a:lstStyle/>
+                    <a:p>
+                      <a:pPr algn="r" fontAlgn="ctr"/>
+                      <a:r>
+                        <a:rPr lang="en-AU" sz="1100" b="0" i="0" u="none" strike="noStrike">
+                          <a:solidFill>
+                            <a:srgbClr val="222222"/>
+                          </a:solidFill>
+                          <a:effectLst/>
+                          <a:latin typeface="Arial" panose="020B0604020202020204" pitchFamily="34" charset="0"/>
+                        </a:rPr>
+                        <a:t>48.6</a:t>
+                      </a:r>
+                    </a:p>
+                  </a:txBody>
+                  <a:tcPr marL="9525" marR="9525" marT="9525" marB="0" anchor="ctr"/>
+                </a:tc>
+                <a:tc>
+                  <a:txBody>
+                    <a:bodyPr/>
+                    <a:lstStyle/>
+                    <a:p>
+                      <a:pPr algn="ctr" fontAlgn="ctr"/>
+                      <a:r>
+                        <a:rPr lang="en-AU" sz="1100" b="0" i="0" u="none" strike="noStrike" dirty="0">
+                          <a:solidFill>
+                            <a:srgbClr val="222222"/>
+                          </a:solidFill>
+                          <a:effectLst/>
+                          <a:latin typeface="Arial" panose="020B0604020202020204" pitchFamily="34" charset="0"/>
+                        </a:rPr>
+                        <a:t>Heavy</a:t>
+                      </a:r>
+                    </a:p>
+                  </a:txBody>
+                  <a:tcPr marL="9525" marR="9525" marT="9525" marB="0" anchor="ctr"/>
+                </a:tc>
+                <a:extLst>
+                  <a:ext uri="{0D108BD9-81ED-4DB2-BD59-A6C34878D82A}">
+                    <a16:rowId xmlns:a16="http://schemas.microsoft.com/office/drawing/2014/main" val="194447122"/>
+                  </a:ext>
+                </a:extLst>
+              </a:tr>
+              <a:tr h="370840">
+                <a:tc>
+                  <a:txBody>
+                    <a:bodyPr/>
+                    <a:lstStyle/>
+                    <a:p>
+                      <a:pPr algn="r" fontAlgn="ctr"/>
+                      <a:r>
+                        <a:rPr lang="en-AU" sz="1100" b="0" i="0" u="none" strike="noStrike">
+                          <a:solidFill>
+                            <a:srgbClr val="222222"/>
+                          </a:solidFill>
+                          <a:effectLst/>
+                          <a:latin typeface="Arial" panose="020B0604020202020204" pitchFamily="34" charset="0"/>
+                        </a:rPr>
+                        <a:t>55</a:t>
+                      </a:r>
+                    </a:p>
+                  </a:txBody>
+                  <a:tcPr marL="9525" marR="9525" marT="9525" marB="0" anchor="ctr"/>
+                </a:tc>
+                <a:tc>
+                  <a:txBody>
+                    <a:bodyPr/>
+                    <a:lstStyle/>
+                    <a:p>
+                      <a:pPr algn="r" fontAlgn="ctr"/>
+                      <a:r>
+                        <a:rPr lang="en-AU" sz="1100" b="0" i="0" u="none" strike="noStrike">
+                          <a:solidFill>
+                            <a:srgbClr val="222222"/>
+                          </a:solidFill>
+                          <a:effectLst/>
+                          <a:latin typeface="Arial" panose="020B0604020202020204" pitchFamily="34" charset="0"/>
+                        </a:rPr>
+                        <a:t>100</a:t>
+                      </a:r>
+                    </a:p>
+                  </a:txBody>
+                  <a:tcPr marL="9525" marR="9525" marT="9525" marB="0" anchor="ctr"/>
+                </a:tc>
+                <a:tc>
+                  <a:txBody>
+                    <a:bodyPr/>
+                    <a:lstStyle/>
+                    <a:p>
+                      <a:pPr algn="ctr" fontAlgn="ctr"/>
+                      <a:r>
+                        <a:rPr lang="en-AU" sz="1100" b="0" i="0" u="none" strike="noStrike" dirty="0">
+                          <a:solidFill>
+                            <a:srgbClr val="222222"/>
+                          </a:solidFill>
+                          <a:effectLst/>
+                          <a:latin typeface="Arial" panose="020B0604020202020204" pitchFamily="34" charset="0"/>
+                        </a:rPr>
+                        <a:t>Very heavy/small hail</a:t>
+                      </a:r>
+                    </a:p>
+                  </a:txBody>
+                  <a:tcPr marL="9525" marR="9525" marT="9525" marB="0" anchor="ctr"/>
+                </a:tc>
+                <a:extLst>
+                  <a:ext uri="{0D108BD9-81ED-4DB2-BD59-A6C34878D82A}">
+                    <a16:rowId xmlns:a16="http://schemas.microsoft.com/office/drawing/2014/main" val="712710652"/>
+                  </a:ext>
+                </a:extLst>
+              </a:tr>
+              <a:tr h="370840">
+                <a:tc>
+                  <a:txBody>
+                    <a:bodyPr/>
+                    <a:lstStyle/>
+                    <a:p>
+                      <a:pPr algn="r" fontAlgn="ctr"/>
+                      <a:r>
+                        <a:rPr lang="en-AU" sz="1100" b="0" i="0" u="none" strike="noStrike">
+                          <a:solidFill>
+                            <a:srgbClr val="222222"/>
+                          </a:solidFill>
+                          <a:effectLst/>
+                          <a:latin typeface="Arial" panose="020B0604020202020204" pitchFamily="34" charset="0"/>
+                        </a:rPr>
+                        <a:t>60</a:t>
+                      </a:r>
+                    </a:p>
+                  </a:txBody>
+                  <a:tcPr marL="9525" marR="9525" marT="9525" marB="0" anchor="ctr"/>
+                </a:tc>
+                <a:tc>
+                  <a:txBody>
+                    <a:bodyPr/>
+                    <a:lstStyle/>
+                    <a:p>
+                      <a:pPr algn="r" fontAlgn="ctr"/>
+                      <a:r>
+                        <a:rPr lang="en-AU" sz="1100" b="0" i="0" u="none" strike="noStrike">
+                          <a:solidFill>
+                            <a:srgbClr val="222222"/>
+                          </a:solidFill>
+                          <a:effectLst/>
+                          <a:latin typeface="Arial" panose="020B0604020202020204" pitchFamily="34" charset="0"/>
+                        </a:rPr>
+                        <a:t>205</a:t>
+                      </a:r>
+                    </a:p>
+                  </a:txBody>
+                  <a:tcPr marL="9525" marR="9525" marT="9525" marB="0" anchor="ctr"/>
+                </a:tc>
+                <a:tc>
+                  <a:txBody>
+                    <a:bodyPr/>
+                    <a:lstStyle/>
+                    <a:p>
+                      <a:pPr algn="ctr" fontAlgn="ctr"/>
+                      <a:r>
+                        <a:rPr lang="en-AU" sz="1100" b="0" i="0" u="none" strike="noStrike" dirty="0">
+                          <a:solidFill>
+                            <a:srgbClr val="222222"/>
+                          </a:solidFill>
+                          <a:effectLst/>
+                          <a:latin typeface="Arial" panose="020B0604020202020204" pitchFamily="34" charset="0"/>
+                        </a:rPr>
+                        <a:t>Extreme/moderate hail</a:t>
+                      </a:r>
+                    </a:p>
+                  </a:txBody>
+                  <a:tcPr marL="9525" marR="9525" marT="9525" marB="0" anchor="ctr"/>
+                </a:tc>
+                <a:extLst>
+                  <a:ext uri="{0D108BD9-81ED-4DB2-BD59-A6C34878D82A}">
+                    <a16:rowId xmlns:a16="http://schemas.microsoft.com/office/drawing/2014/main" val="2172202643"/>
+                  </a:ext>
+                </a:extLst>
+              </a:tr>
+              <a:tr h="370840">
+                <a:tc>
+                  <a:txBody>
+                    <a:bodyPr/>
+                    <a:lstStyle/>
+                    <a:p>
+                      <a:pPr algn="r" fontAlgn="ctr"/>
+                      <a:r>
+                        <a:rPr lang="en-AU" sz="1100" b="0" i="0" u="none" strike="noStrike">
+                          <a:solidFill>
+                            <a:srgbClr val="222222"/>
+                          </a:solidFill>
+                          <a:effectLst/>
+                          <a:latin typeface="Arial" panose="020B0604020202020204" pitchFamily="34" charset="0"/>
+                        </a:rPr>
+                        <a:t>65</a:t>
+                      </a:r>
+                    </a:p>
+                  </a:txBody>
+                  <a:tcPr marL="9525" marR="9525" marT="9525" marB="0" anchor="ctr"/>
+                </a:tc>
+                <a:tc>
+                  <a:txBody>
+                    <a:bodyPr/>
+                    <a:lstStyle/>
+                    <a:p>
+                      <a:pPr algn="r" fontAlgn="ctr"/>
+                      <a:r>
+                        <a:rPr lang="en-AU" sz="1100" b="0" i="0" u="none" strike="noStrike">
+                          <a:solidFill>
+                            <a:srgbClr val="222222"/>
+                          </a:solidFill>
+                          <a:effectLst/>
+                          <a:latin typeface="Arial" panose="020B0604020202020204" pitchFamily="34" charset="0"/>
+                        </a:rPr>
+                        <a:t>421</a:t>
+                      </a:r>
+                    </a:p>
+                  </a:txBody>
+                  <a:tcPr marL="9525" marR="9525" marT="9525" marB="0" anchor="ctr"/>
+                </a:tc>
+                <a:tc>
+                  <a:txBody>
+                    <a:bodyPr/>
+                    <a:lstStyle/>
+                    <a:p>
+                      <a:pPr algn="ctr" fontAlgn="ctr"/>
+                      <a:r>
+                        <a:rPr lang="en-AU" sz="1100" b="0" i="0" u="none" strike="noStrike" dirty="0">
+                          <a:solidFill>
+                            <a:srgbClr val="222222"/>
+                          </a:solidFill>
+                          <a:effectLst/>
+                          <a:latin typeface="Arial" panose="020B0604020202020204" pitchFamily="34" charset="0"/>
+                        </a:rPr>
+                        <a:t>Extreme/large hail</a:t>
+                      </a:r>
+                    </a:p>
+                  </a:txBody>
+                  <a:tcPr marL="9525" marR="9525" marT="9525" marB="0" anchor="ctr"/>
+                </a:tc>
+                <a:extLst>
+                  <a:ext uri="{0D108BD9-81ED-4DB2-BD59-A6C34878D82A}">
+                    <a16:rowId xmlns:a16="http://schemas.microsoft.com/office/drawing/2014/main" val="2034392934"/>
+                  </a:ext>
+                </a:extLst>
+              </a:tr>
+            </a:tbl>
+          </a:graphicData>
+        </a:graphic>
+      </p:graphicFrame>
+      <p:pic>
+        <p:nvPicPr>
+          <p:cNvPr id="1027" name="Picture 3" descr="https://upload.wikimedia.org/wikipedia/commons/f/fe/NOAA_Doppler_DBZ_scale.jpg"/>
+          <p:cNvPicPr>
+            <a:picLocks noChangeAspect="1" noChangeArrowheads="1"/>
+          </p:cNvPicPr>
+          <p:nvPr/>
+        </p:nvPicPr>
+        <p:blipFill>
+          <a:blip r:embed="rId2">
+            <a:extLst>
+              <a:ext uri="{28A0092B-C50C-407E-A947-70E740481C1C}">
+                <a14:useLocalDpi xmlns:a14="http://schemas.microsoft.com/office/drawing/2010/main" val="0"/>
+              </a:ext>
+            </a:extLst>
+          </a:blip>
+          <a:srcRect/>
+          <a:stretch>
+            <a:fillRect/>
+          </a:stretch>
+        </p:blipFill>
+        <p:spPr bwMode="auto">
+          <a:xfrm>
+            <a:off x="1796258" y="1033991"/>
+            <a:ext cx="627855" cy="5243438"/>
+          </a:xfrm>
+          <a:prstGeom prst="rect">
+            <a:avLst/>
+          </a:prstGeom>
+          <a:noFill/>
+          <a:extLst>
+            <a:ext uri="{909E8E84-426E-40DD-AFC4-6F175D3DCCD1}">
+              <a14:hiddenFill xmlns:a14="http://schemas.microsoft.com/office/drawing/2010/main">
+                <a:solidFill>
+                  <a:srgbClr val="FFFFFF"/>
+                </a:solidFill>
+              </a14:hiddenFill>
+            </a:ext>
+          </a:extLst>
+        </p:spPr>
+      </p:pic>
+      <p:sp>
+        <p:nvSpPr>
+          <p:cNvPr id="6" name="TextBox 5"/>
+          <p:cNvSpPr txBox="1"/>
+          <p:nvPr/>
+        </p:nvSpPr>
+        <p:spPr>
+          <a:xfrm>
+            <a:off x="857647" y="6268358"/>
+            <a:ext cx="2505075" cy="369332"/>
+          </a:xfrm>
+          <a:prstGeom prst="rect">
+            <a:avLst/>
+          </a:prstGeom>
+          <a:noFill/>
+        </p:spPr>
+        <p:txBody>
+          <a:bodyPr wrap="square" rtlCol="0">
+            <a:spAutoFit/>
+          </a:bodyPr>
+          <a:lstStyle/>
+          <a:p>
+            <a:r>
+              <a:rPr lang="en-AU" dirty="0"/>
+              <a:t>US NOAA scale for radar</a:t>
+            </a:r>
+          </a:p>
+        </p:txBody>
+      </p:sp>
+    </p:spTree>
+    <p:extLst>
+      <p:ext uri="{BB962C8B-B14F-4D97-AF65-F5344CB8AC3E}">
+        <p14:creationId xmlns:p14="http://schemas.microsoft.com/office/powerpoint/2010/main" val="4050522188"/>
+      </p:ext>
+    </p:extLst>
+  </p:cSld>
+  <p:clrMapOvr>
+    <a:masterClrMapping/>
+  </p:clrMapOvr>
+</p:sld>
+</file>
+
+<file path=ppt/slides/slide11.xml><?xml version="1.0" encoding="utf-8"?>
 <p:sld xmlns:a="http://schemas.openxmlformats.org/drawingml/2006/main" xmlns:r="http://schemas.openxmlformats.org/officeDocument/2006/relationships" xmlns:p="http://schemas.openxmlformats.org/presentationml/2006/main">
   <p:cSld>
     <p:spTree>
@@ -13055,8 +14237,8 @@
           </a:p>
         </p:txBody>
       </p:sp>
-      <mc:AlternateContent xmlns:mc="http://schemas.openxmlformats.org/markup-compatibility/2006">
-        <mc:Choice xmlns:a14="http://schemas.microsoft.com/office/drawing/2010/main" Requires="a14">
+      <mc:AlternateContent xmlns:mc="http://schemas.openxmlformats.org/markup-compatibility/2006" xmlns:a14="http://schemas.microsoft.com/office/drawing/2010/main">
+        <mc:Choice Requires="a14">
           <p:sp>
             <p:nvSpPr>
               <p:cNvPr id="3" name="Content Placeholder 2"/>
@@ -13208,7 +14390,7 @@
             </p:txBody>
           </p:sp>
         </mc:Choice>
-        <mc:Fallback>
+        <mc:Fallback xmlns="">
           <p:sp>
             <p:nvSpPr>
               <p:cNvPr id="3" name="Content Placeholder 2"/>
